--- a/page-design.pptx
+++ b/page-design.pptx
@@ -5,13 +5,15 @@
     <p:sldMasterId id="2147483648" r:id="rId1"/>
   </p:sldMasterIdLst>
   <p:notesMasterIdLst>
-    <p:notesMasterId r:id="rId6"/>
+    <p:notesMasterId r:id="rId8"/>
   </p:notesMasterIdLst>
   <p:sldIdLst>
     <p:sldId id="256" r:id="rId2"/>
     <p:sldId id="258" r:id="rId3"/>
     <p:sldId id="257" r:id="rId4"/>
-    <p:sldId id="259" r:id="rId5"/>
+    <p:sldId id="260" r:id="rId5"/>
+    <p:sldId id="259" r:id="rId6"/>
+    <p:sldId id="261" r:id="rId7"/>
   </p:sldIdLst>
   <p:sldSz cx="12192000" cy="6858000"/>
   <p:notesSz cx="6858000" cy="9144000"/>
@@ -126,12 +128,36 @@
         <p14:section name="로그인" id="{ACD8B3BE-5DA2-42C5-89CD-9CD08EDE752C}">
           <p14:sldIdLst>
             <p14:sldId id="257"/>
+            <p14:sldId id="260"/>
           </p14:sldIdLst>
         </p14:section>
         <p14:section name="회원가입" id="{428209B1-BDAB-4E6E-89B8-A089C099637E}">
           <p14:sldIdLst>
             <p14:sldId id="259"/>
           </p14:sldIdLst>
+        </p14:section>
+        <p14:section name="시트생성" id="{4DE0E748-CDC6-4C39-8DA8-E2FA5D024289}">
+          <p14:sldIdLst>
+            <p14:sldId id="261"/>
+          </p14:sldIdLst>
+        </p14:section>
+        <p14:section name="시트상세" id="{E243286F-4A1B-45D7-BBA5-15BF236ED4CC}">
+          <p14:sldIdLst/>
+        </p14:section>
+        <p14:section name="시트수정" id="{8D01B6CF-AD85-49A4-905C-6039853447BF}">
+          <p14:sldIdLst/>
+        </p14:section>
+        <p14:section name="시트목록" id="{0B08698E-1E41-4351-95DE-6634DEF1CA37}">
+          <p14:sldIdLst/>
+        </p14:section>
+        <p14:section name="본인정보" id="{F7401E59-E7D9-4CD4-8286-CEC0E76E389F}">
+          <p14:sldIdLst/>
+        </p14:section>
+        <p14:section name="정보수정" id="{7D94AB02-3C88-43DE-ACA5-09EA9D6BE705}">
+          <p14:sldIdLst/>
+        </p14:section>
+        <p14:section name="유저목록" id="{4D01D861-BDCE-4F57-BF97-A237ADE5F08D}">
+          <p14:sldIdLst/>
         </p14:section>
       </p14:sectionLst>
     </p:ext>
@@ -753,7 +779,181 @@
     </p:spTree>
     <p:extLst>
       <p:ext uri="{BB962C8B-B14F-4D97-AF65-F5344CB8AC3E}">
+        <p14:creationId xmlns:p14="http://schemas.microsoft.com/office/powerpoint/2010/main" val="3707036412"/>
+      </p:ext>
+    </p:extLst>
+  </p:cSld>
+  <p:clrMapOvr>
+    <a:masterClrMapping/>
+  </p:clrMapOvr>
+</p:notes>
+</file>
+
+<file path=ppt/notesSlides/notesSlide4.xml><?xml version="1.0" encoding="utf-8"?>
+<p:notes xmlns:a="http://schemas.openxmlformats.org/drawingml/2006/main" xmlns:r="http://schemas.openxmlformats.org/officeDocument/2006/relationships" xmlns:p="http://schemas.openxmlformats.org/presentationml/2006/main">
+  <p:cSld>
+    <p:spTree>
+      <p:nvGrpSpPr>
+        <p:cNvPr id="1" name=""/>
+        <p:cNvGrpSpPr/>
+        <p:nvPr/>
+      </p:nvGrpSpPr>
+      <p:grpSpPr>
+        <a:xfrm>
+          <a:off x="0" y="0"/>
+          <a:ext cx="0" cy="0"/>
+          <a:chOff x="0" y="0"/>
+          <a:chExt cx="0" cy="0"/>
+        </a:xfrm>
+      </p:grpSpPr>
+      <p:sp>
+        <p:nvSpPr>
+          <p:cNvPr id="2" name="슬라이드 이미지 개체 틀 1"/>
+          <p:cNvSpPr>
+            <a:spLocks noGrp="1" noRot="1" noChangeAspect="1"/>
+          </p:cNvSpPr>
+          <p:nvPr>
+            <p:ph type="sldImg"/>
+          </p:nvPr>
+        </p:nvSpPr>
+        <p:spPr/>
+      </p:sp>
+      <p:sp>
+        <p:nvSpPr>
+          <p:cNvPr id="3" name="슬라이드 노트 개체 틀 2"/>
+          <p:cNvSpPr>
+            <a:spLocks noGrp="1"/>
+          </p:cNvSpPr>
+          <p:nvPr>
+            <p:ph type="body" idx="1"/>
+          </p:nvPr>
+        </p:nvSpPr>
+        <p:spPr/>
+        <p:txBody>
+          <a:bodyPr/>
+          <a:lstStyle/>
+          <a:p>
+            <a:r>
+              <a:rPr lang="ko-KR" altLang="en-US" dirty="0"/>
+              <a:t>메인 화면</a:t>
+            </a:r>
+          </a:p>
+        </p:txBody>
+      </p:sp>
+      <p:sp>
+        <p:nvSpPr>
+          <p:cNvPr id="4" name="슬라이드 번호 개체 틀 3"/>
+          <p:cNvSpPr>
+            <a:spLocks noGrp="1"/>
+          </p:cNvSpPr>
+          <p:nvPr>
+            <p:ph type="sldNum" sz="quarter" idx="5"/>
+          </p:nvPr>
+        </p:nvSpPr>
+        <p:spPr/>
+        <p:txBody>
+          <a:bodyPr/>
+          <a:lstStyle/>
+          <a:p>
+            <a:fld id="{7C65D153-3B30-43FD-B170-0B17B8E5BDB4}" type="slidenum">
+              <a:rPr lang="ko-KR" altLang="en-US" smtClean="0"/>
+              <a:t>5</a:t>
+            </a:fld>
+            <a:endParaRPr lang="ko-KR" altLang="en-US"/>
+          </a:p>
+        </p:txBody>
+      </p:sp>
+    </p:spTree>
+    <p:extLst>
+      <p:ext uri="{BB962C8B-B14F-4D97-AF65-F5344CB8AC3E}">
         <p14:creationId xmlns:p14="http://schemas.microsoft.com/office/powerpoint/2010/main" val="3465088322"/>
+      </p:ext>
+    </p:extLst>
+  </p:cSld>
+  <p:clrMapOvr>
+    <a:masterClrMapping/>
+  </p:clrMapOvr>
+</p:notes>
+</file>
+
+<file path=ppt/notesSlides/notesSlide5.xml><?xml version="1.0" encoding="utf-8"?>
+<p:notes xmlns:a="http://schemas.openxmlformats.org/drawingml/2006/main" xmlns:r="http://schemas.openxmlformats.org/officeDocument/2006/relationships" xmlns:p="http://schemas.openxmlformats.org/presentationml/2006/main">
+  <p:cSld>
+    <p:spTree>
+      <p:nvGrpSpPr>
+        <p:cNvPr id="1" name=""/>
+        <p:cNvGrpSpPr/>
+        <p:nvPr/>
+      </p:nvGrpSpPr>
+      <p:grpSpPr>
+        <a:xfrm>
+          <a:off x="0" y="0"/>
+          <a:ext cx="0" cy="0"/>
+          <a:chOff x="0" y="0"/>
+          <a:chExt cx="0" cy="0"/>
+        </a:xfrm>
+      </p:grpSpPr>
+      <p:sp>
+        <p:nvSpPr>
+          <p:cNvPr id="2" name="슬라이드 이미지 개체 틀 1"/>
+          <p:cNvSpPr>
+            <a:spLocks noGrp="1" noRot="1" noChangeAspect="1"/>
+          </p:cNvSpPr>
+          <p:nvPr>
+            <p:ph type="sldImg"/>
+          </p:nvPr>
+        </p:nvSpPr>
+        <p:spPr/>
+      </p:sp>
+      <p:sp>
+        <p:nvSpPr>
+          <p:cNvPr id="3" name="슬라이드 노트 개체 틀 2"/>
+          <p:cNvSpPr>
+            <a:spLocks noGrp="1"/>
+          </p:cNvSpPr>
+          <p:nvPr>
+            <p:ph type="body" idx="1"/>
+          </p:nvPr>
+        </p:nvSpPr>
+        <p:spPr/>
+        <p:txBody>
+          <a:bodyPr/>
+          <a:lstStyle/>
+          <a:p>
+            <a:r>
+              <a:rPr lang="ko-KR" altLang="en-US" dirty="0"/>
+              <a:t>메인 화면</a:t>
+            </a:r>
+          </a:p>
+        </p:txBody>
+      </p:sp>
+      <p:sp>
+        <p:nvSpPr>
+          <p:cNvPr id="4" name="슬라이드 번호 개체 틀 3"/>
+          <p:cNvSpPr>
+            <a:spLocks noGrp="1"/>
+          </p:cNvSpPr>
+          <p:nvPr>
+            <p:ph type="sldNum" sz="quarter" idx="5"/>
+          </p:nvPr>
+        </p:nvSpPr>
+        <p:spPr/>
+        <p:txBody>
+          <a:bodyPr/>
+          <a:lstStyle/>
+          <a:p>
+            <a:fld id="{7C65D153-3B30-43FD-B170-0B17B8E5BDB4}" type="slidenum">
+              <a:rPr lang="ko-KR" altLang="en-US" smtClean="0"/>
+              <a:t>6</a:t>
+            </a:fld>
+            <a:endParaRPr lang="ko-KR" altLang="en-US"/>
+          </a:p>
+        </p:txBody>
+      </p:sp>
+    </p:spTree>
+    <p:extLst>
+      <p:ext uri="{BB962C8B-B14F-4D97-AF65-F5344CB8AC3E}">
+        <p14:creationId xmlns:p14="http://schemas.microsoft.com/office/powerpoint/2010/main" val="2910489030"/>
       </p:ext>
     </p:extLst>
   </p:cSld>
@@ -7641,8 +7841,8 @@
         </p:nvSpPr>
         <p:spPr>
           <a:xfrm>
-            <a:off x="3686175" y="1513938"/>
-            <a:ext cx="4819650" cy="6810911"/>
+            <a:off x="4252912" y="2342678"/>
+            <a:ext cx="3686175" cy="2524125"/>
           </a:xfrm>
           <a:prstGeom prst="roundRect">
             <a:avLst>
@@ -7695,8 +7895,8 @@
         </p:nvSpPr>
         <p:spPr>
           <a:xfrm>
-            <a:off x="4614862" y="2293658"/>
-            <a:ext cx="2962275" cy="438149"/>
+            <a:off x="4614861" y="3295650"/>
+            <a:ext cx="2962275" cy="561975"/>
           </a:xfrm>
           <a:prstGeom prst="roundRect">
             <a:avLst/>
@@ -7735,10 +7935,10 @@
       </p:sp>
       <p:sp>
         <p:nvSpPr>
-          <p:cNvPr id="35" name="사각형: 둥근 모서리 34">
-            <a:extLst>
-              <a:ext uri="{FF2B5EF4-FFF2-40B4-BE49-F238E27FC236}">
-                <a16:creationId xmlns:a16="http://schemas.microsoft.com/office/drawing/2014/main" id="{ADECBF8F-FE64-4620-B994-3D596A97D8EF}"/>
+          <p:cNvPr id="36" name="직사각형 35">
+            <a:extLst>
+              <a:ext uri="{FF2B5EF4-FFF2-40B4-BE49-F238E27FC236}">
+                <a16:creationId xmlns:a16="http://schemas.microsoft.com/office/drawing/2014/main" id="{5145E7D5-3B8D-41D1-B87D-BE5A7EC5C9F7}"/>
               </a:ext>
             </a:extLst>
           </p:cNvPr>
@@ -7747,7 +7947,534 @@
         </p:nvSpPr>
         <p:spPr>
           <a:xfrm>
-            <a:off x="4614862" y="3411773"/>
+            <a:off x="4106814" y="2679119"/>
+            <a:ext cx="2686050" cy="574141"/>
+          </a:xfrm>
+          <a:prstGeom prst="rect">
+            <a:avLst/>
+          </a:prstGeom>
+          <a:noFill/>
+          <a:ln>
+            <a:noFill/>
+          </a:ln>
+        </p:spPr>
+        <p:style>
+          <a:lnRef idx="2">
+            <a:schemeClr val="accent1">
+              <a:shade val="50000"/>
+            </a:schemeClr>
+          </a:lnRef>
+          <a:fillRef idx="1">
+            <a:schemeClr val="accent1"/>
+          </a:fillRef>
+          <a:effectRef idx="0">
+            <a:schemeClr val="accent1"/>
+          </a:effectRef>
+          <a:fontRef idx="minor">
+            <a:schemeClr val="lt1"/>
+          </a:fontRef>
+        </p:style>
+        <p:txBody>
+          <a:bodyPr rtlCol="0" anchor="ctr"/>
+          <a:lstStyle/>
+          <a:p>
+            <a:pPr algn="ctr"/>
+            <a:r>
+              <a:rPr lang="en-US" altLang="ko-KR" sz="2400" b="1" dirty="0">
+                <a:solidFill>
+                  <a:schemeClr val="bg1"/>
+                </a:solidFill>
+              </a:rPr>
+              <a:t>Your</a:t>
+            </a:r>
+            <a:r>
+              <a:rPr lang="ko-KR" altLang="en-US" sz="2400" b="1" dirty="0">
+                <a:solidFill>
+                  <a:schemeClr val="bg1"/>
+                </a:solidFill>
+              </a:rPr>
+              <a:t> </a:t>
+            </a:r>
+            <a:r>
+              <a:rPr lang="en-US" altLang="ko-KR" sz="2400" b="1" dirty="0">
+                <a:solidFill>
+                  <a:schemeClr val="bg1"/>
+                </a:solidFill>
+              </a:rPr>
+              <a:t>Email</a:t>
+            </a:r>
+            <a:endParaRPr lang="ko-KR" altLang="en-US" sz="2400" b="1" dirty="0">
+              <a:solidFill>
+                <a:schemeClr val="bg1"/>
+              </a:solidFill>
+            </a:endParaRPr>
+          </a:p>
+        </p:txBody>
+      </p:sp>
+      <p:sp>
+        <p:nvSpPr>
+          <p:cNvPr id="39" name="사각형: 둥근 모서리 38">
+            <a:extLst>
+              <a:ext uri="{FF2B5EF4-FFF2-40B4-BE49-F238E27FC236}">
+                <a16:creationId xmlns:a16="http://schemas.microsoft.com/office/drawing/2014/main" id="{4E2DA93B-79C6-4778-8FEC-12E1344C1EB0}"/>
+              </a:ext>
+            </a:extLst>
+          </p:cNvPr>
+          <p:cNvSpPr/>
+          <p:nvPr/>
+        </p:nvSpPr>
+        <p:spPr>
+          <a:xfrm>
+            <a:off x="6252323" y="4172925"/>
+            <a:ext cx="1292315" cy="446670"/>
+          </a:xfrm>
+          <a:prstGeom prst="roundRect">
+            <a:avLst/>
+          </a:prstGeom>
+          <a:solidFill>
+            <a:srgbClr val="00C4CC"/>
+          </a:solidFill>
+          <a:ln>
+            <a:noFill/>
+          </a:ln>
+        </p:spPr>
+        <p:style>
+          <a:lnRef idx="2">
+            <a:schemeClr val="accent1">
+              <a:shade val="50000"/>
+            </a:schemeClr>
+          </a:lnRef>
+          <a:fillRef idx="1">
+            <a:schemeClr val="accent1"/>
+          </a:fillRef>
+          <a:effectRef idx="0">
+            <a:schemeClr val="accent1"/>
+          </a:effectRef>
+          <a:fontRef idx="minor">
+            <a:schemeClr val="lt1"/>
+          </a:fontRef>
+        </p:style>
+        <p:txBody>
+          <a:bodyPr rtlCol="0" anchor="ctr"/>
+          <a:lstStyle/>
+          <a:p>
+            <a:pPr algn="ctr"/>
+            <a:r>
+              <a:rPr lang="en-US" altLang="ko-KR" sz="1600" b="1" dirty="0">
+                <a:solidFill>
+                  <a:schemeClr val="bg1"/>
+                </a:solidFill>
+              </a:rPr>
+              <a:t>Send</a:t>
+            </a:r>
+            <a:endParaRPr lang="ko-KR" altLang="en-US" sz="1600" b="1" dirty="0">
+              <a:solidFill>
+                <a:schemeClr val="bg1"/>
+              </a:solidFill>
+            </a:endParaRPr>
+          </a:p>
+        </p:txBody>
+      </p:sp>
+      <p:sp>
+        <p:nvSpPr>
+          <p:cNvPr id="13" name="직사각형 12">
+            <a:extLst>
+              <a:ext uri="{FF2B5EF4-FFF2-40B4-BE49-F238E27FC236}">
+                <a16:creationId xmlns:a16="http://schemas.microsoft.com/office/drawing/2014/main" id="{547F9E5F-1555-46B1-8702-50E237C31305}"/>
+              </a:ext>
+            </a:extLst>
+          </p:cNvPr>
+          <p:cNvSpPr/>
+          <p:nvPr/>
+        </p:nvSpPr>
+        <p:spPr>
+          <a:xfrm>
+            <a:off x="3832619" y="1521329"/>
+            <a:ext cx="4526758" cy="574141"/>
+          </a:xfrm>
+          <a:prstGeom prst="rect">
+            <a:avLst/>
+          </a:prstGeom>
+          <a:noFill/>
+          <a:ln>
+            <a:noFill/>
+          </a:ln>
+        </p:spPr>
+        <p:style>
+          <a:lnRef idx="2">
+            <a:schemeClr val="accent1">
+              <a:shade val="50000"/>
+            </a:schemeClr>
+          </a:lnRef>
+          <a:fillRef idx="1">
+            <a:schemeClr val="accent1"/>
+          </a:fillRef>
+          <a:effectRef idx="0">
+            <a:schemeClr val="accent1"/>
+          </a:effectRef>
+          <a:fontRef idx="minor">
+            <a:schemeClr val="lt1"/>
+          </a:fontRef>
+        </p:style>
+        <p:txBody>
+          <a:bodyPr rtlCol="0" anchor="ctr"/>
+          <a:lstStyle/>
+          <a:p>
+            <a:pPr algn="ctr"/>
+            <a:r>
+              <a:rPr lang="en-US" altLang="ko-KR" sz="2800" b="1" dirty="0">
+                <a:solidFill>
+                  <a:schemeClr val="accent3">
+                    <a:lumMod val="75000"/>
+                  </a:schemeClr>
+                </a:solidFill>
+              </a:rPr>
+              <a:t>Send New Password</a:t>
+            </a:r>
+            <a:endParaRPr lang="ko-KR" altLang="en-US" sz="2800" b="1" dirty="0">
+              <a:solidFill>
+                <a:schemeClr val="accent3">
+                  <a:lumMod val="75000"/>
+                </a:schemeClr>
+              </a:solidFill>
+            </a:endParaRPr>
+          </a:p>
+        </p:txBody>
+      </p:sp>
+    </p:spTree>
+    <p:extLst>
+      <p:ext uri="{BB962C8B-B14F-4D97-AF65-F5344CB8AC3E}">
+        <p14:creationId xmlns:p14="http://schemas.microsoft.com/office/powerpoint/2010/main" val="1312114020"/>
+      </p:ext>
+    </p:extLst>
+  </p:cSld>
+  <p:clrMapOvr>
+    <a:masterClrMapping/>
+  </p:clrMapOvr>
+</p:sld>
+</file>
+
+<file path=ppt/slides/slide5.xml><?xml version="1.0" encoding="utf-8"?>
+<p:sld xmlns:a="http://schemas.openxmlformats.org/drawingml/2006/main" xmlns:r="http://schemas.openxmlformats.org/officeDocument/2006/relationships" xmlns:p="http://schemas.openxmlformats.org/presentationml/2006/main">
+  <p:cSld>
+    <p:spTree>
+      <p:nvGrpSpPr>
+        <p:cNvPr id="1" name=""/>
+        <p:cNvGrpSpPr/>
+        <p:nvPr/>
+      </p:nvGrpSpPr>
+      <p:grpSpPr>
+        <a:xfrm>
+          <a:off x="0" y="0"/>
+          <a:ext cx="0" cy="0"/>
+          <a:chOff x="0" y="0"/>
+          <a:chExt cx="0" cy="0"/>
+        </a:xfrm>
+      </p:grpSpPr>
+      <p:sp>
+        <p:nvSpPr>
+          <p:cNvPr id="6" name="타원 5">
+            <a:extLst>
+              <a:ext uri="{FF2B5EF4-FFF2-40B4-BE49-F238E27FC236}">
+                <a16:creationId xmlns:a16="http://schemas.microsoft.com/office/drawing/2014/main" id="{93EDF210-D15A-4702-83DD-CCE7D956DAC7}"/>
+              </a:ext>
+            </a:extLst>
+          </p:cNvPr>
+          <p:cNvSpPr/>
+          <p:nvPr/>
+        </p:nvSpPr>
+        <p:spPr>
+          <a:xfrm>
+            <a:off x="1571625" y="116443"/>
+            <a:ext cx="790575" cy="771525"/>
+          </a:xfrm>
+          <a:prstGeom prst="ellipse">
+            <a:avLst/>
+          </a:prstGeom>
+          <a:solidFill>
+            <a:srgbClr val="00C4CC"/>
+          </a:solidFill>
+          <a:ln>
+            <a:noFill/>
+          </a:ln>
+        </p:spPr>
+        <p:style>
+          <a:lnRef idx="2">
+            <a:schemeClr val="accent1">
+              <a:shade val="50000"/>
+            </a:schemeClr>
+          </a:lnRef>
+          <a:fillRef idx="1">
+            <a:schemeClr val="accent1"/>
+          </a:fillRef>
+          <a:effectRef idx="0">
+            <a:schemeClr val="accent1"/>
+          </a:effectRef>
+          <a:fontRef idx="minor">
+            <a:schemeClr val="lt1"/>
+          </a:fontRef>
+        </p:style>
+        <p:txBody>
+          <a:bodyPr rtlCol="0" anchor="ctr"/>
+          <a:lstStyle/>
+          <a:p>
+            <a:pPr algn="ctr"/>
+            <a:r>
+              <a:rPr lang="en-US" altLang="ko-KR" sz="4000" dirty="0">
+                <a:latin typeface="Arial Black" panose="020B0A04020102020204" pitchFamily="34" charset="0"/>
+              </a:rPr>
+              <a:t>G</a:t>
+            </a:r>
+            <a:endParaRPr lang="ko-KR" altLang="en-US" sz="4000" dirty="0">
+              <a:latin typeface="Arial Black" panose="020B0A04020102020204" pitchFamily="34" charset="0"/>
+            </a:endParaRPr>
+          </a:p>
+        </p:txBody>
+      </p:sp>
+      <p:sp>
+        <p:nvSpPr>
+          <p:cNvPr id="7" name="직사각형 6">
+            <a:extLst>
+              <a:ext uri="{FF2B5EF4-FFF2-40B4-BE49-F238E27FC236}">
+                <a16:creationId xmlns:a16="http://schemas.microsoft.com/office/drawing/2014/main" id="{14E09186-2807-47E5-8D17-FC9D6A639E1A}"/>
+              </a:ext>
+            </a:extLst>
+          </p:cNvPr>
+          <p:cNvSpPr/>
+          <p:nvPr/>
+        </p:nvSpPr>
+        <p:spPr>
+          <a:xfrm>
+            <a:off x="1571625" y="-405460"/>
+            <a:ext cx="1071127" cy="369332"/>
+          </a:xfrm>
+          <a:prstGeom prst="rect">
+            <a:avLst/>
+          </a:prstGeom>
+        </p:spPr>
+        <p:txBody>
+          <a:bodyPr wrap="none">
+            <a:spAutoFit/>
+          </a:bodyPr>
+          <a:lstStyle/>
+          <a:p>
+            <a:r>
+              <a:rPr lang="en-US" altLang="ko-KR" b="0" i="0" dirty="0">
+                <a:solidFill>
+                  <a:srgbClr val="222222"/>
+                </a:solidFill>
+                <a:effectLst/>
+                <a:latin typeface="Consolas" panose="020B0609020204030204" pitchFamily="49" charset="0"/>
+              </a:rPr>
+              <a:t>#00c4cc</a:t>
+            </a:r>
+            <a:endParaRPr lang="ko-KR" altLang="en-US" dirty="0"/>
+          </a:p>
+        </p:txBody>
+      </p:sp>
+      <p:sp>
+        <p:nvSpPr>
+          <p:cNvPr id="8" name="직사각형 7">
+            <a:extLst>
+              <a:ext uri="{FF2B5EF4-FFF2-40B4-BE49-F238E27FC236}">
+                <a16:creationId xmlns:a16="http://schemas.microsoft.com/office/drawing/2014/main" id="{D0084916-6CB9-4A73-982F-8EAEDA6573A6}"/>
+              </a:ext>
+            </a:extLst>
+          </p:cNvPr>
+          <p:cNvSpPr/>
+          <p:nvPr/>
+        </p:nvSpPr>
+        <p:spPr>
+          <a:xfrm>
+            <a:off x="8867775" y="231814"/>
+            <a:ext cx="1200150" cy="574141"/>
+          </a:xfrm>
+          <a:prstGeom prst="rect">
+            <a:avLst/>
+          </a:prstGeom>
+          <a:noFill/>
+          <a:ln>
+            <a:noFill/>
+          </a:ln>
+        </p:spPr>
+        <p:style>
+          <a:lnRef idx="2">
+            <a:schemeClr val="accent1">
+              <a:shade val="50000"/>
+            </a:schemeClr>
+          </a:lnRef>
+          <a:fillRef idx="1">
+            <a:schemeClr val="accent1"/>
+          </a:fillRef>
+          <a:effectRef idx="0">
+            <a:schemeClr val="accent1"/>
+          </a:effectRef>
+          <a:fontRef idx="minor">
+            <a:schemeClr val="lt1"/>
+          </a:fontRef>
+        </p:style>
+        <p:txBody>
+          <a:bodyPr rtlCol="0" anchor="ctr"/>
+          <a:lstStyle/>
+          <a:p>
+            <a:pPr algn="ctr"/>
+            <a:r>
+              <a:rPr lang="en-US" altLang="ko-KR" b="1" dirty="0">
+                <a:solidFill>
+                  <a:schemeClr val="accent3">
+                    <a:lumMod val="75000"/>
+                  </a:schemeClr>
+                </a:solidFill>
+              </a:rPr>
+              <a:t>Login</a:t>
+            </a:r>
+            <a:endParaRPr lang="ko-KR" altLang="en-US" b="1" dirty="0">
+              <a:solidFill>
+                <a:schemeClr val="accent3">
+                  <a:lumMod val="75000"/>
+                </a:schemeClr>
+              </a:solidFill>
+            </a:endParaRPr>
+          </a:p>
+        </p:txBody>
+      </p:sp>
+      <p:sp>
+        <p:nvSpPr>
+          <p:cNvPr id="10" name="사각형: 둥근 모서리 9">
+            <a:extLst>
+              <a:ext uri="{FF2B5EF4-FFF2-40B4-BE49-F238E27FC236}">
+                <a16:creationId xmlns:a16="http://schemas.microsoft.com/office/drawing/2014/main" id="{6E8EB817-BC05-4938-80CE-57F7F2A73B25}"/>
+              </a:ext>
+            </a:extLst>
+          </p:cNvPr>
+          <p:cNvSpPr/>
+          <p:nvPr/>
+        </p:nvSpPr>
+        <p:spPr>
+          <a:xfrm>
+            <a:off x="10277473" y="259854"/>
+            <a:ext cx="1028701" cy="498455"/>
+          </a:xfrm>
+          <a:prstGeom prst="roundRect">
+            <a:avLst/>
+          </a:prstGeom>
+          <a:solidFill>
+            <a:schemeClr val="bg1"/>
+          </a:solidFill>
+          <a:ln>
+            <a:solidFill>
+              <a:schemeClr val="accent3">
+                <a:lumMod val="75000"/>
+              </a:schemeClr>
+            </a:solidFill>
+          </a:ln>
+        </p:spPr>
+        <p:style>
+          <a:lnRef idx="2">
+            <a:schemeClr val="accent1">
+              <a:shade val="50000"/>
+            </a:schemeClr>
+          </a:lnRef>
+          <a:fillRef idx="1">
+            <a:schemeClr val="accent1"/>
+          </a:fillRef>
+          <a:effectRef idx="0">
+            <a:schemeClr val="accent1"/>
+          </a:effectRef>
+          <a:fontRef idx="minor">
+            <a:schemeClr val="lt1"/>
+          </a:fontRef>
+        </p:style>
+        <p:txBody>
+          <a:bodyPr rtlCol="0" anchor="ctr"/>
+          <a:lstStyle/>
+          <a:p>
+            <a:pPr algn="ctr"/>
+            <a:r>
+              <a:rPr lang="en-US" altLang="ko-KR" sz="1400" b="1" dirty="0">
+                <a:solidFill>
+                  <a:schemeClr val="tx1"/>
+                </a:solidFill>
+              </a:rPr>
+              <a:t>Sign Up</a:t>
+            </a:r>
+            <a:endParaRPr lang="ko-KR" altLang="en-US" sz="1400" b="1" dirty="0">
+              <a:solidFill>
+                <a:schemeClr val="tx1"/>
+              </a:solidFill>
+            </a:endParaRPr>
+          </a:p>
+        </p:txBody>
+      </p:sp>
+      <p:sp>
+        <p:nvSpPr>
+          <p:cNvPr id="20" name="사각형: 둥근 모서리 19">
+            <a:extLst>
+              <a:ext uri="{FF2B5EF4-FFF2-40B4-BE49-F238E27FC236}">
+                <a16:creationId xmlns:a16="http://schemas.microsoft.com/office/drawing/2014/main" id="{7054440E-A1D7-4AF0-AECA-61D6371897AA}"/>
+              </a:ext>
+            </a:extLst>
+          </p:cNvPr>
+          <p:cNvSpPr/>
+          <p:nvPr/>
+        </p:nvSpPr>
+        <p:spPr>
+          <a:xfrm>
+            <a:off x="3686175" y="1513938"/>
+            <a:ext cx="4819650" cy="6810911"/>
+          </a:xfrm>
+          <a:prstGeom prst="roundRect">
+            <a:avLst>
+              <a:gd name="adj" fmla="val 5903"/>
+            </a:avLst>
+          </a:prstGeom>
+          <a:solidFill>
+            <a:srgbClr val="7D2AE8"/>
+          </a:solidFill>
+          <a:ln>
+            <a:noFill/>
+          </a:ln>
+        </p:spPr>
+        <p:style>
+          <a:lnRef idx="2">
+            <a:schemeClr val="accent1">
+              <a:shade val="50000"/>
+            </a:schemeClr>
+          </a:lnRef>
+          <a:fillRef idx="1">
+            <a:schemeClr val="accent1"/>
+          </a:fillRef>
+          <a:effectRef idx="0">
+            <a:schemeClr val="accent1"/>
+          </a:effectRef>
+          <a:fontRef idx="minor">
+            <a:schemeClr val="lt1"/>
+          </a:fontRef>
+        </p:style>
+        <p:txBody>
+          <a:bodyPr rtlCol="0" anchor="ctr"/>
+          <a:lstStyle/>
+          <a:p>
+            <a:pPr algn="ctr"/>
+            <a:endParaRPr lang="ko-KR" altLang="en-US"/>
+          </a:p>
+        </p:txBody>
+      </p:sp>
+      <p:sp>
+        <p:nvSpPr>
+          <p:cNvPr id="21" name="사각형: 둥근 모서리 20">
+            <a:extLst>
+              <a:ext uri="{FF2B5EF4-FFF2-40B4-BE49-F238E27FC236}">
+                <a16:creationId xmlns:a16="http://schemas.microsoft.com/office/drawing/2014/main" id="{0EA25A34-1B14-4EB4-9456-19B3ECDDE65F}"/>
+              </a:ext>
+            </a:extLst>
+          </p:cNvPr>
+          <p:cNvSpPr/>
+          <p:nvPr/>
+        </p:nvSpPr>
+        <p:spPr>
+          <a:xfrm>
+            <a:off x="4614862" y="2293658"/>
             <a:ext cx="2962275" cy="438149"/>
           </a:xfrm>
           <a:prstGeom prst="roundRect">
@@ -7787,6 +8514,58 @@
       </p:sp>
       <p:sp>
         <p:nvSpPr>
+          <p:cNvPr id="35" name="사각형: 둥근 모서리 34">
+            <a:extLst>
+              <a:ext uri="{FF2B5EF4-FFF2-40B4-BE49-F238E27FC236}">
+                <a16:creationId xmlns:a16="http://schemas.microsoft.com/office/drawing/2014/main" id="{ADECBF8F-FE64-4620-B994-3D596A97D8EF}"/>
+              </a:ext>
+            </a:extLst>
+          </p:cNvPr>
+          <p:cNvSpPr/>
+          <p:nvPr/>
+        </p:nvSpPr>
+        <p:spPr>
+          <a:xfrm>
+            <a:off x="4614862" y="3411773"/>
+            <a:ext cx="2962275" cy="438149"/>
+          </a:xfrm>
+          <a:prstGeom prst="roundRect">
+            <a:avLst/>
+          </a:prstGeom>
+          <a:solidFill>
+            <a:schemeClr val="bg1"/>
+          </a:solidFill>
+          <a:ln>
+            <a:noFill/>
+          </a:ln>
+        </p:spPr>
+        <p:style>
+          <a:lnRef idx="2">
+            <a:schemeClr val="accent1">
+              <a:shade val="50000"/>
+            </a:schemeClr>
+          </a:lnRef>
+          <a:fillRef idx="1">
+            <a:schemeClr val="accent1"/>
+          </a:fillRef>
+          <a:effectRef idx="0">
+            <a:schemeClr val="accent1"/>
+          </a:effectRef>
+          <a:fontRef idx="minor">
+            <a:schemeClr val="lt1"/>
+          </a:fontRef>
+        </p:style>
+        <p:txBody>
+          <a:bodyPr rtlCol="0" anchor="ctr"/>
+          <a:lstStyle/>
+          <a:p>
+            <a:pPr algn="ctr"/>
+            <a:endParaRPr lang="ko-KR" altLang="en-US"/>
+          </a:p>
+        </p:txBody>
+      </p:sp>
+      <p:sp>
+        <p:nvSpPr>
           <p:cNvPr id="36" name="직사각형 35">
             <a:extLst>
               <a:ext uri="{FF2B5EF4-FFF2-40B4-BE49-F238E27FC236}">
@@ -8531,6 +9310,339 @@
     <p:extLst>
       <p:ext uri="{BB962C8B-B14F-4D97-AF65-F5344CB8AC3E}">
         <p14:creationId xmlns:p14="http://schemas.microsoft.com/office/powerpoint/2010/main" val="1554071424"/>
+      </p:ext>
+    </p:extLst>
+  </p:cSld>
+  <p:clrMapOvr>
+    <a:masterClrMapping/>
+  </p:clrMapOvr>
+</p:sld>
+</file>
+
+<file path=ppt/slides/slide6.xml><?xml version="1.0" encoding="utf-8"?>
+<p:sld xmlns:a="http://schemas.openxmlformats.org/drawingml/2006/main" xmlns:r="http://schemas.openxmlformats.org/officeDocument/2006/relationships" xmlns:p="http://schemas.openxmlformats.org/presentationml/2006/main">
+  <p:cSld>
+    <p:spTree>
+      <p:nvGrpSpPr>
+        <p:cNvPr id="1" name=""/>
+        <p:cNvGrpSpPr/>
+        <p:nvPr/>
+      </p:nvGrpSpPr>
+      <p:grpSpPr>
+        <a:xfrm>
+          <a:off x="0" y="0"/>
+          <a:ext cx="0" cy="0"/>
+          <a:chOff x="0" y="0"/>
+          <a:chExt cx="0" cy="0"/>
+        </a:xfrm>
+      </p:grpSpPr>
+      <p:sp>
+        <p:nvSpPr>
+          <p:cNvPr id="6" name="타원 5">
+            <a:extLst>
+              <a:ext uri="{FF2B5EF4-FFF2-40B4-BE49-F238E27FC236}">
+                <a16:creationId xmlns:a16="http://schemas.microsoft.com/office/drawing/2014/main" id="{93EDF210-D15A-4702-83DD-CCE7D956DAC7}"/>
+              </a:ext>
+            </a:extLst>
+          </p:cNvPr>
+          <p:cNvSpPr/>
+          <p:nvPr/>
+        </p:nvSpPr>
+        <p:spPr>
+          <a:xfrm>
+            <a:off x="1571625" y="116443"/>
+            <a:ext cx="790575" cy="771525"/>
+          </a:xfrm>
+          <a:prstGeom prst="ellipse">
+            <a:avLst/>
+          </a:prstGeom>
+          <a:solidFill>
+            <a:srgbClr val="00C4CC"/>
+          </a:solidFill>
+          <a:ln>
+            <a:noFill/>
+          </a:ln>
+        </p:spPr>
+        <p:style>
+          <a:lnRef idx="2">
+            <a:schemeClr val="accent1">
+              <a:shade val="50000"/>
+            </a:schemeClr>
+          </a:lnRef>
+          <a:fillRef idx="1">
+            <a:schemeClr val="accent1"/>
+          </a:fillRef>
+          <a:effectRef idx="0">
+            <a:schemeClr val="accent1"/>
+          </a:effectRef>
+          <a:fontRef idx="minor">
+            <a:schemeClr val="lt1"/>
+          </a:fontRef>
+        </p:style>
+        <p:txBody>
+          <a:bodyPr rtlCol="0" anchor="ctr"/>
+          <a:lstStyle/>
+          <a:p>
+            <a:pPr algn="ctr"/>
+            <a:r>
+              <a:rPr lang="en-US" altLang="ko-KR" sz="4000" dirty="0">
+                <a:latin typeface="Arial Black" panose="020B0A04020102020204" pitchFamily="34" charset="0"/>
+              </a:rPr>
+              <a:t>G</a:t>
+            </a:r>
+            <a:endParaRPr lang="ko-KR" altLang="en-US" sz="4000" dirty="0">
+              <a:latin typeface="Arial Black" panose="020B0A04020102020204" pitchFamily="34" charset="0"/>
+            </a:endParaRPr>
+          </a:p>
+        </p:txBody>
+      </p:sp>
+      <p:sp>
+        <p:nvSpPr>
+          <p:cNvPr id="7" name="직사각형 6">
+            <a:extLst>
+              <a:ext uri="{FF2B5EF4-FFF2-40B4-BE49-F238E27FC236}">
+                <a16:creationId xmlns:a16="http://schemas.microsoft.com/office/drawing/2014/main" id="{14E09186-2807-47E5-8D17-FC9D6A639E1A}"/>
+              </a:ext>
+            </a:extLst>
+          </p:cNvPr>
+          <p:cNvSpPr/>
+          <p:nvPr/>
+        </p:nvSpPr>
+        <p:spPr>
+          <a:xfrm>
+            <a:off x="1571625" y="-405460"/>
+            <a:ext cx="1071127" cy="369332"/>
+          </a:xfrm>
+          <a:prstGeom prst="rect">
+            <a:avLst/>
+          </a:prstGeom>
+        </p:spPr>
+        <p:txBody>
+          <a:bodyPr wrap="none">
+            <a:spAutoFit/>
+          </a:bodyPr>
+          <a:lstStyle/>
+          <a:p>
+            <a:r>
+              <a:rPr lang="en-US" altLang="ko-KR" b="0" i="0" dirty="0">
+                <a:solidFill>
+                  <a:srgbClr val="222222"/>
+                </a:solidFill>
+                <a:effectLst/>
+                <a:latin typeface="Consolas" panose="020B0609020204030204" pitchFamily="49" charset="0"/>
+              </a:rPr>
+              <a:t>#00c4cc</a:t>
+            </a:r>
+            <a:endParaRPr lang="ko-KR" altLang="en-US" dirty="0"/>
+          </a:p>
+        </p:txBody>
+      </p:sp>
+      <p:sp>
+        <p:nvSpPr>
+          <p:cNvPr id="11" name="직사각형 10">
+            <a:extLst>
+              <a:ext uri="{FF2B5EF4-FFF2-40B4-BE49-F238E27FC236}">
+                <a16:creationId xmlns:a16="http://schemas.microsoft.com/office/drawing/2014/main" id="{EB85D3F4-6F9F-4A37-8439-E551ED294227}"/>
+              </a:ext>
+            </a:extLst>
+          </p:cNvPr>
+          <p:cNvSpPr/>
+          <p:nvPr/>
+        </p:nvSpPr>
+        <p:spPr>
+          <a:xfrm>
+            <a:off x="8162926" y="225099"/>
+            <a:ext cx="1200150" cy="574141"/>
+          </a:xfrm>
+          <a:prstGeom prst="rect">
+            <a:avLst/>
+          </a:prstGeom>
+          <a:noFill/>
+          <a:ln>
+            <a:noFill/>
+          </a:ln>
+        </p:spPr>
+        <p:style>
+          <a:lnRef idx="2">
+            <a:schemeClr val="accent1">
+              <a:shade val="50000"/>
+            </a:schemeClr>
+          </a:lnRef>
+          <a:fillRef idx="1">
+            <a:schemeClr val="accent1"/>
+          </a:fillRef>
+          <a:effectRef idx="0">
+            <a:schemeClr val="accent1"/>
+          </a:effectRef>
+          <a:fontRef idx="minor">
+            <a:schemeClr val="lt1"/>
+          </a:fontRef>
+        </p:style>
+        <p:txBody>
+          <a:bodyPr rtlCol="0" anchor="ctr"/>
+          <a:lstStyle/>
+          <a:p>
+            <a:pPr algn="ctr"/>
+            <a:r>
+              <a:rPr lang="en-US" altLang="ko-KR" b="1" dirty="0">
+                <a:solidFill>
+                  <a:schemeClr val="accent3">
+                    <a:lumMod val="75000"/>
+                  </a:schemeClr>
+                </a:solidFill>
+              </a:rPr>
+              <a:t>logout</a:t>
+            </a:r>
+            <a:endParaRPr lang="ko-KR" altLang="en-US" b="1" dirty="0">
+              <a:solidFill>
+                <a:schemeClr val="accent3">
+                  <a:lumMod val="75000"/>
+                </a:schemeClr>
+              </a:solidFill>
+            </a:endParaRPr>
+          </a:p>
+        </p:txBody>
+      </p:sp>
+      <p:sp>
+        <p:nvSpPr>
+          <p:cNvPr id="12" name="사각형: 둥근 모서리 11">
+            <a:extLst>
+              <a:ext uri="{FF2B5EF4-FFF2-40B4-BE49-F238E27FC236}">
+                <a16:creationId xmlns:a16="http://schemas.microsoft.com/office/drawing/2014/main" id="{90BEE58F-843D-47A9-B56B-8EF5A190E2BF}"/>
+              </a:ext>
+            </a:extLst>
+          </p:cNvPr>
+          <p:cNvSpPr/>
+          <p:nvPr/>
+        </p:nvSpPr>
+        <p:spPr>
+          <a:xfrm>
+            <a:off x="9572624" y="253139"/>
+            <a:ext cx="1028701" cy="498455"/>
+          </a:xfrm>
+          <a:prstGeom prst="roundRect">
+            <a:avLst/>
+          </a:prstGeom>
+          <a:solidFill>
+            <a:schemeClr val="bg1"/>
+          </a:solidFill>
+          <a:ln>
+            <a:solidFill>
+              <a:schemeClr val="accent3">
+                <a:lumMod val="75000"/>
+              </a:schemeClr>
+            </a:solidFill>
+          </a:ln>
+        </p:spPr>
+        <p:style>
+          <a:lnRef idx="2">
+            <a:schemeClr val="accent1">
+              <a:shade val="50000"/>
+            </a:schemeClr>
+          </a:lnRef>
+          <a:fillRef idx="1">
+            <a:schemeClr val="accent1"/>
+          </a:fillRef>
+          <a:effectRef idx="0">
+            <a:schemeClr val="accent1"/>
+          </a:effectRef>
+          <a:fontRef idx="minor">
+            <a:schemeClr val="lt1"/>
+          </a:fontRef>
+        </p:style>
+        <p:txBody>
+          <a:bodyPr rtlCol="0" anchor="ctr"/>
+          <a:lstStyle/>
+          <a:p>
+            <a:pPr algn="ctr"/>
+            <a:r>
+              <a:rPr lang="en-US" altLang="ko-KR" sz="1400" b="1" dirty="0">
+                <a:solidFill>
+                  <a:schemeClr val="tx1"/>
+                </a:solidFill>
+              </a:rPr>
+              <a:t>My Info</a:t>
+            </a:r>
+            <a:endParaRPr lang="ko-KR" altLang="en-US" sz="1400" b="1" dirty="0">
+              <a:solidFill>
+                <a:schemeClr val="tx1"/>
+              </a:solidFill>
+            </a:endParaRPr>
+          </a:p>
+        </p:txBody>
+      </p:sp>
+      <p:sp>
+        <p:nvSpPr>
+          <p:cNvPr id="14" name="사각형: 둥근 모서리 13">
+            <a:extLst>
+              <a:ext uri="{FF2B5EF4-FFF2-40B4-BE49-F238E27FC236}">
+                <a16:creationId xmlns:a16="http://schemas.microsoft.com/office/drawing/2014/main" id="{51B93145-5842-4F23-97AC-8829211CB7CE}"/>
+              </a:ext>
+            </a:extLst>
+          </p:cNvPr>
+          <p:cNvSpPr/>
+          <p:nvPr/>
+        </p:nvSpPr>
+        <p:spPr>
+          <a:xfrm>
+            <a:off x="10810873" y="262941"/>
+            <a:ext cx="1162053" cy="498455"/>
+          </a:xfrm>
+          <a:prstGeom prst="roundRect">
+            <a:avLst/>
+          </a:prstGeom>
+          <a:solidFill>
+            <a:schemeClr val="bg1"/>
+          </a:solidFill>
+          <a:ln>
+            <a:solidFill>
+              <a:schemeClr val="accent3">
+                <a:lumMod val="75000"/>
+              </a:schemeClr>
+            </a:solidFill>
+          </a:ln>
+        </p:spPr>
+        <p:style>
+          <a:lnRef idx="2">
+            <a:schemeClr val="accent1">
+              <a:shade val="50000"/>
+            </a:schemeClr>
+          </a:lnRef>
+          <a:fillRef idx="1">
+            <a:schemeClr val="accent1"/>
+          </a:fillRef>
+          <a:effectRef idx="0">
+            <a:schemeClr val="accent1"/>
+          </a:effectRef>
+          <a:fontRef idx="minor">
+            <a:schemeClr val="lt1"/>
+          </a:fontRef>
+        </p:style>
+        <p:txBody>
+          <a:bodyPr rtlCol="0" anchor="ctr"/>
+          <a:lstStyle/>
+          <a:p>
+            <a:pPr algn="ctr"/>
+            <a:r>
+              <a:rPr lang="en-US" altLang="ko-KR" sz="1400" b="1" dirty="0">
+                <a:solidFill>
+                  <a:schemeClr val="tx1"/>
+                </a:solidFill>
+              </a:rPr>
+              <a:t>My Sheet</a:t>
+            </a:r>
+            <a:endParaRPr lang="ko-KR" altLang="en-US" sz="1400" b="1" dirty="0">
+              <a:solidFill>
+                <a:schemeClr val="tx1"/>
+              </a:solidFill>
+            </a:endParaRPr>
+          </a:p>
+        </p:txBody>
+      </p:sp>
+    </p:spTree>
+    <p:extLst>
+      <p:ext uri="{BB962C8B-B14F-4D97-AF65-F5344CB8AC3E}">
+        <p14:creationId xmlns:p14="http://schemas.microsoft.com/office/powerpoint/2010/main" val="147231390"/>
       </p:ext>
     </p:extLst>
   </p:cSld>

--- a/page-design.pptx
+++ b/page-design.pptx
@@ -261,7 +261,7 @@
           <a:p>
             <a:fld id="{01552233-20E6-4AB7-8741-BE4172DDBC84}" type="datetimeFigureOut">
               <a:rPr lang="ko-KR" altLang="en-US" smtClean="0"/>
-              <a:t>2020-06-04</a:t>
+              <a:t>2020. 6. 6.</a:t>
             </a:fld>
             <a:endParaRPr lang="ko-KR" altLang="en-US"/>
           </a:p>
@@ -1110,7 +1110,7 @@
           <a:p>
             <a:fld id="{316F4E24-04D5-47E1-9DD4-428684ACC90F}" type="datetimeFigureOut">
               <a:rPr lang="ko-KR" altLang="en-US" smtClean="0"/>
-              <a:t>2020-06-04</a:t>
+              <a:t>2020. 6. 6.</a:t>
             </a:fld>
             <a:endParaRPr lang="ko-KR" altLang="en-US"/>
           </a:p>
@@ -1308,7 +1308,7 @@
           <a:p>
             <a:fld id="{316F4E24-04D5-47E1-9DD4-428684ACC90F}" type="datetimeFigureOut">
               <a:rPr lang="ko-KR" altLang="en-US" smtClean="0"/>
-              <a:t>2020-06-04</a:t>
+              <a:t>2020. 6. 6.</a:t>
             </a:fld>
             <a:endParaRPr lang="ko-KR" altLang="en-US"/>
           </a:p>
@@ -1516,7 +1516,7 @@
           <a:p>
             <a:fld id="{316F4E24-04D5-47E1-9DD4-428684ACC90F}" type="datetimeFigureOut">
               <a:rPr lang="ko-KR" altLang="en-US" smtClean="0"/>
-              <a:t>2020-06-04</a:t>
+              <a:t>2020. 6. 6.</a:t>
             </a:fld>
             <a:endParaRPr lang="ko-KR" altLang="en-US"/>
           </a:p>
@@ -1714,7 +1714,7 @@
           <a:p>
             <a:fld id="{316F4E24-04D5-47E1-9DD4-428684ACC90F}" type="datetimeFigureOut">
               <a:rPr lang="ko-KR" altLang="en-US" smtClean="0"/>
-              <a:t>2020-06-04</a:t>
+              <a:t>2020. 6. 6.</a:t>
             </a:fld>
             <a:endParaRPr lang="ko-KR" altLang="en-US"/>
           </a:p>
@@ -1989,7 +1989,7 @@
           <a:p>
             <a:fld id="{316F4E24-04D5-47E1-9DD4-428684ACC90F}" type="datetimeFigureOut">
               <a:rPr lang="ko-KR" altLang="en-US" smtClean="0"/>
-              <a:t>2020-06-04</a:t>
+              <a:t>2020. 6. 6.</a:t>
             </a:fld>
             <a:endParaRPr lang="ko-KR" altLang="en-US"/>
           </a:p>
@@ -2254,7 +2254,7 @@
           <a:p>
             <a:fld id="{316F4E24-04D5-47E1-9DD4-428684ACC90F}" type="datetimeFigureOut">
               <a:rPr lang="ko-KR" altLang="en-US" smtClean="0"/>
-              <a:t>2020-06-04</a:t>
+              <a:t>2020. 6. 6.</a:t>
             </a:fld>
             <a:endParaRPr lang="ko-KR" altLang="en-US"/>
           </a:p>
@@ -2666,7 +2666,7 @@
           <a:p>
             <a:fld id="{316F4E24-04D5-47E1-9DD4-428684ACC90F}" type="datetimeFigureOut">
               <a:rPr lang="ko-KR" altLang="en-US" smtClean="0"/>
-              <a:t>2020-06-04</a:t>
+              <a:t>2020. 6. 6.</a:t>
             </a:fld>
             <a:endParaRPr lang="ko-KR" altLang="en-US"/>
           </a:p>
@@ -2807,7 +2807,7 @@
           <a:p>
             <a:fld id="{316F4E24-04D5-47E1-9DD4-428684ACC90F}" type="datetimeFigureOut">
               <a:rPr lang="ko-KR" altLang="en-US" smtClean="0"/>
-              <a:t>2020-06-04</a:t>
+              <a:t>2020. 6. 6.</a:t>
             </a:fld>
             <a:endParaRPr lang="ko-KR" altLang="en-US"/>
           </a:p>
@@ -2920,7 +2920,7 @@
           <a:p>
             <a:fld id="{316F4E24-04D5-47E1-9DD4-428684ACC90F}" type="datetimeFigureOut">
               <a:rPr lang="ko-KR" altLang="en-US" smtClean="0"/>
-              <a:t>2020-06-04</a:t>
+              <a:t>2020. 6. 6.</a:t>
             </a:fld>
             <a:endParaRPr lang="ko-KR" altLang="en-US"/>
           </a:p>
@@ -3231,7 +3231,7 @@
           <a:p>
             <a:fld id="{316F4E24-04D5-47E1-9DD4-428684ACC90F}" type="datetimeFigureOut">
               <a:rPr lang="ko-KR" altLang="en-US" smtClean="0"/>
-              <a:t>2020-06-04</a:t>
+              <a:t>2020. 6. 6.</a:t>
             </a:fld>
             <a:endParaRPr lang="ko-KR" altLang="en-US"/>
           </a:p>
@@ -3519,7 +3519,7 @@
           <a:p>
             <a:fld id="{316F4E24-04D5-47E1-9DD4-428684ACC90F}" type="datetimeFigureOut">
               <a:rPr lang="ko-KR" altLang="en-US" smtClean="0"/>
-              <a:t>2020-06-04</a:t>
+              <a:t>2020. 6. 6.</a:t>
             </a:fld>
             <a:endParaRPr lang="ko-KR" altLang="en-US"/>
           </a:p>
@@ -3760,7 +3760,7 @@
           <a:p>
             <a:fld id="{316F4E24-04D5-47E1-9DD4-428684ACC90F}" type="datetimeFigureOut">
               <a:rPr lang="ko-KR" altLang="en-US" smtClean="0"/>
-              <a:t>2020-06-04</a:t>
+              <a:t>2020. 6. 6.</a:t>
             </a:fld>
             <a:endParaRPr lang="ko-KR" altLang="en-US"/>
           </a:p>
@@ -6917,6 +6917,58 @@
       </p:grpSpPr>
       <p:sp>
         <p:nvSpPr>
+          <p:cNvPr id="2" name="직사각형 1">
+            <a:extLst>
+              <a:ext uri="{FF2B5EF4-FFF2-40B4-BE49-F238E27FC236}">
+                <a16:creationId xmlns:a16="http://schemas.microsoft.com/office/drawing/2014/main" id="{456A4E07-9A29-904E-8BD1-59BD58489FD3}"/>
+              </a:ext>
+            </a:extLst>
+          </p:cNvPr>
+          <p:cNvSpPr/>
+          <p:nvPr/>
+        </p:nvSpPr>
+        <p:spPr>
+          <a:xfrm>
+            <a:off x="1336305" y="58500"/>
+            <a:ext cx="1261213" cy="887409"/>
+          </a:xfrm>
+          <a:prstGeom prst="rect">
+            <a:avLst/>
+          </a:prstGeom>
+          <a:solidFill>
+            <a:srgbClr val="F7F6F9"/>
+          </a:solidFill>
+          <a:ln>
+            <a:noFill/>
+          </a:ln>
+        </p:spPr>
+        <p:style>
+          <a:lnRef idx="2">
+            <a:schemeClr val="accent1">
+              <a:shade val="50000"/>
+            </a:schemeClr>
+          </a:lnRef>
+          <a:fillRef idx="1">
+            <a:schemeClr val="accent1"/>
+          </a:fillRef>
+          <a:effectRef idx="0">
+            <a:schemeClr val="accent1"/>
+          </a:effectRef>
+          <a:fontRef idx="minor">
+            <a:schemeClr val="lt1"/>
+          </a:fontRef>
+        </p:style>
+        <p:txBody>
+          <a:bodyPr rtlCol="0" anchor="ctr"/>
+          <a:lstStyle/>
+          <a:p>
+            <a:pPr algn="ctr"/>
+            <a:endParaRPr kumimoji="1" lang="ko-Kore-KR" altLang="en-US"/>
+          </a:p>
+        </p:txBody>
+      </p:sp>
+      <p:sp>
+        <p:nvSpPr>
           <p:cNvPr id="6" name="타원 5">
             <a:extLst>
               <a:ext uri="{FF2B5EF4-FFF2-40B4-BE49-F238E27FC236}">
@@ -7562,6 +7614,42 @@
           </a:p>
         </p:txBody>
       </p:sp>
+      <p:pic>
+        <p:nvPicPr>
+          <p:cNvPr id="4" name="그림 3" descr="표지판, 시계이(가) 표시된 사진&#10;&#10;자동 생성된 설명">
+            <a:extLst>
+              <a:ext uri="{FF2B5EF4-FFF2-40B4-BE49-F238E27FC236}">
+                <a16:creationId xmlns:a16="http://schemas.microsoft.com/office/drawing/2014/main" id="{7433B46D-D68E-DC42-B697-49642986C510}"/>
+              </a:ext>
+            </a:extLst>
+          </p:cNvPr>
+          <p:cNvPicPr>
+            <a:picLocks noChangeAspect="1"/>
+          </p:cNvPicPr>
+          <p:nvPr/>
+        </p:nvPicPr>
+        <p:blipFill>
+          <a:blip r:embed="rId3">
+            <a:extLst>
+              <a:ext uri="{28A0092B-C50C-407E-A947-70E740481C1C}">
+                <a14:useLocalDpi xmlns:a14="http://schemas.microsoft.com/office/drawing/2010/main" val="0"/>
+              </a:ext>
+            </a:extLst>
+          </a:blip>
+          <a:stretch>
+            <a:fillRect/>
+          </a:stretch>
+        </p:blipFill>
+        <p:spPr>
+          <a:xfrm>
+            <a:off x="2345754" y="2359026"/>
+            <a:ext cx="1689100" cy="1689100"/>
+          </a:xfrm>
+          <a:prstGeom prst="rect">
+            <a:avLst/>
+          </a:prstGeom>
+        </p:spPr>
+      </p:pic>
     </p:spTree>
     <p:extLst>
       <p:ext uri="{BB962C8B-B14F-4D97-AF65-F5344CB8AC3E}">

--- a/page-design.pptx
+++ b/page-design.pptx
@@ -261,7 +261,7 @@
           <a:p>
             <a:fld id="{01552233-20E6-4AB7-8741-BE4172DDBC84}" type="datetimeFigureOut">
               <a:rPr lang="ko-KR" altLang="en-US" smtClean="0"/>
-              <a:t>2020. 6. 6.</a:t>
+              <a:t>2020. 6. 9.</a:t>
             </a:fld>
             <a:endParaRPr lang="ko-KR" altLang="en-US"/>
           </a:p>
@@ -1110,7 +1110,7 @@
           <a:p>
             <a:fld id="{316F4E24-04D5-47E1-9DD4-428684ACC90F}" type="datetimeFigureOut">
               <a:rPr lang="ko-KR" altLang="en-US" smtClean="0"/>
-              <a:t>2020. 6. 6.</a:t>
+              <a:t>2020. 6. 9.</a:t>
             </a:fld>
             <a:endParaRPr lang="ko-KR" altLang="en-US"/>
           </a:p>
@@ -1308,7 +1308,7 @@
           <a:p>
             <a:fld id="{316F4E24-04D5-47E1-9DD4-428684ACC90F}" type="datetimeFigureOut">
               <a:rPr lang="ko-KR" altLang="en-US" smtClean="0"/>
-              <a:t>2020. 6. 6.</a:t>
+              <a:t>2020. 6. 9.</a:t>
             </a:fld>
             <a:endParaRPr lang="ko-KR" altLang="en-US"/>
           </a:p>
@@ -1516,7 +1516,7 @@
           <a:p>
             <a:fld id="{316F4E24-04D5-47E1-9DD4-428684ACC90F}" type="datetimeFigureOut">
               <a:rPr lang="ko-KR" altLang="en-US" smtClean="0"/>
-              <a:t>2020. 6. 6.</a:t>
+              <a:t>2020. 6. 9.</a:t>
             </a:fld>
             <a:endParaRPr lang="ko-KR" altLang="en-US"/>
           </a:p>
@@ -1714,7 +1714,7 @@
           <a:p>
             <a:fld id="{316F4E24-04D5-47E1-9DD4-428684ACC90F}" type="datetimeFigureOut">
               <a:rPr lang="ko-KR" altLang="en-US" smtClean="0"/>
-              <a:t>2020. 6. 6.</a:t>
+              <a:t>2020. 6. 9.</a:t>
             </a:fld>
             <a:endParaRPr lang="ko-KR" altLang="en-US"/>
           </a:p>
@@ -1989,7 +1989,7 @@
           <a:p>
             <a:fld id="{316F4E24-04D5-47E1-9DD4-428684ACC90F}" type="datetimeFigureOut">
               <a:rPr lang="ko-KR" altLang="en-US" smtClean="0"/>
-              <a:t>2020. 6. 6.</a:t>
+              <a:t>2020. 6. 9.</a:t>
             </a:fld>
             <a:endParaRPr lang="ko-KR" altLang="en-US"/>
           </a:p>
@@ -2254,7 +2254,7 @@
           <a:p>
             <a:fld id="{316F4E24-04D5-47E1-9DD4-428684ACC90F}" type="datetimeFigureOut">
               <a:rPr lang="ko-KR" altLang="en-US" smtClean="0"/>
-              <a:t>2020. 6. 6.</a:t>
+              <a:t>2020. 6. 9.</a:t>
             </a:fld>
             <a:endParaRPr lang="ko-KR" altLang="en-US"/>
           </a:p>
@@ -2666,7 +2666,7 @@
           <a:p>
             <a:fld id="{316F4E24-04D5-47E1-9DD4-428684ACC90F}" type="datetimeFigureOut">
               <a:rPr lang="ko-KR" altLang="en-US" smtClean="0"/>
-              <a:t>2020. 6. 6.</a:t>
+              <a:t>2020. 6. 9.</a:t>
             </a:fld>
             <a:endParaRPr lang="ko-KR" altLang="en-US"/>
           </a:p>
@@ -2807,7 +2807,7 @@
           <a:p>
             <a:fld id="{316F4E24-04D5-47E1-9DD4-428684ACC90F}" type="datetimeFigureOut">
               <a:rPr lang="ko-KR" altLang="en-US" smtClean="0"/>
-              <a:t>2020. 6. 6.</a:t>
+              <a:t>2020. 6. 9.</a:t>
             </a:fld>
             <a:endParaRPr lang="ko-KR" altLang="en-US"/>
           </a:p>
@@ -2920,7 +2920,7 @@
           <a:p>
             <a:fld id="{316F4E24-04D5-47E1-9DD4-428684ACC90F}" type="datetimeFigureOut">
               <a:rPr lang="ko-KR" altLang="en-US" smtClean="0"/>
-              <a:t>2020. 6. 6.</a:t>
+              <a:t>2020. 6. 9.</a:t>
             </a:fld>
             <a:endParaRPr lang="ko-KR" altLang="en-US"/>
           </a:p>
@@ -3231,7 +3231,7 @@
           <a:p>
             <a:fld id="{316F4E24-04D5-47E1-9DD4-428684ACC90F}" type="datetimeFigureOut">
               <a:rPr lang="ko-KR" altLang="en-US" smtClean="0"/>
-              <a:t>2020. 6. 6.</a:t>
+              <a:t>2020. 6. 9.</a:t>
             </a:fld>
             <a:endParaRPr lang="ko-KR" altLang="en-US"/>
           </a:p>
@@ -3519,7 +3519,7 @@
           <a:p>
             <a:fld id="{316F4E24-04D5-47E1-9DD4-428684ACC90F}" type="datetimeFigureOut">
               <a:rPr lang="ko-KR" altLang="en-US" smtClean="0"/>
-              <a:t>2020. 6. 6.</a:t>
+              <a:t>2020. 6. 9.</a:t>
             </a:fld>
             <a:endParaRPr lang="ko-KR" altLang="en-US"/>
           </a:p>
@@ -3760,7 +3760,7 @@
           <a:p>
             <a:fld id="{316F4E24-04D5-47E1-9DD4-428684ACC90F}" type="datetimeFigureOut">
               <a:rPr lang="ko-KR" altLang="en-US" smtClean="0"/>
-              <a:t>2020. 6. 6.</a:t>
+              <a:t>2020. 6. 9.</a:t>
             </a:fld>
             <a:endParaRPr lang="ko-KR" altLang="en-US"/>
           </a:p>
@@ -9724,6 +9724,1474 @@
                 <a:schemeClr val="tx1"/>
               </a:solidFill>
             </a:endParaRPr>
+          </a:p>
+        </p:txBody>
+      </p:sp>
+      <p:cxnSp>
+        <p:nvCxnSpPr>
+          <p:cNvPr id="3" name="직선 연결선[R] 2">
+            <a:extLst>
+              <a:ext uri="{FF2B5EF4-FFF2-40B4-BE49-F238E27FC236}">
+                <a16:creationId xmlns:a16="http://schemas.microsoft.com/office/drawing/2014/main" id="{DD863946-3BA4-CA4A-85B8-33EDBFB14CC1}"/>
+              </a:ext>
+            </a:extLst>
+          </p:cNvPr>
+          <p:cNvCxnSpPr>
+            <a:cxnSpLocks/>
+          </p:cNvCxnSpPr>
+          <p:nvPr/>
+        </p:nvCxnSpPr>
+        <p:spPr>
+          <a:xfrm>
+            <a:off x="6324600" y="993913"/>
+            <a:ext cx="0" cy="5516218"/>
+          </a:xfrm>
+          <a:prstGeom prst="line">
+            <a:avLst/>
+          </a:prstGeom>
+          <a:ln w="38100">
+            <a:solidFill>
+              <a:schemeClr val="accent1"/>
+            </a:solidFill>
+          </a:ln>
+        </p:spPr>
+        <p:style>
+          <a:lnRef idx="1">
+            <a:schemeClr val="accent1"/>
+          </a:lnRef>
+          <a:fillRef idx="0">
+            <a:schemeClr val="accent1"/>
+          </a:fillRef>
+          <a:effectRef idx="0">
+            <a:schemeClr val="accent1"/>
+          </a:effectRef>
+          <a:fontRef idx="minor">
+            <a:schemeClr val="tx1"/>
+          </a:fontRef>
+        </p:style>
+      </p:cxnSp>
+      <p:sp>
+        <p:nvSpPr>
+          <p:cNvPr id="10" name="사각형: 둥근 모서리 20">
+            <a:extLst>
+              <a:ext uri="{FF2B5EF4-FFF2-40B4-BE49-F238E27FC236}">
+                <a16:creationId xmlns:a16="http://schemas.microsoft.com/office/drawing/2014/main" id="{6E651297-30BD-234E-BBC6-B5A7F68F9C86}"/>
+              </a:ext>
+            </a:extLst>
+          </p:cNvPr>
+          <p:cNvSpPr/>
+          <p:nvPr/>
+        </p:nvSpPr>
+        <p:spPr>
+          <a:xfrm>
+            <a:off x="7884503" y="1766955"/>
+            <a:ext cx="3571459" cy="399847"/>
+          </a:xfrm>
+          <a:prstGeom prst="roundRect">
+            <a:avLst/>
+          </a:prstGeom>
+          <a:solidFill>
+            <a:schemeClr val="bg1"/>
+          </a:solidFill>
+          <a:ln>
+            <a:solidFill>
+              <a:schemeClr val="tx1"/>
+            </a:solidFill>
+          </a:ln>
+        </p:spPr>
+        <p:style>
+          <a:lnRef idx="2">
+            <a:schemeClr val="accent1">
+              <a:shade val="50000"/>
+            </a:schemeClr>
+          </a:lnRef>
+          <a:fillRef idx="1">
+            <a:schemeClr val="accent1"/>
+          </a:fillRef>
+          <a:effectRef idx="0">
+            <a:schemeClr val="accent1"/>
+          </a:effectRef>
+          <a:fontRef idx="minor">
+            <a:schemeClr val="lt1"/>
+          </a:fontRef>
+        </p:style>
+        <p:txBody>
+          <a:bodyPr rtlCol="0" anchor="ctr"/>
+          <a:lstStyle/>
+          <a:p>
+            <a:pPr algn="ctr"/>
+            <a:endParaRPr lang="ko-KR" altLang="en-US"/>
+          </a:p>
+        </p:txBody>
+      </p:sp>
+      <p:sp>
+        <p:nvSpPr>
+          <p:cNvPr id="13" name="사각형: 둥근 모서리 20">
+            <a:extLst>
+              <a:ext uri="{FF2B5EF4-FFF2-40B4-BE49-F238E27FC236}">
+                <a16:creationId xmlns:a16="http://schemas.microsoft.com/office/drawing/2014/main" id="{4A6434DD-12AC-1F4B-967D-8B5521FCD01E}"/>
+              </a:ext>
+            </a:extLst>
+          </p:cNvPr>
+          <p:cNvSpPr/>
+          <p:nvPr/>
+        </p:nvSpPr>
+        <p:spPr>
+          <a:xfrm>
+            <a:off x="7884503" y="2398054"/>
+            <a:ext cx="3571459" cy="399847"/>
+          </a:xfrm>
+          <a:prstGeom prst="roundRect">
+            <a:avLst/>
+          </a:prstGeom>
+          <a:solidFill>
+            <a:schemeClr val="bg1"/>
+          </a:solidFill>
+          <a:ln>
+            <a:solidFill>
+              <a:schemeClr val="tx1"/>
+            </a:solidFill>
+          </a:ln>
+        </p:spPr>
+        <p:style>
+          <a:lnRef idx="2">
+            <a:schemeClr val="accent1">
+              <a:shade val="50000"/>
+            </a:schemeClr>
+          </a:lnRef>
+          <a:fillRef idx="1">
+            <a:schemeClr val="accent1"/>
+          </a:fillRef>
+          <a:effectRef idx="0">
+            <a:schemeClr val="accent1"/>
+          </a:effectRef>
+          <a:fontRef idx="minor">
+            <a:schemeClr val="lt1"/>
+          </a:fontRef>
+        </p:style>
+        <p:txBody>
+          <a:bodyPr rtlCol="0" anchor="ctr"/>
+          <a:lstStyle/>
+          <a:p>
+            <a:pPr algn="ctr"/>
+            <a:endParaRPr lang="ko-KR" altLang="en-US"/>
+          </a:p>
+        </p:txBody>
+      </p:sp>
+      <p:sp>
+        <p:nvSpPr>
+          <p:cNvPr id="15" name="사각형: 둥근 모서리 20">
+            <a:extLst>
+              <a:ext uri="{FF2B5EF4-FFF2-40B4-BE49-F238E27FC236}">
+                <a16:creationId xmlns:a16="http://schemas.microsoft.com/office/drawing/2014/main" id="{24A25AE3-34A5-4C4F-913F-157C75AD26F0}"/>
+              </a:ext>
+            </a:extLst>
+          </p:cNvPr>
+          <p:cNvSpPr/>
+          <p:nvPr/>
+        </p:nvSpPr>
+        <p:spPr>
+          <a:xfrm>
+            <a:off x="7884503" y="3029153"/>
+            <a:ext cx="3571459" cy="399847"/>
+          </a:xfrm>
+          <a:prstGeom prst="roundRect">
+            <a:avLst/>
+          </a:prstGeom>
+          <a:solidFill>
+            <a:schemeClr val="bg1"/>
+          </a:solidFill>
+          <a:ln>
+            <a:solidFill>
+              <a:schemeClr val="tx1"/>
+            </a:solidFill>
+          </a:ln>
+        </p:spPr>
+        <p:style>
+          <a:lnRef idx="2">
+            <a:schemeClr val="accent1">
+              <a:shade val="50000"/>
+            </a:schemeClr>
+          </a:lnRef>
+          <a:fillRef idx="1">
+            <a:schemeClr val="accent1"/>
+          </a:fillRef>
+          <a:effectRef idx="0">
+            <a:schemeClr val="accent1"/>
+          </a:effectRef>
+          <a:fontRef idx="minor">
+            <a:schemeClr val="lt1"/>
+          </a:fontRef>
+        </p:style>
+        <p:txBody>
+          <a:bodyPr rtlCol="0" anchor="ctr"/>
+          <a:lstStyle/>
+          <a:p>
+            <a:pPr algn="ctr"/>
+            <a:endParaRPr lang="ko-KR" altLang="en-US"/>
+          </a:p>
+        </p:txBody>
+      </p:sp>
+      <p:sp>
+        <p:nvSpPr>
+          <p:cNvPr id="16" name="사각형: 둥근 모서리 11">
+            <a:extLst>
+              <a:ext uri="{FF2B5EF4-FFF2-40B4-BE49-F238E27FC236}">
+                <a16:creationId xmlns:a16="http://schemas.microsoft.com/office/drawing/2014/main" id="{8BFBE824-586C-8F48-B73D-A2109FF61A46}"/>
+              </a:ext>
+            </a:extLst>
+          </p:cNvPr>
+          <p:cNvSpPr/>
+          <p:nvPr/>
+        </p:nvSpPr>
+        <p:spPr>
+          <a:xfrm>
+            <a:off x="6737351" y="1764220"/>
+            <a:ext cx="1031175" cy="412535"/>
+          </a:xfrm>
+          <a:prstGeom prst="roundRect">
+            <a:avLst/>
+          </a:prstGeom>
+          <a:solidFill>
+            <a:schemeClr val="bg1"/>
+          </a:solidFill>
+          <a:ln>
+            <a:solidFill>
+              <a:schemeClr val="accent3">
+                <a:lumMod val="75000"/>
+              </a:schemeClr>
+            </a:solidFill>
+          </a:ln>
+        </p:spPr>
+        <p:style>
+          <a:lnRef idx="2">
+            <a:schemeClr val="accent1">
+              <a:shade val="50000"/>
+            </a:schemeClr>
+          </a:lnRef>
+          <a:fillRef idx="1">
+            <a:schemeClr val="accent1"/>
+          </a:fillRef>
+          <a:effectRef idx="0">
+            <a:schemeClr val="accent1"/>
+          </a:effectRef>
+          <a:fontRef idx="minor">
+            <a:schemeClr val="lt1"/>
+          </a:fontRef>
+        </p:style>
+        <p:txBody>
+          <a:bodyPr rtlCol="0" anchor="ctr"/>
+          <a:lstStyle/>
+          <a:p>
+            <a:pPr algn="ctr"/>
+            <a:r>
+              <a:rPr lang="ko-KR" altLang="en-US" sz="1400" b="1" dirty="0">
+                <a:solidFill>
+                  <a:schemeClr val="tx1"/>
+                </a:solidFill>
+              </a:rPr>
+              <a:t>받는 사람</a:t>
+            </a:r>
+          </a:p>
+        </p:txBody>
+      </p:sp>
+      <p:sp>
+        <p:nvSpPr>
+          <p:cNvPr id="17" name="사각형: 둥근 모서리 11">
+            <a:extLst>
+              <a:ext uri="{FF2B5EF4-FFF2-40B4-BE49-F238E27FC236}">
+                <a16:creationId xmlns:a16="http://schemas.microsoft.com/office/drawing/2014/main" id="{1770B5B7-3DBB-2F49-B438-406C1A25F5DF}"/>
+              </a:ext>
+            </a:extLst>
+          </p:cNvPr>
+          <p:cNvSpPr/>
+          <p:nvPr/>
+        </p:nvSpPr>
+        <p:spPr>
+          <a:xfrm>
+            <a:off x="6737351" y="2390342"/>
+            <a:ext cx="1031175" cy="412535"/>
+          </a:xfrm>
+          <a:prstGeom prst="roundRect">
+            <a:avLst/>
+          </a:prstGeom>
+          <a:solidFill>
+            <a:schemeClr val="bg1"/>
+          </a:solidFill>
+          <a:ln>
+            <a:solidFill>
+              <a:schemeClr val="accent3">
+                <a:lumMod val="75000"/>
+              </a:schemeClr>
+            </a:solidFill>
+          </a:ln>
+        </p:spPr>
+        <p:style>
+          <a:lnRef idx="2">
+            <a:schemeClr val="accent1">
+              <a:shade val="50000"/>
+            </a:schemeClr>
+          </a:lnRef>
+          <a:fillRef idx="1">
+            <a:schemeClr val="accent1"/>
+          </a:fillRef>
+          <a:effectRef idx="0">
+            <a:schemeClr val="accent1"/>
+          </a:effectRef>
+          <a:fontRef idx="minor">
+            <a:schemeClr val="lt1"/>
+          </a:fontRef>
+        </p:style>
+        <p:txBody>
+          <a:bodyPr rtlCol="0" anchor="ctr"/>
+          <a:lstStyle/>
+          <a:p>
+            <a:pPr algn="ctr"/>
+            <a:r>
+              <a:rPr lang="ko-KR" altLang="en-US" sz="1400" b="1" dirty="0">
+                <a:solidFill>
+                  <a:schemeClr val="tx1"/>
+                </a:solidFill>
+              </a:rPr>
+              <a:t>참조</a:t>
+            </a:r>
+          </a:p>
+        </p:txBody>
+      </p:sp>
+      <p:sp>
+        <p:nvSpPr>
+          <p:cNvPr id="18" name="사각형: 둥근 모서리 11">
+            <a:extLst>
+              <a:ext uri="{FF2B5EF4-FFF2-40B4-BE49-F238E27FC236}">
+                <a16:creationId xmlns:a16="http://schemas.microsoft.com/office/drawing/2014/main" id="{65ADB704-20D8-6445-B745-DEF0866AB106}"/>
+              </a:ext>
+            </a:extLst>
+          </p:cNvPr>
+          <p:cNvSpPr/>
+          <p:nvPr/>
+        </p:nvSpPr>
+        <p:spPr>
+          <a:xfrm>
+            <a:off x="6737351" y="3016465"/>
+            <a:ext cx="1031175" cy="412535"/>
+          </a:xfrm>
+          <a:prstGeom prst="roundRect">
+            <a:avLst/>
+          </a:prstGeom>
+          <a:solidFill>
+            <a:schemeClr val="bg1"/>
+          </a:solidFill>
+          <a:ln>
+            <a:solidFill>
+              <a:schemeClr val="accent3">
+                <a:lumMod val="75000"/>
+              </a:schemeClr>
+            </a:solidFill>
+          </a:ln>
+        </p:spPr>
+        <p:style>
+          <a:lnRef idx="2">
+            <a:schemeClr val="accent1">
+              <a:shade val="50000"/>
+            </a:schemeClr>
+          </a:lnRef>
+          <a:fillRef idx="1">
+            <a:schemeClr val="accent1"/>
+          </a:fillRef>
+          <a:effectRef idx="0">
+            <a:schemeClr val="accent1"/>
+          </a:effectRef>
+          <a:fontRef idx="minor">
+            <a:schemeClr val="lt1"/>
+          </a:fontRef>
+        </p:style>
+        <p:txBody>
+          <a:bodyPr rtlCol="0" anchor="ctr"/>
+          <a:lstStyle/>
+          <a:p>
+            <a:pPr algn="ctr"/>
+            <a:r>
+              <a:rPr lang="ko-KR" altLang="en-US" sz="1400" b="1" dirty="0">
+                <a:solidFill>
+                  <a:schemeClr val="tx1"/>
+                </a:solidFill>
+              </a:rPr>
+              <a:t>제 목</a:t>
+            </a:r>
+          </a:p>
+        </p:txBody>
+      </p:sp>
+      <p:sp>
+        <p:nvSpPr>
+          <p:cNvPr id="20" name="사각형: 둥근 모서리 20">
+            <a:extLst>
+              <a:ext uri="{FF2B5EF4-FFF2-40B4-BE49-F238E27FC236}">
+                <a16:creationId xmlns:a16="http://schemas.microsoft.com/office/drawing/2014/main" id="{A24A96D5-F691-3F4D-97A2-AD43A48076DD}"/>
+              </a:ext>
+            </a:extLst>
+          </p:cNvPr>
+          <p:cNvSpPr/>
+          <p:nvPr/>
+        </p:nvSpPr>
+        <p:spPr>
+          <a:xfrm>
+            <a:off x="6515516" y="3647661"/>
+            <a:ext cx="5381624" cy="2947398"/>
+          </a:xfrm>
+          <a:prstGeom prst="roundRect">
+            <a:avLst/>
+          </a:prstGeom>
+          <a:solidFill>
+            <a:schemeClr val="bg1"/>
+          </a:solidFill>
+          <a:ln>
+            <a:solidFill>
+              <a:schemeClr val="tx1"/>
+            </a:solidFill>
+          </a:ln>
+        </p:spPr>
+        <p:style>
+          <a:lnRef idx="2">
+            <a:schemeClr val="accent1">
+              <a:shade val="50000"/>
+            </a:schemeClr>
+          </a:lnRef>
+          <a:fillRef idx="1">
+            <a:schemeClr val="accent1"/>
+          </a:fillRef>
+          <a:effectRef idx="0">
+            <a:schemeClr val="accent1"/>
+          </a:effectRef>
+          <a:fontRef idx="minor">
+            <a:schemeClr val="lt1"/>
+          </a:fontRef>
+        </p:style>
+        <p:txBody>
+          <a:bodyPr rtlCol="0" anchor="ctr"/>
+          <a:lstStyle/>
+          <a:p>
+            <a:pPr algn="ctr"/>
+            <a:endParaRPr lang="ko-KR" altLang="en-US"/>
+          </a:p>
+        </p:txBody>
+      </p:sp>
+      <p:graphicFrame>
+        <p:nvGraphicFramePr>
+          <p:cNvPr id="5" name="표 4">
+            <a:extLst>
+              <a:ext uri="{FF2B5EF4-FFF2-40B4-BE49-F238E27FC236}">
+                <a16:creationId xmlns:a16="http://schemas.microsoft.com/office/drawing/2014/main" id="{86DB185E-685B-BD4F-84F4-E9C64AA57C1C}"/>
+              </a:ext>
+            </a:extLst>
+          </p:cNvPr>
+          <p:cNvGraphicFramePr>
+            <a:graphicFrameLocks noGrp="1"/>
+          </p:cNvGraphicFramePr>
+          <p:nvPr>
+            <p:extLst>
+              <p:ext uri="{D42A27DB-BD31-4B8C-83A1-F6EECF244321}">
+                <p14:modId xmlns:p14="http://schemas.microsoft.com/office/powerpoint/2010/main" val="370416627"/>
+              </p:ext>
+            </p:extLst>
+          </p:nvPr>
+        </p:nvGraphicFramePr>
+        <p:xfrm>
+          <a:off x="294860" y="4325085"/>
+          <a:ext cx="5381624" cy="1157286"/>
+        </p:xfrm>
+        <a:graphic>
+          <a:graphicData uri="http://schemas.openxmlformats.org/drawingml/2006/table">
+            <a:tbl>
+              <a:tblPr firstRow="1" bandRow="1">
+                <a:tableStyleId>{1FECB4D8-DB02-4DC6-A0A2-4F2EBAE1DC90}</a:tableStyleId>
+              </a:tblPr>
+              <a:tblGrid>
+                <a:gridCol w="1345406">
+                  <a:extLst>
+                    <a:ext uri="{9D8B030D-6E8A-4147-A177-3AD203B41FA5}">
+                      <a16:colId xmlns:a16="http://schemas.microsoft.com/office/drawing/2014/main" val="4174930312"/>
+                    </a:ext>
+                  </a:extLst>
+                </a:gridCol>
+                <a:gridCol w="1345406">
+                  <a:extLst>
+                    <a:ext uri="{9D8B030D-6E8A-4147-A177-3AD203B41FA5}">
+                      <a16:colId xmlns:a16="http://schemas.microsoft.com/office/drawing/2014/main" val="1567363797"/>
+                    </a:ext>
+                  </a:extLst>
+                </a:gridCol>
+                <a:gridCol w="1345406">
+                  <a:extLst>
+                    <a:ext uri="{9D8B030D-6E8A-4147-A177-3AD203B41FA5}">
+                      <a16:colId xmlns:a16="http://schemas.microsoft.com/office/drawing/2014/main" val="1569590926"/>
+                    </a:ext>
+                  </a:extLst>
+                </a:gridCol>
+                <a:gridCol w="1345406">
+                  <a:extLst>
+                    <a:ext uri="{9D8B030D-6E8A-4147-A177-3AD203B41FA5}">
+                      <a16:colId xmlns:a16="http://schemas.microsoft.com/office/drawing/2014/main" val="3981597945"/>
+                    </a:ext>
+                  </a:extLst>
+                </a:gridCol>
+              </a:tblGrid>
+              <a:tr h="385762">
+                <a:tc>
+                  <a:txBody>
+                    <a:bodyPr/>
+                    <a:lstStyle/>
+                    <a:p>
+                      <a:endParaRPr lang="ko-Kore-KR" altLang="en-US" dirty="0"/>
+                    </a:p>
+                  </a:txBody>
+                  <a:tcPr/>
+                </a:tc>
+                <a:tc>
+                  <a:txBody>
+                    <a:bodyPr/>
+                    <a:lstStyle/>
+                    <a:p>
+                      <a:pPr algn="ctr"/>
+                      <a:r>
+                        <a:rPr lang="ko-Kore-KR" altLang="en-US" dirty="0"/>
+                        <a:t>항목</a:t>
+                      </a:r>
+                      <a:r>
+                        <a:rPr lang="en-US" altLang="ko-Kore-KR" dirty="0"/>
+                        <a:t>1</a:t>
+                      </a:r>
+                      <a:endParaRPr lang="ko-Kore-KR" altLang="en-US" dirty="0"/>
+                    </a:p>
+                  </a:txBody>
+                  <a:tcPr/>
+                </a:tc>
+                <a:tc>
+                  <a:txBody>
+                    <a:bodyPr/>
+                    <a:lstStyle/>
+                    <a:p>
+                      <a:pPr algn="ctr"/>
+                      <a:r>
+                        <a:rPr lang="ko-Kore-KR" altLang="en-US" dirty="0"/>
+                        <a:t>항목</a:t>
+                      </a:r>
+                      <a:r>
+                        <a:rPr lang="en-US" altLang="ko-Kore-KR" dirty="0"/>
+                        <a:t>2</a:t>
+                      </a:r>
+                      <a:endParaRPr lang="ko-Kore-KR" altLang="en-US" dirty="0"/>
+                    </a:p>
+                  </a:txBody>
+                  <a:tcPr/>
+                </a:tc>
+                <a:tc>
+                  <a:txBody>
+                    <a:bodyPr/>
+                    <a:lstStyle/>
+                    <a:p>
+                      <a:pPr algn="ctr"/>
+                      <a:r>
+                        <a:rPr lang="ko-Kore-KR" altLang="en-US" dirty="0"/>
+                        <a:t>항목</a:t>
+                      </a:r>
+                      <a:r>
+                        <a:rPr lang="en-US" altLang="ko-Kore-KR" dirty="0"/>
+                        <a:t>3</a:t>
+                      </a:r>
+                      <a:endParaRPr lang="ko-Kore-KR" altLang="en-US" dirty="0"/>
+                    </a:p>
+                  </a:txBody>
+                  <a:tcPr/>
+                </a:tc>
+                <a:extLst>
+                  <a:ext uri="{0D108BD9-81ED-4DB2-BD59-A6C34878D82A}">
+                    <a16:rowId xmlns:a16="http://schemas.microsoft.com/office/drawing/2014/main" val="4277475048"/>
+                  </a:ext>
+                </a:extLst>
+              </a:tr>
+              <a:tr h="385762">
+                <a:tc rowSpan="2">
+                  <a:txBody>
+                    <a:bodyPr/>
+                    <a:lstStyle/>
+                    <a:p>
+                      <a:pPr algn="ctr"/>
+                      <a:endParaRPr lang="en-US" altLang="ko-Kore-KR" dirty="0"/>
+                    </a:p>
+                    <a:p>
+                      <a:pPr algn="ctr"/>
+                      <a:r>
+                        <a:rPr lang="ko-Kore-KR" altLang="en-US" dirty="0"/>
+                        <a:t>수신자</a:t>
+                      </a:r>
+                    </a:p>
+                  </a:txBody>
+                  <a:tcPr/>
+                </a:tc>
+                <a:tc>
+                  <a:txBody>
+                    <a:bodyPr/>
+                    <a:lstStyle/>
+                    <a:p>
+                      <a:pPr algn="ctr"/>
+                      <a:endParaRPr lang="ko-Kore-KR" altLang="en-US" dirty="0"/>
+                    </a:p>
+                  </a:txBody>
+                  <a:tcPr/>
+                </a:tc>
+                <a:tc>
+                  <a:txBody>
+                    <a:bodyPr/>
+                    <a:lstStyle/>
+                    <a:p>
+                      <a:pPr algn="ctr"/>
+                      <a:endParaRPr lang="ko-Kore-KR" altLang="en-US" dirty="0"/>
+                    </a:p>
+                  </a:txBody>
+                  <a:tcPr/>
+                </a:tc>
+                <a:tc>
+                  <a:txBody>
+                    <a:bodyPr/>
+                    <a:lstStyle/>
+                    <a:p>
+                      <a:pPr algn="ctr"/>
+                      <a:endParaRPr lang="ko-Kore-KR" altLang="en-US" dirty="0"/>
+                    </a:p>
+                  </a:txBody>
+                  <a:tcPr/>
+                </a:tc>
+                <a:extLst>
+                  <a:ext uri="{0D108BD9-81ED-4DB2-BD59-A6C34878D82A}">
+                    <a16:rowId xmlns:a16="http://schemas.microsoft.com/office/drawing/2014/main" val="687956140"/>
+                  </a:ext>
+                </a:extLst>
+              </a:tr>
+              <a:tr h="385762">
+                <a:tc vMerge="1">
+                  <a:txBody>
+                    <a:bodyPr/>
+                    <a:lstStyle/>
+                    <a:p>
+                      <a:pPr algn="ctr"/>
+                      <a:endParaRPr lang="ko-Kore-KR" altLang="en-US" dirty="0"/>
+                    </a:p>
+                  </a:txBody>
+                  <a:tcPr/>
+                </a:tc>
+                <a:tc>
+                  <a:txBody>
+                    <a:bodyPr/>
+                    <a:lstStyle/>
+                    <a:p>
+                      <a:pPr algn="ctr"/>
+                      <a:endParaRPr lang="ko-Kore-KR" altLang="en-US" dirty="0"/>
+                    </a:p>
+                  </a:txBody>
+                  <a:tcPr/>
+                </a:tc>
+                <a:tc>
+                  <a:txBody>
+                    <a:bodyPr/>
+                    <a:lstStyle/>
+                    <a:p>
+                      <a:pPr algn="ctr"/>
+                      <a:endParaRPr lang="ko-Kore-KR" altLang="en-US" dirty="0"/>
+                    </a:p>
+                  </a:txBody>
+                  <a:tcPr/>
+                </a:tc>
+                <a:tc>
+                  <a:txBody>
+                    <a:bodyPr/>
+                    <a:lstStyle/>
+                    <a:p>
+                      <a:pPr algn="ctr"/>
+                      <a:endParaRPr lang="ko-Kore-KR" altLang="en-US" dirty="0"/>
+                    </a:p>
+                  </a:txBody>
+                  <a:tcPr/>
+                </a:tc>
+                <a:extLst>
+                  <a:ext uri="{0D108BD9-81ED-4DB2-BD59-A6C34878D82A}">
+                    <a16:rowId xmlns:a16="http://schemas.microsoft.com/office/drawing/2014/main" val="1126758047"/>
+                  </a:ext>
+                </a:extLst>
+              </a:tr>
+            </a:tbl>
+          </a:graphicData>
+        </a:graphic>
+      </p:graphicFrame>
+      <p:sp>
+        <p:nvSpPr>
+          <p:cNvPr id="8" name="직사각형 7">
+            <a:extLst>
+              <a:ext uri="{FF2B5EF4-FFF2-40B4-BE49-F238E27FC236}">
+                <a16:creationId xmlns:a16="http://schemas.microsoft.com/office/drawing/2014/main" id="{B2C6E4DE-BA6D-0E46-90B7-413F5D02F8B1}"/>
+              </a:ext>
+            </a:extLst>
+          </p:cNvPr>
+          <p:cNvSpPr/>
+          <p:nvPr/>
+        </p:nvSpPr>
+        <p:spPr>
+          <a:xfrm>
+            <a:off x="269327" y="5482371"/>
+            <a:ext cx="5396948" cy="347869"/>
+          </a:xfrm>
+          <a:prstGeom prst="rect">
+            <a:avLst/>
+          </a:prstGeom>
+          <a:solidFill>
+            <a:schemeClr val="accent1">
+              <a:lumMod val="20000"/>
+              <a:lumOff val="80000"/>
+            </a:schemeClr>
+          </a:solidFill>
+          <a:ln>
+            <a:noFill/>
+          </a:ln>
+        </p:spPr>
+        <p:style>
+          <a:lnRef idx="2">
+            <a:schemeClr val="accent1">
+              <a:shade val="50000"/>
+            </a:schemeClr>
+          </a:lnRef>
+          <a:fillRef idx="1">
+            <a:schemeClr val="accent1"/>
+          </a:fillRef>
+          <a:effectRef idx="0">
+            <a:schemeClr val="accent1"/>
+          </a:effectRef>
+          <a:fontRef idx="minor">
+            <a:schemeClr val="lt1"/>
+          </a:fontRef>
+        </p:style>
+        <p:txBody>
+          <a:bodyPr rtlCol="0" anchor="ctr"/>
+          <a:lstStyle/>
+          <a:p>
+            <a:pPr algn="ctr"/>
+            <a:r>
+              <a:rPr kumimoji="1" lang="en-US" altLang="ko-Kore-KR" dirty="0">
+                <a:solidFill>
+                  <a:srgbClr val="FF0000"/>
+                </a:solidFill>
+              </a:rPr>
+              <a:t>+</a:t>
+            </a:r>
+            <a:endParaRPr kumimoji="1" lang="ko-Kore-KR" altLang="en-US" dirty="0">
+              <a:solidFill>
+                <a:srgbClr val="FF0000"/>
+              </a:solidFill>
+            </a:endParaRPr>
+          </a:p>
+        </p:txBody>
+      </p:sp>
+      <p:sp>
+        <p:nvSpPr>
+          <p:cNvPr id="21" name="직사각형 20">
+            <a:extLst>
+              <a:ext uri="{FF2B5EF4-FFF2-40B4-BE49-F238E27FC236}">
+                <a16:creationId xmlns:a16="http://schemas.microsoft.com/office/drawing/2014/main" id="{8013F245-41F7-A943-93A3-39C53E71E873}"/>
+              </a:ext>
+            </a:extLst>
+          </p:cNvPr>
+          <p:cNvSpPr/>
+          <p:nvPr/>
+        </p:nvSpPr>
+        <p:spPr>
+          <a:xfrm>
+            <a:off x="5699416" y="4325085"/>
+            <a:ext cx="379610" cy="1157286"/>
+          </a:xfrm>
+          <a:prstGeom prst="rect">
+            <a:avLst/>
+          </a:prstGeom>
+          <a:solidFill>
+            <a:schemeClr val="accent1">
+              <a:lumMod val="20000"/>
+              <a:lumOff val="80000"/>
+            </a:schemeClr>
+          </a:solidFill>
+          <a:ln>
+            <a:noFill/>
+          </a:ln>
+        </p:spPr>
+        <p:style>
+          <a:lnRef idx="2">
+            <a:schemeClr val="accent1">
+              <a:shade val="50000"/>
+            </a:schemeClr>
+          </a:lnRef>
+          <a:fillRef idx="1">
+            <a:schemeClr val="accent1"/>
+          </a:fillRef>
+          <a:effectRef idx="0">
+            <a:schemeClr val="accent1"/>
+          </a:effectRef>
+          <a:fontRef idx="minor">
+            <a:schemeClr val="lt1"/>
+          </a:fontRef>
+        </p:style>
+        <p:txBody>
+          <a:bodyPr rtlCol="0" anchor="ctr"/>
+          <a:lstStyle/>
+          <a:p>
+            <a:pPr algn="ctr"/>
+            <a:r>
+              <a:rPr kumimoji="1" lang="en-US" altLang="ko-Kore-KR" dirty="0">
+                <a:solidFill>
+                  <a:srgbClr val="FF0000"/>
+                </a:solidFill>
+              </a:rPr>
+              <a:t>+</a:t>
+            </a:r>
+            <a:endParaRPr kumimoji="1" lang="ko-Kore-KR" altLang="en-US" dirty="0">
+              <a:solidFill>
+                <a:srgbClr val="FF0000"/>
+              </a:solidFill>
+            </a:endParaRPr>
+          </a:p>
+        </p:txBody>
+      </p:sp>
+      <p:sp>
+        <p:nvSpPr>
+          <p:cNvPr id="9" name="타원 8">
+            <a:extLst>
+              <a:ext uri="{FF2B5EF4-FFF2-40B4-BE49-F238E27FC236}">
+                <a16:creationId xmlns:a16="http://schemas.microsoft.com/office/drawing/2014/main" id="{F8F298D2-4967-1145-8853-3375748B8519}"/>
+              </a:ext>
+            </a:extLst>
+          </p:cNvPr>
+          <p:cNvSpPr/>
+          <p:nvPr/>
+        </p:nvSpPr>
+        <p:spPr>
+          <a:xfrm>
+            <a:off x="5363146" y="4404598"/>
+            <a:ext cx="278282" cy="278282"/>
+          </a:xfrm>
+          <a:prstGeom prst="ellipse">
+            <a:avLst/>
+          </a:prstGeom>
+          <a:solidFill>
+            <a:schemeClr val="accent1">
+              <a:lumMod val="20000"/>
+              <a:lumOff val="80000"/>
+            </a:schemeClr>
+          </a:solidFill>
+          <a:ln>
+            <a:solidFill>
+              <a:schemeClr val="bg1"/>
+            </a:solidFill>
+          </a:ln>
+        </p:spPr>
+        <p:style>
+          <a:lnRef idx="2">
+            <a:schemeClr val="accent1">
+              <a:shade val="50000"/>
+            </a:schemeClr>
+          </a:lnRef>
+          <a:fillRef idx="1">
+            <a:schemeClr val="accent1"/>
+          </a:fillRef>
+          <a:effectRef idx="0">
+            <a:schemeClr val="accent1"/>
+          </a:effectRef>
+          <a:fontRef idx="minor">
+            <a:schemeClr val="lt1"/>
+          </a:fontRef>
+        </p:style>
+        <p:txBody>
+          <a:bodyPr rtlCol="0" anchor="ctr"/>
+          <a:lstStyle/>
+          <a:p>
+            <a:pPr algn="ctr"/>
+            <a:r>
+              <a:rPr kumimoji="1" lang="en-US" altLang="ko-Kore-KR" b="1" dirty="0">
+                <a:solidFill>
+                  <a:srgbClr val="FF0000"/>
+                </a:solidFill>
+              </a:rPr>
+              <a:t>-</a:t>
+            </a:r>
+            <a:endParaRPr kumimoji="1" lang="ko-Kore-KR" altLang="en-US" b="1" dirty="0">
+              <a:solidFill>
+                <a:srgbClr val="FF0000"/>
+              </a:solidFill>
+            </a:endParaRPr>
+          </a:p>
+        </p:txBody>
+      </p:sp>
+      <p:sp>
+        <p:nvSpPr>
+          <p:cNvPr id="24" name="타원 23">
+            <a:extLst>
+              <a:ext uri="{FF2B5EF4-FFF2-40B4-BE49-F238E27FC236}">
+                <a16:creationId xmlns:a16="http://schemas.microsoft.com/office/drawing/2014/main" id="{0704102C-B076-5946-8A9D-9BCB58A1CCD6}"/>
+              </a:ext>
+            </a:extLst>
+          </p:cNvPr>
+          <p:cNvSpPr/>
+          <p:nvPr/>
+        </p:nvSpPr>
+        <p:spPr>
+          <a:xfrm>
+            <a:off x="4036278" y="4398374"/>
+            <a:ext cx="278282" cy="278282"/>
+          </a:xfrm>
+          <a:prstGeom prst="ellipse">
+            <a:avLst/>
+          </a:prstGeom>
+          <a:solidFill>
+            <a:schemeClr val="accent1">
+              <a:lumMod val="20000"/>
+              <a:lumOff val="80000"/>
+            </a:schemeClr>
+          </a:solidFill>
+          <a:ln>
+            <a:solidFill>
+              <a:schemeClr val="bg1"/>
+            </a:solidFill>
+          </a:ln>
+        </p:spPr>
+        <p:style>
+          <a:lnRef idx="2">
+            <a:schemeClr val="accent1">
+              <a:shade val="50000"/>
+            </a:schemeClr>
+          </a:lnRef>
+          <a:fillRef idx="1">
+            <a:schemeClr val="accent1"/>
+          </a:fillRef>
+          <a:effectRef idx="0">
+            <a:schemeClr val="accent1"/>
+          </a:effectRef>
+          <a:fontRef idx="minor">
+            <a:schemeClr val="lt1"/>
+          </a:fontRef>
+        </p:style>
+        <p:txBody>
+          <a:bodyPr rtlCol="0" anchor="ctr"/>
+          <a:lstStyle/>
+          <a:p>
+            <a:pPr algn="ctr"/>
+            <a:r>
+              <a:rPr kumimoji="1" lang="en-US" altLang="ko-Kore-KR" b="1" dirty="0">
+                <a:solidFill>
+                  <a:srgbClr val="FF0000"/>
+                </a:solidFill>
+              </a:rPr>
+              <a:t>-</a:t>
+            </a:r>
+            <a:endParaRPr kumimoji="1" lang="ko-Kore-KR" altLang="en-US" b="1" dirty="0">
+              <a:solidFill>
+                <a:srgbClr val="FF0000"/>
+              </a:solidFill>
+            </a:endParaRPr>
+          </a:p>
+        </p:txBody>
+      </p:sp>
+      <p:sp>
+        <p:nvSpPr>
+          <p:cNvPr id="25" name="타원 24">
+            <a:extLst>
+              <a:ext uri="{FF2B5EF4-FFF2-40B4-BE49-F238E27FC236}">
+                <a16:creationId xmlns:a16="http://schemas.microsoft.com/office/drawing/2014/main" id="{4B7D6132-6A1A-3C4B-9305-03FB3765DBB7}"/>
+              </a:ext>
+            </a:extLst>
+          </p:cNvPr>
+          <p:cNvSpPr/>
+          <p:nvPr/>
+        </p:nvSpPr>
+        <p:spPr>
+          <a:xfrm>
+            <a:off x="5332562" y="5130543"/>
+            <a:ext cx="278282" cy="278282"/>
+          </a:xfrm>
+          <a:prstGeom prst="ellipse">
+            <a:avLst/>
+          </a:prstGeom>
+          <a:solidFill>
+            <a:schemeClr val="accent1">
+              <a:lumMod val="20000"/>
+              <a:lumOff val="80000"/>
+            </a:schemeClr>
+          </a:solidFill>
+          <a:ln>
+            <a:solidFill>
+              <a:schemeClr val="bg1"/>
+            </a:solidFill>
+          </a:ln>
+        </p:spPr>
+        <p:style>
+          <a:lnRef idx="2">
+            <a:schemeClr val="accent1">
+              <a:shade val="50000"/>
+            </a:schemeClr>
+          </a:lnRef>
+          <a:fillRef idx="1">
+            <a:schemeClr val="accent1"/>
+          </a:fillRef>
+          <a:effectRef idx="0">
+            <a:schemeClr val="accent1"/>
+          </a:effectRef>
+          <a:fontRef idx="minor">
+            <a:schemeClr val="lt1"/>
+          </a:fontRef>
+        </p:style>
+        <p:txBody>
+          <a:bodyPr rtlCol="0" anchor="ctr"/>
+          <a:lstStyle/>
+          <a:p>
+            <a:pPr algn="ctr"/>
+            <a:r>
+              <a:rPr kumimoji="1" lang="en-US" altLang="ko-Kore-KR" b="1" dirty="0">
+                <a:solidFill>
+                  <a:srgbClr val="FF0000"/>
+                </a:solidFill>
+              </a:rPr>
+              <a:t>-</a:t>
+            </a:r>
+            <a:endParaRPr kumimoji="1" lang="ko-Kore-KR" altLang="en-US" b="1" dirty="0">
+              <a:solidFill>
+                <a:srgbClr val="FF0000"/>
+              </a:solidFill>
+            </a:endParaRPr>
+          </a:p>
+        </p:txBody>
+      </p:sp>
+      <p:sp>
+        <p:nvSpPr>
+          <p:cNvPr id="27" name="사각형: 둥근 모서리 38">
+            <a:extLst>
+              <a:ext uri="{FF2B5EF4-FFF2-40B4-BE49-F238E27FC236}">
+                <a16:creationId xmlns:a16="http://schemas.microsoft.com/office/drawing/2014/main" id="{5146D005-92BF-524C-A0AC-AA1412B8D1EA}"/>
+              </a:ext>
+            </a:extLst>
+          </p:cNvPr>
+          <p:cNvSpPr/>
+          <p:nvPr/>
+        </p:nvSpPr>
+        <p:spPr>
+          <a:xfrm>
+            <a:off x="294860" y="3113737"/>
+            <a:ext cx="927652" cy="446670"/>
+          </a:xfrm>
+          <a:prstGeom prst="roundRect">
+            <a:avLst/>
+          </a:prstGeom>
+          <a:solidFill>
+            <a:srgbClr val="00C4CC"/>
+          </a:solidFill>
+          <a:ln>
+            <a:noFill/>
+          </a:ln>
+        </p:spPr>
+        <p:style>
+          <a:lnRef idx="2">
+            <a:schemeClr val="accent1">
+              <a:shade val="50000"/>
+            </a:schemeClr>
+          </a:lnRef>
+          <a:fillRef idx="1">
+            <a:schemeClr val="accent1"/>
+          </a:fillRef>
+          <a:effectRef idx="0">
+            <a:schemeClr val="accent1"/>
+          </a:effectRef>
+          <a:fontRef idx="minor">
+            <a:schemeClr val="lt1"/>
+          </a:fontRef>
+        </p:style>
+        <p:txBody>
+          <a:bodyPr rtlCol="0" anchor="ctr"/>
+          <a:lstStyle/>
+          <a:p>
+            <a:pPr algn="ctr"/>
+            <a:r>
+              <a:rPr lang="ko-KR" altLang="en-US" sz="1400" b="1" dirty="0">
+                <a:solidFill>
+                  <a:schemeClr val="bg1"/>
+                </a:solidFill>
+              </a:rPr>
+              <a:t>수신자 지정</a:t>
+            </a:r>
+          </a:p>
+        </p:txBody>
+      </p:sp>
+      <p:sp>
+        <p:nvSpPr>
+          <p:cNvPr id="28" name="직사각형 27">
+            <a:extLst>
+              <a:ext uri="{FF2B5EF4-FFF2-40B4-BE49-F238E27FC236}">
+                <a16:creationId xmlns:a16="http://schemas.microsoft.com/office/drawing/2014/main" id="{134092CC-EC43-A745-B5CA-95684690F253}"/>
+              </a:ext>
+            </a:extLst>
+          </p:cNvPr>
+          <p:cNvSpPr/>
+          <p:nvPr/>
+        </p:nvSpPr>
+        <p:spPr>
+          <a:xfrm>
+            <a:off x="6965952" y="1005583"/>
+            <a:ext cx="4526758" cy="574141"/>
+          </a:xfrm>
+          <a:prstGeom prst="rect">
+            <a:avLst/>
+          </a:prstGeom>
+          <a:noFill/>
+          <a:ln>
+            <a:noFill/>
+          </a:ln>
+        </p:spPr>
+        <p:style>
+          <a:lnRef idx="2">
+            <a:schemeClr val="accent1">
+              <a:shade val="50000"/>
+            </a:schemeClr>
+          </a:lnRef>
+          <a:fillRef idx="1">
+            <a:schemeClr val="accent1"/>
+          </a:fillRef>
+          <a:effectRef idx="0">
+            <a:schemeClr val="accent1"/>
+          </a:effectRef>
+          <a:fontRef idx="minor">
+            <a:schemeClr val="lt1"/>
+          </a:fontRef>
+        </p:style>
+        <p:txBody>
+          <a:bodyPr rtlCol="0" anchor="ctr"/>
+          <a:lstStyle/>
+          <a:p>
+            <a:pPr algn="ctr"/>
+            <a:r>
+              <a:rPr lang="ko-KR" altLang="en-US" sz="2800" b="1" dirty="0">
+                <a:solidFill>
+                  <a:schemeClr val="accent3">
+                    <a:lumMod val="75000"/>
+                  </a:schemeClr>
+                </a:solidFill>
+              </a:rPr>
+              <a:t>메일 </a:t>
+            </a:r>
+            <a:r>
+              <a:rPr lang="ko-KR" altLang="en-US" sz="2800" b="1" dirty="0" err="1">
+                <a:solidFill>
+                  <a:schemeClr val="accent3">
+                    <a:lumMod val="75000"/>
+                  </a:schemeClr>
+                </a:solidFill>
+              </a:rPr>
+              <a:t>미리보기</a:t>
+            </a:r>
+            <a:endParaRPr lang="ko-KR" altLang="en-US" sz="2800" b="1" dirty="0">
+              <a:solidFill>
+                <a:schemeClr val="accent3">
+                  <a:lumMod val="75000"/>
+                </a:schemeClr>
+              </a:solidFill>
+            </a:endParaRPr>
+          </a:p>
+        </p:txBody>
+      </p:sp>
+      <p:sp>
+        <p:nvSpPr>
+          <p:cNvPr id="32" name="사각형: 둥근 모서리 20">
+            <a:extLst>
+              <a:ext uri="{FF2B5EF4-FFF2-40B4-BE49-F238E27FC236}">
+                <a16:creationId xmlns:a16="http://schemas.microsoft.com/office/drawing/2014/main" id="{7BE6D869-8678-F94C-A828-7F23757185AB}"/>
+              </a:ext>
+            </a:extLst>
+          </p:cNvPr>
+          <p:cNvSpPr/>
+          <p:nvPr/>
+        </p:nvSpPr>
+        <p:spPr>
+          <a:xfrm>
+            <a:off x="1571625" y="1179877"/>
+            <a:ext cx="4035897" cy="399847"/>
+          </a:xfrm>
+          <a:prstGeom prst="roundRect">
+            <a:avLst/>
+          </a:prstGeom>
+          <a:solidFill>
+            <a:schemeClr val="bg1"/>
+          </a:solidFill>
+          <a:ln>
+            <a:solidFill>
+              <a:schemeClr val="tx1"/>
+            </a:solidFill>
+          </a:ln>
+        </p:spPr>
+        <p:style>
+          <a:lnRef idx="2">
+            <a:schemeClr val="accent1">
+              <a:shade val="50000"/>
+            </a:schemeClr>
+          </a:lnRef>
+          <a:fillRef idx="1">
+            <a:schemeClr val="accent1"/>
+          </a:fillRef>
+          <a:effectRef idx="0">
+            <a:schemeClr val="accent1"/>
+          </a:effectRef>
+          <a:fontRef idx="minor">
+            <a:schemeClr val="lt1"/>
+          </a:fontRef>
+        </p:style>
+        <p:txBody>
+          <a:bodyPr rtlCol="0" anchor="ctr"/>
+          <a:lstStyle/>
+          <a:p>
+            <a:pPr algn="ctr"/>
+            <a:endParaRPr lang="ko-KR" altLang="en-US"/>
+          </a:p>
+        </p:txBody>
+      </p:sp>
+      <p:sp>
+        <p:nvSpPr>
+          <p:cNvPr id="33" name="사각형: 둥근 모서리 11">
+            <a:extLst>
+              <a:ext uri="{FF2B5EF4-FFF2-40B4-BE49-F238E27FC236}">
+                <a16:creationId xmlns:a16="http://schemas.microsoft.com/office/drawing/2014/main" id="{BB9B40C4-9005-E249-9B5E-A3DF6C041834}"/>
+              </a:ext>
+            </a:extLst>
+          </p:cNvPr>
+          <p:cNvSpPr/>
+          <p:nvPr/>
+        </p:nvSpPr>
+        <p:spPr>
+          <a:xfrm>
+            <a:off x="269327" y="1179877"/>
+            <a:ext cx="1031175" cy="412535"/>
+          </a:xfrm>
+          <a:prstGeom prst="roundRect">
+            <a:avLst/>
+          </a:prstGeom>
+          <a:solidFill>
+            <a:schemeClr val="bg1"/>
+          </a:solidFill>
+          <a:ln>
+            <a:solidFill>
+              <a:schemeClr val="accent3">
+                <a:lumMod val="75000"/>
+              </a:schemeClr>
+            </a:solidFill>
+          </a:ln>
+        </p:spPr>
+        <p:style>
+          <a:lnRef idx="2">
+            <a:schemeClr val="accent1">
+              <a:shade val="50000"/>
+            </a:schemeClr>
+          </a:lnRef>
+          <a:fillRef idx="1">
+            <a:schemeClr val="accent1"/>
+          </a:fillRef>
+          <a:effectRef idx="0">
+            <a:schemeClr val="accent1"/>
+          </a:effectRef>
+          <a:fontRef idx="minor">
+            <a:schemeClr val="lt1"/>
+          </a:fontRef>
+        </p:style>
+        <p:txBody>
+          <a:bodyPr rtlCol="0" anchor="ctr"/>
+          <a:lstStyle/>
+          <a:p>
+            <a:pPr algn="ctr"/>
+            <a:r>
+              <a:rPr lang="ko-KR" altLang="en-US" sz="1400" b="1" dirty="0">
+                <a:solidFill>
+                  <a:schemeClr val="tx1"/>
+                </a:solidFill>
+              </a:rPr>
+              <a:t>시트 제목</a:t>
+            </a:r>
+          </a:p>
+        </p:txBody>
+      </p:sp>
+      <p:sp>
+        <p:nvSpPr>
+          <p:cNvPr id="34" name="사각형: 둥근 모서리 11">
+            <a:extLst>
+              <a:ext uri="{FF2B5EF4-FFF2-40B4-BE49-F238E27FC236}">
+                <a16:creationId xmlns:a16="http://schemas.microsoft.com/office/drawing/2014/main" id="{0202E2E7-DB3D-E145-813A-CBA812854F40}"/>
+              </a:ext>
+            </a:extLst>
+          </p:cNvPr>
+          <p:cNvSpPr/>
+          <p:nvPr/>
+        </p:nvSpPr>
+        <p:spPr>
+          <a:xfrm>
+            <a:off x="269326" y="1820699"/>
+            <a:ext cx="1031175" cy="412535"/>
+          </a:xfrm>
+          <a:prstGeom prst="roundRect">
+            <a:avLst/>
+          </a:prstGeom>
+          <a:solidFill>
+            <a:schemeClr val="bg1"/>
+          </a:solidFill>
+          <a:ln>
+            <a:solidFill>
+              <a:schemeClr val="accent3">
+                <a:lumMod val="75000"/>
+              </a:schemeClr>
+            </a:solidFill>
+          </a:ln>
+        </p:spPr>
+        <p:style>
+          <a:lnRef idx="2">
+            <a:schemeClr val="accent1">
+              <a:shade val="50000"/>
+            </a:schemeClr>
+          </a:lnRef>
+          <a:fillRef idx="1">
+            <a:schemeClr val="accent1"/>
+          </a:fillRef>
+          <a:effectRef idx="0">
+            <a:schemeClr val="accent1"/>
+          </a:effectRef>
+          <a:fontRef idx="minor">
+            <a:schemeClr val="lt1"/>
+          </a:fontRef>
+        </p:style>
+        <p:txBody>
+          <a:bodyPr rtlCol="0" anchor="ctr"/>
+          <a:lstStyle/>
+          <a:p>
+            <a:pPr algn="ctr"/>
+            <a:r>
+              <a:rPr lang="ko-KR" altLang="en-US" sz="1400" b="1" dirty="0">
+                <a:solidFill>
+                  <a:schemeClr val="tx1"/>
+                </a:solidFill>
+              </a:rPr>
+              <a:t>메일 내용</a:t>
+            </a:r>
+          </a:p>
+        </p:txBody>
+      </p:sp>
+      <p:sp>
+        <p:nvSpPr>
+          <p:cNvPr id="35" name="사각형: 둥근 모서리 11">
+            <a:extLst>
+              <a:ext uri="{FF2B5EF4-FFF2-40B4-BE49-F238E27FC236}">
+                <a16:creationId xmlns:a16="http://schemas.microsoft.com/office/drawing/2014/main" id="{F3EB94E5-5116-A04B-8336-71FB4BBD94DE}"/>
+              </a:ext>
+            </a:extLst>
+          </p:cNvPr>
+          <p:cNvSpPr/>
+          <p:nvPr/>
+        </p:nvSpPr>
+        <p:spPr>
+          <a:xfrm>
+            <a:off x="1546075" y="1827273"/>
+            <a:ext cx="4064767" cy="968456"/>
+          </a:xfrm>
+          <a:prstGeom prst="roundRect">
+            <a:avLst/>
+          </a:prstGeom>
+          <a:solidFill>
+            <a:schemeClr val="bg1"/>
+          </a:solidFill>
+          <a:ln>
+            <a:solidFill>
+              <a:schemeClr val="accent3">
+                <a:lumMod val="75000"/>
+              </a:schemeClr>
+            </a:solidFill>
+          </a:ln>
+        </p:spPr>
+        <p:style>
+          <a:lnRef idx="2">
+            <a:schemeClr val="accent1">
+              <a:shade val="50000"/>
+            </a:schemeClr>
+          </a:lnRef>
+          <a:fillRef idx="1">
+            <a:schemeClr val="accent1"/>
+          </a:fillRef>
+          <a:effectRef idx="0">
+            <a:schemeClr val="accent1"/>
+          </a:effectRef>
+          <a:fontRef idx="minor">
+            <a:schemeClr val="lt1"/>
+          </a:fontRef>
+        </p:style>
+        <p:txBody>
+          <a:bodyPr rtlCol="0" anchor="ctr"/>
+          <a:lstStyle/>
+          <a:p>
+            <a:pPr algn="ctr"/>
+            <a:r>
+              <a:rPr lang="ko-KR" altLang="en-US" sz="1400" b="1" dirty="0">
+                <a:solidFill>
+                  <a:schemeClr val="tx1"/>
+                </a:solidFill>
+              </a:rPr>
+              <a:t>메일 본문 내용</a:t>
+            </a:r>
+          </a:p>
+        </p:txBody>
+      </p:sp>
+      <p:sp>
+        <p:nvSpPr>
+          <p:cNvPr id="36" name="사각형: 둥근 모서리 20">
+            <a:extLst>
+              <a:ext uri="{FF2B5EF4-FFF2-40B4-BE49-F238E27FC236}">
+                <a16:creationId xmlns:a16="http://schemas.microsoft.com/office/drawing/2014/main" id="{F12FAACD-A37F-E141-8CBF-38138B60EC3D}"/>
+              </a:ext>
+            </a:extLst>
+          </p:cNvPr>
+          <p:cNvSpPr/>
+          <p:nvPr/>
+        </p:nvSpPr>
+        <p:spPr>
+          <a:xfrm>
+            <a:off x="1546075" y="3100172"/>
+            <a:ext cx="4035897" cy="399847"/>
+          </a:xfrm>
+          <a:prstGeom prst="roundRect">
+            <a:avLst/>
+          </a:prstGeom>
+          <a:solidFill>
+            <a:schemeClr val="bg1"/>
+          </a:solidFill>
+          <a:ln>
+            <a:solidFill>
+              <a:schemeClr val="tx1"/>
+            </a:solidFill>
+          </a:ln>
+        </p:spPr>
+        <p:style>
+          <a:lnRef idx="2">
+            <a:schemeClr val="accent1">
+              <a:shade val="50000"/>
+            </a:schemeClr>
+          </a:lnRef>
+          <a:fillRef idx="1">
+            <a:schemeClr val="accent1"/>
+          </a:fillRef>
+          <a:effectRef idx="0">
+            <a:schemeClr val="accent1"/>
+          </a:effectRef>
+          <a:fontRef idx="minor">
+            <a:schemeClr val="lt1"/>
+          </a:fontRef>
+        </p:style>
+        <p:txBody>
+          <a:bodyPr rtlCol="0" anchor="ctr"/>
+          <a:lstStyle/>
+          <a:p>
+            <a:pPr algn="ctr"/>
+            <a:endParaRPr lang="ko-KR" altLang="en-US"/>
           </a:p>
         </p:txBody>
       </p:sp>

--- a/page-design.pptx
+++ b/page-design.pptx
@@ -7614,42 +7614,6 @@
           </a:p>
         </p:txBody>
       </p:sp>
-      <p:pic>
-        <p:nvPicPr>
-          <p:cNvPr id="4" name="그림 3" descr="표지판, 시계이(가) 표시된 사진&#10;&#10;자동 생성된 설명">
-            <a:extLst>
-              <a:ext uri="{FF2B5EF4-FFF2-40B4-BE49-F238E27FC236}">
-                <a16:creationId xmlns:a16="http://schemas.microsoft.com/office/drawing/2014/main" id="{7433B46D-D68E-DC42-B697-49642986C510}"/>
-              </a:ext>
-            </a:extLst>
-          </p:cNvPr>
-          <p:cNvPicPr>
-            <a:picLocks noChangeAspect="1"/>
-          </p:cNvPicPr>
-          <p:nvPr/>
-        </p:nvPicPr>
-        <p:blipFill>
-          <a:blip r:embed="rId3">
-            <a:extLst>
-              <a:ext uri="{28A0092B-C50C-407E-A947-70E740481C1C}">
-                <a14:useLocalDpi xmlns:a14="http://schemas.microsoft.com/office/drawing/2010/main" val="0"/>
-              </a:ext>
-            </a:extLst>
-          </a:blip>
-          <a:stretch>
-            <a:fillRect/>
-          </a:stretch>
-        </p:blipFill>
-        <p:spPr>
-          <a:xfrm>
-            <a:off x="2345754" y="2359026"/>
-            <a:ext cx="1689100" cy="1689100"/>
-          </a:xfrm>
-          <a:prstGeom prst="rect">
-            <a:avLst/>
-          </a:prstGeom>
-        </p:spPr>
-      </p:pic>
     </p:spTree>
     <p:extLst>
       <p:ext uri="{BB962C8B-B14F-4D97-AF65-F5344CB8AC3E}">

--- a/page-design.pptx
+++ b/page-design.pptx
@@ -5,15 +5,17 @@
     <p:sldMasterId id="2147483648" r:id="rId1"/>
   </p:sldMasterIdLst>
   <p:notesMasterIdLst>
-    <p:notesMasterId r:id="rId8"/>
+    <p:notesMasterId r:id="rId10"/>
   </p:notesMasterIdLst>
   <p:sldIdLst>
     <p:sldId id="256" r:id="rId2"/>
     <p:sldId id="258" r:id="rId3"/>
-    <p:sldId id="257" r:id="rId4"/>
-    <p:sldId id="260" r:id="rId5"/>
-    <p:sldId id="259" r:id="rId6"/>
-    <p:sldId id="261" r:id="rId7"/>
+    <p:sldId id="263" r:id="rId4"/>
+    <p:sldId id="257" r:id="rId5"/>
+    <p:sldId id="260" r:id="rId6"/>
+    <p:sldId id="259" r:id="rId7"/>
+    <p:sldId id="261" r:id="rId8"/>
+    <p:sldId id="262" r:id="rId9"/>
   </p:sldIdLst>
   <p:sldSz cx="12192000" cy="6858000"/>
   <p:notesSz cx="6858000" cy="9144000"/>
@@ -123,6 +125,7 @@
         <p14:section name="메인화면" id="{B0B677C6-96D0-46D8-956C-AB2B566C1F8A}">
           <p14:sldIdLst>
             <p14:sldId id="258"/>
+            <p14:sldId id="263"/>
           </p14:sldIdLst>
         </p14:section>
         <p14:section name="로그인" id="{ACD8B3BE-5DA2-42C5-89CD-9CD08EDE752C}">
@@ -142,7 +145,9 @@
           </p14:sldIdLst>
         </p14:section>
         <p14:section name="시트상세" id="{E243286F-4A1B-45D7-BBA5-15BF236ED4CC}">
-          <p14:sldIdLst/>
+          <p14:sldIdLst>
+            <p14:sldId id="262"/>
+          </p14:sldIdLst>
         </p14:section>
         <p14:section name="시트수정" id="{8D01B6CF-AD85-49A4-905C-6039853447BF}">
           <p14:sldIdLst/>
@@ -261,7 +266,7 @@
           <a:p>
             <a:fld id="{01552233-20E6-4AB7-8741-BE4172DDBC84}" type="datetimeFigureOut">
               <a:rPr lang="ko-KR" altLang="en-US" smtClean="0"/>
-              <a:t>2020. 6. 9.</a:t>
+              <a:t>2020. 6. 10.</a:t>
             </a:fld>
             <a:endParaRPr lang="ko-KR" altLang="en-US"/>
           </a:p>
@@ -692,7 +697,7 @@
     </p:spTree>
     <p:extLst>
       <p:ext uri="{BB962C8B-B14F-4D97-AF65-F5344CB8AC3E}">
-        <p14:creationId xmlns:p14="http://schemas.microsoft.com/office/powerpoint/2010/main" val="2793467982"/>
+        <p14:creationId xmlns:p14="http://schemas.microsoft.com/office/powerpoint/2010/main" val="3923500719"/>
       </p:ext>
     </p:extLst>
   </p:cSld>
@@ -779,7 +784,7 @@
     </p:spTree>
     <p:extLst>
       <p:ext uri="{BB962C8B-B14F-4D97-AF65-F5344CB8AC3E}">
-        <p14:creationId xmlns:p14="http://schemas.microsoft.com/office/powerpoint/2010/main" val="3707036412"/>
+        <p14:creationId xmlns:p14="http://schemas.microsoft.com/office/powerpoint/2010/main" val="2793467982"/>
       </p:ext>
     </p:extLst>
   </p:cSld>
@@ -866,7 +871,7 @@
     </p:spTree>
     <p:extLst>
       <p:ext uri="{BB962C8B-B14F-4D97-AF65-F5344CB8AC3E}">
-        <p14:creationId xmlns:p14="http://schemas.microsoft.com/office/powerpoint/2010/main" val="3465088322"/>
+        <p14:creationId xmlns:p14="http://schemas.microsoft.com/office/powerpoint/2010/main" val="3707036412"/>
       </p:ext>
     </p:extLst>
   </p:cSld>
@@ -953,7 +958,181 @@
     </p:spTree>
     <p:extLst>
       <p:ext uri="{BB962C8B-B14F-4D97-AF65-F5344CB8AC3E}">
+        <p14:creationId xmlns:p14="http://schemas.microsoft.com/office/powerpoint/2010/main" val="3465088322"/>
+      </p:ext>
+    </p:extLst>
+  </p:cSld>
+  <p:clrMapOvr>
+    <a:masterClrMapping/>
+  </p:clrMapOvr>
+</p:notes>
+</file>
+
+<file path=ppt/notesSlides/notesSlide6.xml><?xml version="1.0" encoding="utf-8"?>
+<p:notes xmlns:a="http://schemas.openxmlformats.org/drawingml/2006/main" xmlns:r="http://schemas.openxmlformats.org/officeDocument/2006/relationships" xmlns:p="http://schemas.openxmlformats.org/presentationml/2006/main">
+  <p:cSld>
+    <p:spTree>
+      <p:nvGrpSpPr>
+        <p:cNvPr id="1" name=""/>
+        <p:cNvGrpSpPr/>
+        <p:nvPr/>
+      </p:nvGrpSpPr>
+      <p:grpSpPr>
+        <a:xfrm>
+          <a:off x="0" y="0"/>
+          <a:ext cx="0" cy="0"/>
+          <a:chOff x="0" y="0"/>
+          <a:chExt cx="0" cy="0"/>
+        </a:xfrm>
+      </p:grpSpPr>
+      <p:sp>
+        <p:nvSpPr>
+          <p:cNvPr id="2" name="슬라이드 이미지 개체 틀 1"/>
+          <p:cNvSpPr>
+            <a:spLocks noGrp="1" noRot="1" noChangeAspect="1"/>
+          </p:cNvSpPr>
+          <p:nvPr>
+            <p:ph type="sldImg"/>
+          </p:nvPr>
+        </p:nvSpPr>
+        <p:spPr/>
+      </p:sp>
+      <p:sp>
+        <p:nvSpPr>
+          <p:cNvPr id="3" name="슬라이드 노트 개체 틀 2"/>
+          <p:cNvSpPr>
+            <a:spLocks noGrp="1"/>
+          </p:cNvSpPr>
+          <p:nvPr>
+            <p:ph type="body" idx="1"/>
+          </p:nvPr>
+        </p:nvSpPr>
+        <p:spPr/>
+        <p:txBody>
+          <a:bodyPr/>
+          <a:lstStyle/>
+          <a:p>
+            <a:r>
+              <a:rPr lang="ko-KR" altLang="en-US" dirty="0"/>
+              <a:t>메인 화면</a:t>
+            </a:r>
+          </a:p>
+        </p:txBody>
+      </p:sp>
+      <p:sp>
+        <p:nvSpPr>
+          <p:cNvPr id="4" name="슬라이드 번호 개체 틀 3"/>
+          <p:cNvSpPr>
+            <a:spLocks noGrp="1"/>
+          </p:cNvSpPr>
+          <p:nvPr>
+            <p:ph type="sldNum" sz="quarter" idx="5"/>
+          </p:nvPr>
+        </p:nvSpPr>
+        <p:spPr/>
+        <p:txBody>
+          <a:bodyPr/>
+          <a:lstStyle/>
+          <a:p>
+            <a:fld id="{7C65D153-3B30-43FD-B170-0B17B8E5BDB4}" type="slidenum">
+              <a:rPr lang="ko-KR" altLang="en-US" smtClean="0"/>
+              <a:t>7</a:t>
+            </a:fld>
+            <a:endParaRPr lang="ko-KR" altLang="en-US"/>
+          </a:p>
+        </p:txBody>
+      </p:sp>
+    </p:spTree>
+    <p:extLst>
+      <p:ext uri="{BB962C8B-B14F-4D97-AF65-F5344CB8AC3E}">
         <p14:creationId xmlns:p14="http://schemas.microsoft.com/office/powerpoint/2010/main" val="2910489030"/>
+      </p:ext>
+    </p:extLst>
+  </p:cSld>
+  <p:clrMapOvr>
+    <a:masterClrMapping/>
+  </p:clrMapOvr>
+</p:notes>
+</file>
+
+<file path=ppt/notesSlides/notesSlide7.xml><?xml version="1.0" encoding="utf-8"?>
+<p:notes xmlns:a="http://schemas.openxmlformats.org/drawingml/2006/main" xmlns:r="http://schemas.openxmlformats.org/officeDocument/2006/relationships" xmlns:p="http://schemas.openxmlformats.org/presentationml/2006/main">
+  <p:cSld>
+    <p:spTree>
+      <p:nvGrpSpPr>
+        <p:cNvPr id="1" name=""/>
+        <p:cNvGrpSpPr/>
+        <p:nvPr/>
+      </p:nvGrpSpPr>
+      <p:grpSpPr>
+        <a:xfrm>
+          <a:off x="0" y="0"/>
+          <a:ext cx="0" cy="0"/>
+          <a:chOff x="0" y="0"/>
+          <a:chExt cx="0" cy="0"/>
+        </a:xfrm>
+      </p:grpSpPr>
+      <p:sp>
+        <p:nvSpPr>
+          <p:cNvPr id="2" name="슬라이드 이미지 개체 틀 1"/>
+          <p:cNvSpPr>
+            <a:spLocks noGrp="1" noRot="1" noChangeAspect="1"/>
+          </p:cNvSpPr>
+          <p:nvPr>
+            <p:ph type="sldImg"/>
+          </p:nvPr>
+        </p:nvSpPr>
+        <p:spPr/>
+      </p:sp>
+      <p:sp>
+        <p:nvSpPr>
+          <p:cNvPr id="3" name="슬라이드 노트 개체 틀 2"/>
+          <p:cNvSpPr>
+            <a:spLocks noGrp="1"/>
+          </p:cNvSpPr>
+          <p:nvPr>
+            <p:ph type="body" idx="1"/>
+          </p:nvPr>
+        </p:nvSpPr>
+        <p:spPr/>
+        <p:txBody>
+          <a:bodyPr/>
+          <a:lstStyle/>
+          <a:p>
+            <a:r>
+              <a:rPr lang="ko-KR" altLang="en-US" dirty="0"/>
+              <a:t>메인 화면</a:t>
+            </a:r>
+          </a:p>
+        </p:txBody>
+      </p:sp>
+      <p:sp>
+        <p:nvSpPr>
+          <p:cNvPr id="4" name="슬라이드 번호 개체 틀 3"/>
+          <p:cNvSpPr>
+            <a:spLocks noGrp="1"/>
+          </p:cNvSpPr>
+          <p:nvPr>
+            <p:ph type="sldNum" sz="quarter" idx="5"/>
+          </p:nvPr>
+        </p:nvSpPr>
+        <p:spPr/>
+        <p:txBody>
+          <a:bodyPr/>
+          <a:lstStyle/>
+          <a:p>
+            <a:fld id="{7C65D153-3B30-43FD-B170-0B17B8E5BDB4}" type="slidenum">
+              <a:rPr lang="ko-KR" altLang="en-US" smtClean="0"/>
+              <a:t>8</a:t>
+            </a:fld>
+            <a:endParaRPr lang="ko-KR" altLang="en-US"/>
+          </a:p>
+        </p:txBody>
+      </p:sp>
+    </p:spTree>
+    <p:extLst>
+      <p:ext uri="{BB962C8B-B14F-4D97-AF65-F5344CB8AC3E}">
+        <p14:creationId xmlns:p14="http://schemas.microsoft.com/office/powerpoint/2010/main" val="3886935855"/>
       </p:ext>
     </p:extLst>
   </p:cSld>
@@ -1110,7 +1289,7 @@
           <a:p>
             <a:fld id="{316F4E24-04D5-47E1-9DD4-428684ACC90F}" type="datetimeFigureOut">
               <a:rPr lang="ko-KR" altLang="en-US" smtClean="0"/>
-              <a:t>2020. 6. 9.</a:t>
+              <a:t>2020. 6. 10.</a:t>
             </a:fld>
             <a:endParaRPr lang="ko-KR" altLang="en-US"/>
           </a:p>
@@ -1308,7 +1487,7 @@
           <a:p>
             <a:fld id="{316F4E24-04D5-47E1-9DD4-428684ACC90F}" type="datetimeFigureOut">
               <a:rPr lang="ko-KR" altLang="en-US" smtClean="0"/>
-              <a:t>2020. 6. 9.</a:t>
+              <a:t>2020. 6. 10.</a:t>
             </a:fld>
             <a:endParaRPr lang="ko-KR" altLang="en-US"/>
           </a:p>
@@ -1516,7 +1695,7 @@
           <a:p>
             <a:fld id="{316F4E24-04D5-47E1-9DD4-428684ACC90F}" type="datetimeFigureOut">
               <a:rPr lang="ko-KR" altLang="en-US" smtClean="0"/>
-              <a:t>2020. 6. 9.</a:t>
+              <a:t>2020. 6. 10.</a:t>
             </a:fld>
             <a:endParaRPr lang="ko-KR" altLang="en-US"/>
           </a:p>
@@ -1714,7 +1893,7 @@
           <a:p>
             <a:fld id="{316F4E24-04D5-47E1-9DD4-428684ACC90F}" type="datetimeFigureOut">
               <a:rPr lang="ko-KR" altLang="en-US" smtClean="0"/>
-              <a:t>2020. 6. 9.</a:t>
+              <a:t>2020. 6. 10.</a:t>
             </a:fld>
             <a:endParaRPr lang="ko-KR" altLang="en-US"/>
           </a:p>
@@ -1989,7 +2168,7 @@
           <a:p>
             <a:fld id="{316F4E24-04D5-47E1-9DD4-428684ACC90F}" type="datetimeFigureOut">
               <a:rPr lang="ko-KR" altLang="en-US" smtClean="0"/>
-              <a:t>2020. 6. 9.</a:t>
+              <a:t>2020. 6. 10.</a:t>
             </a:fld>
             <a:endParaRPr lang="ko-KR" altLang="en-US"/>
           </a:p>
@@ -2254,7 +2433,7 @@
           <a:p>
             <a:fld id="{316F4E24-04D5-47E1-9DD4-428684ACC90F}" type="datetimeFigureOut">
               <a:rPr lang="ko-KR" altLang="en-US" smtClean="0"/>
-              <a:t>2020. 6. 9.</a:t>
+              <a:t>2020. 6. 10.</a:t>
             </a:fld>
             <a:endParaRPr lang="ko-KR" altLang="en-US"/>
           </a:p>
@@ -2666,7 +2845,7 @@
           <a:p>
             <a:fld id="{316F4E24-04D5-47E1-9DD4-428684ACC90F}" type="datetimeFigureOut">
               <a:rPr lang="ko-KR" altLang="en-US" smtClean="0"/>
-              <a:t>2020. 6. 9.</a:t>
+              <a:t>2020. 6. 10.</a:t>
             </a:fld>
             <a:endParaRPr lang="ko-KR" altLang="en-US"/>
           </a:p>
@@ -2807,7 +2986,7 @@
           <a:p>
             <a:fld id="{316F4E24-04D5-47E1-9DD4-428684ACC90F}" type="datetimeFigureOut">
               <a:rPr lang="ko-KR" altLang="en-US" smtClean="0"/>
-              <a:t>2020. 6. 9.</a:t>
+              <a:t>2020. 6. 10.</a:t>
             </a:fld>
             <a:endParaRPr lang="ko-KR" altLang="en-US"/>
           </a:p>
@@ -2920,7 +3099,7 @@
           <a:p>
             <a:fld id="{316F4E24-04D5-47E1-9DD4-428684ACC90F}" type="datetimeFigureOut">
               <a:rPr lang="ko-KR" altLang="en-US" smtClean="0"/>
-              <a:t>2020. 6. 9.</a:t>
+              <a:t>2020. 6. 10.</a:t>
             </a:fld>
             <a:endParaRPr lang="ko-KR" altLang="en-US"/>
           </a:p>
@@ -3231,7 +3410,7 @@
           <a:p>
             <a:fld id="{316F4E24-04D5-47E1-9DD4-428684ACC90F}" type="datetimeFigureOut">
               <a:rPr lang="ko-KR" altLang="en-US" smtClean="0"/>
-              <a:t>2020. 6. 9.</a:t>
+              <a:t>2020. 6. 10.</a:t>
             </a:fld>
             <a:endParaRPr lang="ko-KR" altLang="en-US"/>
           </a:p>
@@ -3519,7 +3698,7 @@
           <a:p>
             <a:fld id="{316F4E24-04D5-47E1-9DD4-428684ACC90F}" type="datetimeFigureOut">
               <a:rPr lang="ko-KR" altLang="en-US" smtClean="0"/>
-              <a:t>2020. 6. 9.</a:t>
+              <a:t>2020. 6. 10.</a:t>
             </a:fld>
             <a:endParaRPr lang="ko-KR" altLang="en-US"/>
           </a:p>
@@ -3760,7 +3939,7 @@
           <a:p>
             <a:fld id="{316F4E24-04D5-47E1-9DD4-428684ACC90F}" type="datetimeFigureOut">
               <a:rPr lang="ko-KR" altLang="en-US" smtClean="0"/>
-              <a:t>2020. 6. 9.</a:t>
+              <a:t>2020. 6. 10.</a:t>
             </a:fld>
             <a:endParaRPr lang="ko-KR" altLang="en-US"/>
           </a:p>
@@ -6901,6 +7080,14 @@
 <file path=ppt/slides/slide3.xml><?xml version="1.0" encoding="utf-8"?>
 <p:sld xmlns:a="http://schemas.openxmlformats.org/drawingml/2006/main" xmlns:r="http://schemas.openxmlformats.org/officeDocument/2006/relationships" xmlns:p="http://schemas.openxmlformats.org/presentationml/2006/main">
   <p:cSld>
+    <p:bg>
+      <p:bgPr>
+        <a:solidFill>
+          <a:schemeClr val="bg1"/>
+        </a:solidFill>
+        <a:effectLst/>
+      </p:bgPr>
+    </p:bg>
     <p:spTree>
       <p:nvGrpSpPr>
         <p:cNvPr id="1" name=""/>
@@ -6917,26 +7104,37 @@
       </p:grpSpPr>
       <p:sp>
         <p:nvSpPr>
-          <p:cNvPr id="2" name="직사각형 1">
-            <a:extLst>
-              <a:ext uri="{FF2B5EF4-FFF2-40B4-BE49-F238E27FC236}">
-                <a16:creationId xmlns:a16="http://schemas.microsoft.com/office/drawing/2014/main" id="{456A4E07-9A29-904E-8BD1-59BD58489FD3}"/>
-              </a:ext>
-            </a:extLst>
-          </p:cNvPr>
-          <p:cNvSpPr/>
-          <p:nvPr/>
-        </p:nvSpPr>
-        <p:spPr>
-          <a:xfrm>
-            <a:off x="1336305" y="58500"/>
-            <a:ext cx="1261213" cy="887409"/>
+          <p:cNvPr id="33" name="Rectangle 32">
+            <a:extLst>
+              <a:ext uri="{FF2B5EF4-FFF2-40B4-BE49-F238E27FC236}">
+                <a16:creationId xmlns:a16="http://schemas.microsoft.com/office/drawing/2014/main" id="{F3060C83-F051-4F0E-ABAD-AA0DFC48B218}"/>
+              </a:ext>
+              <a:ext uri="{C183D7F6-B498-43B3-948B-1728B52AA6E4}">
+                <adec:decorative xmlns:adec="http://schemas.microsoft.com/office/drawing/2017/decorative" val="1"/>
+              </a:ext>
+            </a:extLst>
+          </p:cNvPr>
+          <p:cNvSpPr>
+            <a:spLocks noGrp="1" noRot="1" noChangeAspect="1" noMove="1" noResize="1" noEditPoints="1" noAdjustHandles="1" noChangeArrowheads="1" noChangeShapeType="1" noTextEdit="1"/>
+          </p:cNvSpPr>
+          <p:nvPr>
+            <p:extLst>
+              <p:ext uri="{386F3935-93C4-4BCD-93E2-E3B085C9AB24}">
+                <p16:designElem xmlns:p16="http://schemas.microsoft.com/office/powerpoint/2015/main" val="1"/>
+              </p:ext>
+            </p:extLst>
+          </p:nvPr>
+        </p:nvSpPr>
+        <p:spPr>
+          <a:xfrm>
+            <a:off x="0" y="0"/>
+            <a:ext cx="12192000" cy="6858000"/>
           </a:xfrm>
           <a:prstGeom prst="rect">
             <a:avLst/>
           </a:prstGeom>
           <a:solidFill>
-            <a:srgbClr val="F7F6F9"/>
+            <a:schemeClr val="bg1"/>
           </a:solidFill>
           <a:ln>
             <a:noFill/>
@@ -6963,32 +7161,96 @@
           <a:lstStyle/>
           <a:p>
             <a:pPr algn="ctr"/>
-            <a:endParaRPr kumimoji="1" lang="ko-Kore-KR" altLang="en-US"/>
-          </a:p>
-        </p:txBody>
-      </p:sp>
-      <p:sp>
-        <p:nvSpPr>
-          <p:cNvPr id="6" name="타원 5">
-            <a:extLst>
-              <a:ext uri="{FF2B5EF4-FFF2-40B4-BE49-F238E27FC236}">
-                <a16:creationId xmlns:a16="http://schemas.microsoft.com/office/drawing/2014/main" id="{93EDF210-D15A-4702-83DD-CCE7D956DAC7}"/>
-              </a:ext>
-            </a:extLst>
-          </p:cNvPr>
-          <p:cNvSpPr/>
-          <p:nvPr/>
-        </p:nvSpPr>
-        <p:spPr>
-          <a:xfrm>
-            <a:off x="1571625" y="116443"/>
-            <a:ext cx="790575" cy="771525"/>
-          </a:xfrm>
-          <a:prstGeom prst="ellipse">
-            <a:avLst/>
-          </a:prstGeom>
+            <a:endParaRPr lang="en-US" dirty="0"/>
+          </a:p>
+        </p:txBody>
+      </p:sp>
+      <p:sp>
+        <p:nvSpPr>
+          <p:cNvPr id="35" name="Freeform: Shape 34">
+            <a:extLst>
+              <a:ext uri="{FF2B5EF4-FFF2-40B4-BE49-F238E27FC236}">
+                <a16:creationId xmlns:a16="http://schemas.microsoft.com/office/drawing/2014/main" id="{83C98ABE-055B-441F-B07E-44F97F083C39}"/>
+              </a:ext>
+              <a:ext uri="{C183D7F6-B498-43B3-948B-1728B52AA6E4}">
+                <adec:decorative xmlns:adec="http://schemas.microsoft.com/office/drawing/2017/decorative" val="1"/>
+              </a:ext>
+            </a:extLst>
+          </p:cNvPr>
+          <p:cNvSpPr>
+            <a:spLocks noGrp="1" noRot="1" noChangeAspect="1" noMove="1" noResize="1" noEditPoints="1" noAdjustHandles="1" noChangeArrowheads="1" noChangeShapeType="1" noTextEdit="1"/>
+          </p:cNvSpPr>
+          <p:nvPr>
+            <p:extLst>
+              <p:ext uri="{386F3935-93C4-4BCD-93E2-E3B085C9AB24}">
+                <p16:designElem xmlns:p16="http://schemas.microsoft.com/office/powerpoint/2015/main" val="1"/>
+              </p:ext>
+            </p:extLst>
+          </p:nvPr>
+        </p:nvSpPr>
+        <p:spPr>
+          <a:xfrm rot="18900000" flipH="1">
+            <a:off x="-376156" y="-253670"/>
+            <a:ext cx="1827638" cy="1376989"/>
+          </a:xfrm>
+          <a:custGeom>
+            <a:avLst/>
+            <a:gdLst>
+              <a:gd name="connsiteX0" fmla="*/ 0 w 1827638"/>
+              <a:gd name="connsiteY0" fmla="*/ 987379 h 1376989"/>
+              <a:gd name="connsiteX1" fmla="*/ 987379 w 1827638"/>
+              <a:gd name="connsiteY1" fmla="*/ 0 h 1376989"/>
+              <a:gd name="connsiteX2" fmla="*/ 1827638 w 1827638"/>
+              <a:gd name="connsiteY2" fmla="*/ 840260 h 1376989"/>
+              <a:gd name="connsiteX3" fmla="*/ 1827638 w 1827638"/>
+              <a:gd name="connsiteY3" fmla="*/ 1376989 h 1376989"/>
+              <a:gd name="connsiteX4" fmla="*/ 0 w 1827638"/>
+              <a:gd name="connsiteY4" fmla="*/ 1376989 h 1376989"/>
+            </a:gdLst>
+            <a:ahLst/>
+            <a:cxnLst>
+              <a:cxn ang="0">
+                <a:pos x="connsiteX0" y="connsiteY0"/>
+              </a:cxn>
+              <a:cxn ang="0">
+                <a:pos x="connsiteX1" y="connsiteY1"/>
+              </a:cxn>
+              <a:cxn ang="0">
+                <a:pos x="connsiteX2" y="connsiteY2"/>
+              </a:cxn>
+              <a:cxn ang="0">
+                <a:pos x="connsiteX3" y="connsiteY3"/>
+              </a:cxn>
+              <a:cxn ang="0">
+                <a:pos x="connsiteX4" y="connsiteY4"/>
+              </a:cxn>
+            </a:cxnLst>
+            <a:rect l="l" t="t" r="r" b="b"/>
+            <a:pathLst>
+              <a:path w="1827638" h="1376989">
+                <a:moveTo>
+                  <a:pt x="0" y="987379"/>
+                </a:moveTo>
+                <a:lnTo>
+                  <a:pt x="987379" y="0"/>
+                </a:lnTo>
+                <a:lnTo>
+                  <a:pt x="1827638" y="840260"/>
+                </a:lnTo>
+                <a:lnTo>
+                  <a:pt x="1827638" y="1376989"/>
+                </a:lnTo>
+                <a:lnTo>
+                  <a:pt x="0" y="1376989"/>
+                </a:lnTo>
+                <a:close/>
+              </a:path>
+            </a:pathLst>
+          </a:custGeom>
           <a:solidFill>
-            <a:srgbClr val="00C4CC"/>
+            <a:schemeClr val="accent1">
+              <a:alpha val="30000"/>
+            </a:schemeClr>
           </a:solidFill>
           <a:ln>
             <a:noFill/>
@@ -7015,24 +7277,386 @@
           <a:lstStyle/>
           <a:p>
             <a:pPr algn="ctr"/>
-            <a:r>
-              <a:rPr lang="en-US" altLang="ko-KR" sz="4000" dirty="0">
-                <a:latin typeface="Arial Black" panose="020B0A04020102020204" pitchFamily="34" charset="0"/>
-              </a:rPr>
-              <a:t>G</a:t>
-            </a:r>
-            <a:endParaRPr lang="ko-KR" altLang="en-US" sz="4000" dirty="0">
-              <a:latin typeface="Arial Black" panose="020B0A04020102020204" pitchFamily="34" charset="0"/>
-            </a:endParaRPr>
-          </a:p>
-        </p:txBody>
-      </p:sp>
-      <p:sp>
-        <p:nvSpPr>
-          <p:cNvPr id="7" name="직사각형 6">
-            <a:extLst>
-              <a:ext uri="{FF2B5EF4-FFF2-40B4-BE49-F238E27FC236}">
-                <a16:creationId xmlns:a16="http://schemas.microsoft.com/office/drawing/2014/main" id="{14E09186-2807-47E5-8D17-FC9D6A639E1A}"/>
+            <a:endParaRPr lang="en-US" dirty="0"/>
+          </a:p>
+        </p:txBody>
+      </p:sp>
+      <p:sp>
+        <p:nvSpPr>
+          <p:cNvPr id="37" name="Rectangle 36">
+            <a:extLst>
+              <a:ext uri="{FF2B5EF4-FFF2-40B4-BE49-F238E27FC236}">
+                <a16:creationId xmlns:a16="http://schemas.microsoft.com/office/drawing/2014/main" id="{29FDB030-9B49-4CED-8CCD-4D99382388AC}"/>
+              </a:ext>
+              <a:ext uri="{C183D7F6-B498-43B3-948B-1728B52AA6E4}">
+                <adec:decorative xmlns:adec="http://schemas.microsoft.com/office/drawing/2017/decorative" val="1"/>
+              </a:ext>
+            </a:extLst>
+          </p:cNvPr>
+          <p:cNvSpPr>
+            <a:spLocks noGrp="1" noRot="1" noChangeAspect="1" noMove="1" noResize="1" noEditPoints="1" noAdjustHandles="1" noChangeArrowheads="1" noChangeShapeType="1" noTextEdit="1"/>
+          </p:cNvSpPr>
+          <p:nvPr>
+            <p:extLst>
+              <p:ext uri="{386F3935-93C4-4BCD-93E2-E3B085C9AB24}">
+                <p16:designElem xmlns:p16="http://schemas.microsoft.com/office/powerpoint/2015/main" val="1"/>
+              </p:ext>
+            </p:extLst>
+          </p:nvPr>
+        </p:nvSpPr>
+        <p:spPr>
+          <a:xfrm rot="18900000" flipH="1">
+            <a:off x="891641" y="422146"/>
+            <a:ext cx="645368" cy="645368"/>
+          </a:xfrm>
+          <a:prstGeom prst="rect">
+            <a:avLst/>
+          </a:prstGeom>
+          <a:solidFill>
+            <a:schemeClr val="accent1">
+              <a:alpha val="30000"/>
+            </a:schemeClr>
+          </a:solidFill>
+          <a:ln>
+            <a:noFill/>
+          </a:ln>
+        </p:spPr>
+        <p:style>
+          <a:lnRef idx="2">
+            <a:schemeClr val="accent1">
+              <a:shade val="50000"/>
+            </a:schemeClr>
+          </a:lnRef>
+          <a:fillRef idx="1">
+            <a:schemeClr val="accent1"/>
+          </a:fillRef>
+          <a:effectRef idx="0">
+            <a:schemeClr val="accent1"/>
+          </a:effectRef>
+          <a:fontRef idx="minor">
+            <a:schemeClr val="lt1"/>
+          </a:fontRef>
+        </p:style>
+        <p:txBody>
+          <a:bodyPr rtlCol="0" anchor="ctr"/>
+          <a:lstStyle/>
+          <a:p>
+            <a:pPr algn="ctr"/>
+            <a:endParaRPr lang="en-US"/>
+          </a:p>
+        </p:txBody>
+      </p:sp>
+      <p:sp>
+        <p:nvSpPr>
+          <p:cNvPr id="39" name="Rectangle 38">
+            <a:extLst>
+              <a:ext uri="{FF2B5EF4-FFF2-40B4-BE49-F238E27FC236}">
+                <a16:creationId xmlns:a16="http://schemas.microsoft.com/office/drawing/2014/main" id="{3783CA14-24A1-485C-8B30-D6A5D87987AD}"/>
+              </a:ext>
+              <a:ext uri="{C183D7F6-B498-43B3-948B-1728B52AA6E4}">
+                <adec:decorative xmlns:adec="http://schemas.microsoft.com/office/drawing/2017/decorative" val="1"/>
+              </a:ext>
+            </a:extLst>
+          </p:cNvPr>
+          <p:cNvSpPr>
+            <a:spLocks noGrp="1" noRot="1" noChangeAspect="1" noMove="1" noResize="1" noEditPoints="1" noAdjustHandles="1" noChangeArrowheads="1" noChangeShapeType="1" noTextEdit="1"/>
+          </p:cNvSpPr>
+          <p:nvPr>
+            <p:extLst>
+              <p:ext uri="{386F3935-93C4-4BCD-93E2-E3B085C9AB24}">
+                <p16:designElem xmlns:p16="http://schemas.microsoft.com/office/powerpoint/2015/main" val="1"/>
+              </p:ext>
+            </p:extLst>
+          </p:nvPr>
+        </p:nvSpPr>
+        <p:spPr>
+          <a:xfrm rot="18900000" flipH="1">
+            <a:off x="10043482" y="655140"/>
+            <a:ext cx="687472" cy="687472"/>
+          </a:xfrm>
+          <a:prstGeom prst="rect">
+            <a:avLst/>
+          </a:prstGeom>
+          <a:solidFill>
+            <a:schemeClr val="accent4">
+              <a:alpha val="30000"/>
+            </a:schemeClr>
+          </a:solidFill>
+          <a:ln>
+            <a:noFill/>
+          </a:ln>
+        </p:spPr>
+        <p:style>
+          <a:lnRef idx="2">
+            <a:schemeClr val="accent1">
+              <a:shade val="50000"/>
+            </a:schemeClr>
+          </a:lnRef>
+          <a:fillRef idx="1">
+            <a:schemeClr val="accent1"/>
+          </a:fillRef>
+          <a:effectRef idx="0">
+            <a:schemeClr val="accent1"/>
+          </a:effectRef>
+          <a:fontRef idx="minor">
+            <a:schemeClr val="lt1"/>
+          </a:fontRef>
+        </p:style>
+        <p:txBody>
+          <a:bodyPr rtlCol="0" anchor="ctr"/>
+          <a:lstStyle/>
+          <a:p>
+            <a:pPr algn="ctr"/>
+            <a:endParaRPr lang="en-US"/>
+          </a:p>
+        </p:txBody>
+      </p:sp>
+      <p:sp>
+        <p:nvSpPr>
+          <p:cNvPr id="41" name="Freeform: Shape 40">
+            <a:extLst>
+              <a:ext uri="{FF2B5EF4-FFF2-40B4-BE49-F238E27FC236}">
+                <a16:creationId xmlns:a16="http://schemas.microsoft.com/office/drawing/2014/main" id="{9A97C86A-04D6-40F7-AE84-31AB43E6A846}"/>
+              </a:ext>
+              <a:ext uri="{C183D7F6-B498-43B3-948B-1728B52AA6E4}">
+                <adec:decorative xmlns:adec="http://schemas.microsoft.com/office/drawing/2017/decorative" val="1"/>
+              </a:ext>
+            </a:extLst>
+          </p:cNvPr>
+          <p:cNvSpPr>
+            <a:spLocks noGrp="1" noRot="1" noChangeAspect="1" noMove="1" noResize="1" noEditPoints="1" noAdjustHandles="1" noChangeArrowheads="1" noChangeShapeType="1" noTextEdit="1"/>
+          </p:cNvSpPr>
+          <p:nvPr>
+            <p:extLst>
+              <p:ext uri="{386F3935-93C4-4BCD-93E2-E3B085C9AB24}">
+                <p16:designElem xmlns:p16="http://schemas.microsoft.com/office/powerpoint/2015/main" val="1"/>
+              </p:ext>
+            </p:extLst>
+          </p:nvPr>
+        </p:nvSpPr>
+        <p:spPr>
+          <a:xfrm rot="10800000" flipH="1">
+            <a:off x="9356643" y="0"/>
+            <a:ext cx="2835357" cy="1480837"/>
+          </a:xfrm>
+          <a:custGeom>
+            <a:avLst/>
+            <a:gdLst>
+              <a:gd name="connsiteX0" fmla="*/ 2835357 w 2835357"/>
+              <a:gd name="connsiteY0" fmla="*/ 1480837 h 1480837"/>
+              <a:gd name="connsiteX1" fmla="*/ 0 w 2835357"/>
+              <a:gd name="connsiteY1" fmla="*/ 1480837 h 1480837"/>
+              <a:gd name="connsiteX2" fmla="*/ 1552727 w 2835357"/>
+              <a:gd name="connsiteY2" fmla="*/ 0 h 1480837"/>
+              <a:gd name="connsiteX3" fmla="*/ 2835357 w 2835357"/>
+              <a:gd name="connsiteY3" fmla="*/ 1223245 h 1480837"/>
+            </a:gdLst>
+            <a:ahLst/>
+            <a:cxnLst>
+              <a:cxn ang="0">
+                <a:pos x="connsiteX0" y="connsiteY0"/>
+              </a:cxn>
+              <a:cxn ang="0">
+                <a:pos x="connsiteX1" y="connsiteY1"/>
+              </a:cxn>
+              <a:cxn ang="0">
+                <a:pos x="connsiteX2" y="connsiteY2"/>
+              </a:cxn>
+              <a:cxn ang="0">
+                <a:pos x="connsiteX3" y="connsiteY3"/>
+              </a:cxn>
+            </a:cxnLst>
+            <a:rect l="l" t="t" r="r" b="b"/>
+            <a:pathLst>
+              <a:path w="2835357" h="1480837">
+                <a:moveTo>
+                  <a:pt x="2835357" y="1480837"/>
+                </a:moveTo>
+                <a:lnTo>
+                  <a:pt x="0" y="1480837"/>
+                </a:lnTo>
+                <a:lnTo>
+                  <a:pt x="1552727" y="0"/>
+                </a:lnTo>
+                <a:lnTo>
+                  <a:pt x="2835357" y="1223245"/>
+                </a:lnTo>
+                <a:close/>
+              </a:path>
+            </a:pathLst>
+          </a:custGeom>
+          <a:solidFill>
+            <a:schemeClr val="accent4">
+              <a:alpha val="30000"/>
+            </a:schemeClr>
+          </a:solidFill>
+          <a:ln>
+            <a:noFill/>
+          </a:ln>
+        </p:spPr>
+        <p:style>
+          <a:lnRef idx="2">
+            <a:schemeClr val="accent1">
+              <a:shade val="50000"/>
+            </a:schemeClr>
+          </a:lnRef>
+          <a:fillRef idx="1">
+            <a:schemeClr val="accent1"/>
+          </a:fillRef>
+          <a:effectRef idx="0">
+            <a:schemeClr val="accent1"/>
+          </a:effectRef>
+          <a:fontRef idx="minor">
+            <a:schemeClr val="lt1"/>
+          </a:fontRef>
+        </p:style>
+        <p:txBody>
+          <a:bodyPr wrap="square" rtlCol="0" anchor="ctr">
+            <a:noAutofit/>
+          </a:bodyPr>
+          <a:lstStyle/>
+          <a:p>
+            <a:pPr algn="ctr"/>
+            <a:endParaRPr lang="en-US" dirty="0"/>
+          </a:p>
+        </p:txBody>
+      </p:sp>
+      <p:sp>
+        <p:nvSpPr>
+          <p:cNvPr id="43" name="Isosceles Triangle 42">
+            <a:extLst>
+              <a:ext uri="{FF2B5EF4-FFF2-40B4-BE49-F238E27FC236}">
+                <a16:creationId xmlns:a16="http://schemas.microsoft.com/office/drawing/2014/main" id="{FF9F2414-84E8-453E-B1F3-389FDE8192D9}"/>
+              </a:ext>
+              <a:ext uri="{C183D7F6-B498-43B3-948B-1728B52AA6E4}">
+                <adec:decorative xmlns:adec="http://schemas.microsoft.com/office/drawing/2017/decorative" val="1"/>
+              </a:ext>
+            </a:extLst>
+          </p:cNvPr>
+          <p:cNvSpPr>
+            <a:spLocks noGrp="1" noRot="1" noChangeAspect="1" noMove="1" noResize="1" noEditPoints="1" noAdjustHandles="1" noChangeArrowheads="1" noChangeShapeType="1" noTextEdit="1"/>
+          </p:cNvSpPr>
+          <p:nvPr>
+            <p:extLst>
+              <p:ext uri="{386F3935-93C4-4BCD-93E2-E3B085C9AB24}">
+                <p16:designElem xmlns:p16="http://schemas.microsoft.com/office/powerpoint/2015/main" val="1"/>
+              </p:ext>
+            </p:extLst>
+          </p:nvPr>
+        </p:nvSpPr>
+        <p:spPr>
+          <a:xfrm flipH="1">
+            <a:off x="7976344" y="6115501"/>
+            <a:ext cx="1494513" cy="742499"/>
+          </a:xfrm>
+          <a:prstGeom prst="triangle">
+            <a:avLst/>
+          </a:prstGeom>
+          <a:solidFill>
+            <a:schemeClr val="accent1">
+              <a:alpha val="30000"/>
+            </a:schemeClr>
+          </a:solidFill>
+          <a:ln>
+            <a:noFill/>
+          </a:ln>
+        </p:spPr>
+        <p:style>
+          <a:lnRef idx="2">
+            <a:schemeClr val="accent1">
+              <a:shade val="50000"/>
+            </a:schemeClr>
+          </a:lnRef>
+          <a:fillRef idx="1">
+            <a:schemeClr val="accent1"/>
+          </a:fillRef>
+          <a:effectRef idx="0">
+            <a:schemeClr val="accent1"/>
+          </a:effectRef>
+          <a:fontRef idx="minor">
+            <a:schemeClr val="lt1"/>
+          </a:fontRef>
+        </p:style>
+        <p:txBody>
+          <a:bodyPr rtlCol="0" anchor="ctr"/>
+          <a:lstStyle/>
+          <a:p>
+            <a:pPr algn="ctr"/>
+            <a:endParaRPr lang="en-US"/>
+          </a:p>
+        </p:txBody>
+      </p:sp>
+      <p:sp>
+        <p:nvSpPr>
+          <p:cNvPr id="45" name="Isosceles Triangle 44">
+            <a:extLst>
+              <a:ext uri="{FF2B5EF4-FFF2-40B4-BE49-F238E27FC236}">
+                <a16:creationId xmlns:a16="http://schemas.microsoft.com/office/drawing/2014/main" id="{3ECA69A1-7536-43AC-85EF-C7106179F5ED}"/>
+              </a:ext>
+              <a:ext uri="{C183D7F6-B498-43B3-948B-1728B52AA6E4}">
+                <adec:decorative xmlns:adec="http://schemas.microsoft.com/office/drawing/2017/decorative" val="1"/>
+              </a:ext>
+            </a:extLst>
+          </p:cNvPr>
+          <p:cNvSpPr>
+            <a:spLocks noGrp="1" noRot="1" noChangeAspect="1" noMove="1" noResize="1" noEditPoints="1" noAdjustHandles="1" noChangeArrowheads="1" noChangeShapeType="1" noTextEdit="1"/>
+          </p:cNvSpPr>
+          <p:nvPr>
+            <p:extLst>
+              <p:ext uri="{386F3935-93C4-4BCD-93E2-E3B085C9AB24}">
+                <p16:designElem xmlns:p16="http://schemas.microsoft.com/office/powerpoint/2015/main" val="1"/>
+              </p:ext>
+            </p:extLst>
+          </p:nvPr>
+        </p:nvSpPr>
+        <p:spPr>
+          <a:xfrm flipH="1">
+            <a:off x="7604080" y="6453143"/>
+            <a:ext cx="814903" cy="404857"/>
+          </a:xfrm>
+          <a:prstGeom prst="triangle">
+            <a:avLst/>
+          </a:prstGeom>
+          <a:solidFill>
+            <a:schemeClr val="accent1">
+              <a:alpha val="30000"/>
+            </a:schemeClr>
+          </a:solidFill>
+          <a:ln>
+            <a:noFill/>
+          </a:ln>
+        </p:spPr>
+        <p:style>
+          <a:lnRef idx="2">
+            <a:schemeClr val="accent1">
+              <a:shade val="50000"/>
+            </a:schemeClr>
+          </a:lnRef>
+          <a:fillRef idx="1">
+            <a:schemeClr val="accent1"/>
+          </a:fillRef>
+          <a:effectRef idx="0">
+            <a:schemeClr val="accent1"/>
+          </a:effectRef>
+          <a:fontRef idx="minor">
+            <a:schemeClr val="lt1"/>
+          </a:fontRef>
+        </p:style>
+        <p:txBody>
+          <a:bodyPr rtlCol="0" anchor="ctr"/>
+          <a:lstStyle/>
+          <a:p>
+            <a:pPr algn="ctr"/>
+            <a:endParaRPr lang="en-US"/>
+          </a:p>
+        </p:txBody>
+      </p:sp>
+      <p:sp>
+        <p:nvSpPr>
+          <p:cNvPr id="5" name="직사각형 4">
+            <a:extLst>
+              <a:ext uri="{FF2B5EF4-FFF2-40B4-BE49-F238E27FC236}">
+                <a16:creationId xmlns:a16="http://schemas.microsoft.com/office/drawing/2014/main" id="{683FFE68-4E47-468B-8E7C-F5D354C206B3}"/>
               </a:ext>
             </a:extLst>
           </p:cNvPr>
@@ -7041,7 +7665,7 @@
         </p:nvSpPr>
         <p:spPr>
           <a:xfrm>
-            <a:off x="1571625" y="-405460"/>
+            <a:off x="12446012" y="5763867"/>
             <a:ext cx="1071127" cy="369332"/>
           </a:xfrm>
           <a:prstGeom prst="rect">
@@ -7054,8 +7678,59 @@
           </a:bodyPr>
           <a:lstStyle/>
           <a:p>
-            <a:r>
-              <a:rPr lang="en-US" altLang="ko-KR" b="0" i="0" dirty="0">
+            <a:pPr>
+              <a:spcAft>
+                <a:spcPts val="600"/>
+              </a:spcAft>
+            </a:pPr>
+            <a:r>
+              <a:rPr lang="en-US" altLang="ko-KR" b="0" i="0">
+                <a:solidFill>
+                  <a:srgbClr val="222222"/>
+                </a:solidFill>
+                <a:effectLst/>
+                <a:latin typeface="Consolas" panose="020B0609020204030204" pitchFamily="49" charset="0"/>
+              </a:rPr>
+              <a:t>#7d2ae8</a:t>
+            </a:r>
+            <a:endParaRPr lang="ko-KR" altLang="en-US"/>
+          </a:p>
+        </p:txBody>
+      </p:sp>
+      <p:sp>
+        <p:nvSpPr>
+          <p:cNvPr id="13" name="직사각형 12">
+            <a:extLst>
+              <a:ext uri="{FF2B5EF4-FFF2-40B4-BE49-F238E27FC236}">
+                <a16:creationId xmlns:a16="http://schemas.microsoft.com/office/drawing/2014/main" id="{B3F848B2-772E-4D55-ABC0-DB14BBB503ED}"/>
+              </a:ext>
+            </a:extLst>
+          </p:cNvPr>
+          <p:cNvSpPr/>
+          <p:nvPr/>
+        </p:nvSpPr>
+        <p:spPr>
+          <a:xfrm>
+            <a:off x="-1071127" y="4018173"/>
+            <a:ext cx="1071127" cy="369332"/>
+          </a:xfrm>
+          <a:prstGeom prst="rect">
+            <a:avLst/>
+          </a:prstGeom>
+        </p:spPr>
+        <p:txBody>
+          <a:bodyPr wrap="none">
+            <a:spAutoFit/>
+          </a:bodyPr>
+          <a:lstStyle/>
+          <a:p>
+            <a:pPr>
+              <a:spcAft>
+                <a:spcPts val="600"/>
+              </a:spcAft>
+            </a:pPr>
+            <a:r>
+              <a:rPr lang="en-US" altLang="ko-KR" b="0" i="0">
                 <a:solidFill>
                   <a:srgbClr val="222222"/>
                 </a:solidFill>
@@ -7064,560 +7739,14 @@
               </a:rPr>
               <a:t>#00c4cc</a:t>
             </a:r>
-            <a:endParaRPr lang="ko-KR" altLang="en-US" dirty="0"/>
-          </a:p>
-        </p:txBody>
-      </p:sp>
-      <p:sp>
-        <p:nvSpPr>
-          <p:cNvPr id="8" name="직사각형 7">
-            <a:extLst>
-              <a:ext uri="{FF2B5EF4-FFF2-40B4-BE49-F238E27FC236}">
-                <a16:creationId xmlns:a16="http://schemas.microsoft.com/office/drawing/2014/main" id="{D0084916-6CB9-4A73-982F-8EAEDA6573A6}"/>
-              </a:ext>
-            </a:extLst>
-          </p:cNvPr>
-          <p:cNvSpPr/>
-          <p:nvPr/>
-        </p:nvSpPr>
-        <p:spPr>
-          <a:xfrm>
-            <a:off x="8867775" y="231814"/>
-            <a:ext cx="1200150" cy="574141"/>
-          </a:xfrm>
-          <a:prstGeom prst="rect">
-            <a:avLst/>
-          </a:prstGeom>
-          <a:noFill/>
-          <a:ln>
-            <a:noFill/>
-          </a:ln>
-        </p:spPr>
-        <p:style>
-          <a:lnRef idx="2">
-            <a:schemeClr val="accent1">
-              <a:shade val="50000"/>
-            </a:schemeClr>
-          </a:lnRef>
-          <a:fillRef idx="1">
-            <a:schemeClr val="accent1"/>
-          </a:fillRef>
-          <a:effectRef idx="0">
-            <a:schemeClr val="accent1"/>
-          </a:effectRef>
-          <a:fontRef idx="minor">
-            <a:schemeClr val="lt1"/>
-          </a:fontRef>
-        </p:style>
-        <p:txBody>
-          <a:bodyPr rtlCol="0" anchor="ctr"/>
-          <a:lstStyle/>
-          <a:p>
-            <a:pPr algn="ctr"/>
-            <a:r>
-              <a:rPr lang="en-US" altLang="ko-KR" b="1" dirty="0">
-                <a:solidFill>
-                  <a:schemeClr val="accent3">
-                    <a:lumMod val="75000"/>
-                  </a:schemeClr>
-                </a:solidFill>
-              </a:rPr>
-              <a:t>Login</a:t>
-            </a:r>
-            <a:endParaRPr lang="ko-KR" altLang="en-US" b="1" dirty="0">
-              <a:solidFill>
-                <a:schemeClr val="accent3">
-                  <a:lumMod val="75000"/>
-                </a:schemeClr>
-              </a:solidFill>
-            </a:endParaRPr>
-          </a:p>
-        </p:txBody>
-      </p:sp>
-      <p:sp>
-        <p:nvSpPr>
-          <p:cNvPr id="10" name="사각형: 둥근 모서리 9">
-            <a:extLst>
-              <a:ext uri="{FF2B5EF4-FFF2-40B4-BE49-F238E27FC236}">
-                <a16:creationId xmlns:a16="http://schemas.microsoft.com/office/drawing/2014/main" id="{6E8EB817-BC05-4938-80CE-57F7F2A73B25}"/>
-              </a:ext>
-            </a:extLst>
-          </p:cNvPr>
-          <p:cNvSpPr/>
-          <p:nvPr/>
-        </p:nvSpPr>
-        <p:spPr>
-          <a:xfrm>
-            <a:off x="10277473" y="259854"/>
-            <a:ext cx="1028701" cy="498455"/>
-          </a:xfrm>
-          <a:prstGeom prst="roundRect">
-            <a:avLst/>
-          </a:prstGeom>
-          <a:solidFill>
-            <a:schemeClr val="bg1"/>
-          </a:solidFill>
-          <a:ln>
-            <a:solidFill>
-              <a:schemeClr val="accent3">
-                <a:lumMod val="75000"/>
-              </a:schemeClr>
-            </a:solidFill>
-          </a:ln>
-        </p:spPr>
-        <p:style>
-          <a:lnRef idx="2">
-            <a:schemeClr val="accent1">
-              <a:shade val="50000"/>
-            </a:schemeClr>
-          </a:lnRef>
-          <a:fillRef idx="1">
-            <a:schemeClr val="accent1"/>
-          </a:fillRef>
-          <a:effectRef idx="0">
-            <a:schemeClr val="accent1"/>
-          </a:effectRef>
-          <a:fontRef idx="minor">
-            <a:schemeClr val="lt1"/>
-          </a:fontRef>
-        </p:style>
-        <p:txBody>
-          <a:bodyPr rtlCol="0" anchor="ctr"/>
-          <a:lstStyle/>
-          <a:p>
-            <a:pPr algn="ctr"/>
-            <a:r>
-              <a:rPr lang="en-US" altLang="ko-KR" sz="1400" b="1" dirty="0">
-                <a:solidFill>
-                  <a:schemeClr val="tx1"/>
-                </a:solidFill>
-              </a:rPr>
-              <a:t>Sign Up</a:t>
-            </a:r>
-            <a:endParaRPr lang="ko-KR" altLang="en-US" sz="1400" b="1" dirty="0">
-              <a:solidFill>
-                <a:schemeClr val="tx1"/>
-              </a:solidFill>
-            </a:endParaRPr>
-          </a:p>
-        </p:txBody>
-      </p:sp>
-      <p:sp>
-        <p:nvSpPr>
-          <p:cNvPr id="20" name="사각형: 둥근 모서리 19">
-            <a:extLst>
-              <a:ext uri="{FF2B5EF4-FFF2-40B4-BE49-F238E27FC236}">
-                <a16:creationId xmlns:a16="http://schemas.microsoft.com/office/drawing/2014/main" id="{7054440E-A1D7-4AF0-AECA-61D6371897AA}"/>
-              </a:ext>
-            </a:extLst>
-          </p:cNvPr>
-          <p:cNvSpPr/>
-          <p:nvPr/>
-        </p:nvSpPr>
-        <p:spPr>
-          <a:xfrm>
-            <a:off x="4252912" y="1657350"/>
-            <a:ext cx="3686175" cy="4314826"/>
-          </a:xfrm>
-          <a:prstGeom prst="roundRect">
-            <a:avLst>
-              <a:gd name="adj" fmla="val 5903"/>
-            </a:avLst>
-          </a:prstGeom>
-          <a:solidFill>
-            <a:srgbClr val="7D2AE8"/>
-          </a:solidFill>
-          <a:ln>
-            <a:noFill/>
-          </a:ln>
-        </p:spPr>
-        <p:style>
-          <a:lnRef idx="2">
-            <a:schemeClr val="accent1">
-              <a:shade val="50000"/>
-            </a:schemeClr>
-          </a:lnRef>
-          <a:fillRef idx="1">
-            <a:schemeClr val="accent1"/>
-          </a:fillRef>
-          <a:effectRef idx="0">
-            <a:schemeClr val="accent1"/>
-          </a:effectRef>
-          <a:fontRef idx="minor">
-            <a:schemeClr val="lt1"/>
-          </a:fontRef>
-        </p:style>
-        <p:txBody>
-          <a:bodyPr rtlCol="0" anchor="ctr"/>
-          <a:lstStyle/>
-          <a:p>
-            <a:pPr algn="ctr"/>
             <a:endParaRPr lang="ko-KR" altLang="en-US"/>
-          </a:p>
-        </p:txBody>
-      </p:sp>
-      <p:sp>
-        <p:nvSpPr>
-          <p:cNvPr id="21" name="사각형: 둥근 모서리 20">
-            <a:extLst>
-              <a:ext uri="{FF2B5EF4-FFF2-40B4-BE49-F238E27FC236}">
-                <a16:creationId xmlns:a16="http://schemas.microsoft.com/office/drawing/2014/main" id="{0EA25A34-1B14-4EB4-9456-19B3ECDDE65F}"/>
-              </a:ext>
-            </a:extLst>
-          </p:cNvPr>
-          <p:cNvSpPr/>
-          <p:nvPr/>
-        </p:nvSpPr>
-        <p:spPr>
-          <a:xfrm>
-            <a:off x="4614861" y="2628900"/>
-            <a:ext cx="2962275" cy="561975"/>
-          </a:xfrm>
-          <a:prstGeom prst="roundRect">
-            <a:avLst/>
-          </a:prstGeom>
-          <a:solidFill>
-            <a:schemeClr val="bg1"/>
-          </a:solidFill>
-          <a:ln>
-            <a:noFill/>
-          </a:ln>
-        </p:spPr>
-        <p:style>
-          <a:lnRef idx="2">
-            <a:schemeClr val="accent1">
-              <a:shade val="50000"/>
-            </a:schemeClr>
-          </a:lnRef>
-          <a:fillRef idx="1">
-            <a:schemeClr val="accent1"/>
-          </a:fillRef>
-          <a:effectRef idx="0">
-            <a:schemeClr val="accent1"/>
-          </a:effectRef>
-          <a:fontRef idx="minor">
-            <a:schemeClr val="lt1"/>
-          </a:fontRef>
-        </p:style>
-        <p:txBody>
-          <a:bodyPr rtlCol="0" anchor="ctr"/>
-          <a:lstStyle/>
-          <a:p>
-            <a:pPr algn="ctr"/>
-            <a:endParaRPr lang="ko-KR" altLang="en-US"/>
-          </a:p>
-        </p:txBody>
-      </p:sp>
-      <p:sp>
-        <p:nvSpPr>
-          <p:cNvPr id="35" name="사각형: 둥근 모서리 34">
-            <a:extLst>
-              <a:ext uri="{FF2B5EF4-FFF2-40B4-BE49-F238E27FC236}">
-                <a16:creationId xmlns:a16="http://schemas.microsoft.com/office/drawing/2014/main" id="{ADECBF8F-FE64-4620-B994-3D596A97D8EF}"/>
-              </a:ext>
-            </a:extLst>
-          </p:cNvPr>
-          <p:cNvSpPr/>
-          <p:nvPr/>
-        </p:nvSpPr>
-        <p:spPr>
-          <a:xfrm>
-            <a:off x="4614860" y="4048126"/>
-            <a:ext cx="2962275" cy="561975"/>
-          </a:xfrm>
-          <a:prstGeom prst="roundRect">
-            <a:avLst/>
-          </a:prstGeom>
-          <a:solidFill>
-            <a:schemeClr val="bg1"/>
-          </a:solidFill>
-          <a:ln>
-            <a:noFill/>
-          </a:ln>
-        </p:spPr>
-        <p:style>
-          <a:lnRef idx="2">
-            <a:schemeClr val="accent1">
-              <a:shade val="50000"/>
-            </a:schemeClr>
-          </a:lnRef>
-          <a:fillRef idx="1">
-            <a:schemeClr val="accent1"/>
-          </a:fillRef>
-          <a:effectRef idx="0">
-            <a:schemeClr val="accent1"/>
-          </a:effectRef>
-          <a:fontRef idx="minor">
-            <a:schemeClr val="lt1"/>
-          </a:fontRef>
-        </p:style>
-        <p:txBody>
-          <a:bodyPr rtlCol="0" anchor="ctr"/>
-          <a:lstStyle/>
-          <a:p>
-            <a:pPr algn="ctr"/>
-            <a:endParaRPr lang="ko-KR" altLang="en-US"/>
-          </a:p>
-        </p:txBody>
-      </p:sp>
-      <p:sp>
-        <p:nvSpPr>
-          <p:cNvPr id="36" name="직사각형 35">
-            <a:extLst>
-              <a:ext uri="{FF2B5EF4-FFF2-40B4-BE49-F238E27FC236}">
-                <a16:creationId xmlns:a16="http://schemas.microsoft.com/office/drawing/2014/main" id="{5145E7D5-3B8D-41D1-B87D-BE5A7EC5C9F7}"/>
-              </a:ext>
-            </a:extLst>
-          </p:cNvPr>
-          <p:cNvSpPr/>
-          <p:nvPr/>
-        </p:nvSpPr>
-        <p:spPr>
-          <a:xfrm>
-            <a:off x="4419600" y="2048676"/>
-            <a:ext cx="1200150" cy="574141"/>
-          </a:xfrm>
-          <a:prstGeom prst="rect">
-            <a:avLst/>
-          </a:prstGeom>
-          <a:noFill/>
-          <a:ln>
-            <a:noFill/>
-          </a:ln>
-        </p:spPr>
-        <p:style>
-          <a:lnRef idx="2">
-            <a:schemeClr val="accent1">
-              <a:shade val="50000"/>
-            </a:schemeClr>
-          </a:lnRef>
-          <a:fillRef idx="1">
-            <a:schemeClr val="accent1"/>
-          </a:fillRef>
-          <a:effectRef idx="0">
-            <a:schemeClr val="accent1"/>
-          </a:effectRef>
-          <a:fontRef idx="minor">
-            <a:schemeClr val="lt1"/>
-          </a:fontRef>
-        </p:style>
-        <p:txBody>
-          <a:bodyPr rtlCol="0" anchor="ctr"/>
-          <a:lstStyle/>
-          <a:p>
-            <a:pPr algn="ctr"/>
-            <a:r>
-              <a:rPr lang="en-US" altLang="ko-KR" sz="2400" b="1" dirty="0">
-                <a:solidFill>
-                  <a:schemeClr val="bg1"/>
-                </a:solidFill>
-              </a:rPr>
-              <a:t>Email</a:t>
-            </a:r>
-            <a:endParaRPr lang="ko-KR" altLang="en-US" sz="2400" b="1" dirty="0">
-              <a:solidFill>
-                <a:schemeClr val="bg1"/>
-              </a:solidFill>
-            </a:endParaRPr>
-          </a:p>
-        </p:txBody>
-      </p:sp>
-      <p:sp>
-        <p:nvSpPr>
-          <p:cNvPr id="37" name="직사각형 36">
-            <a:extLst>
-              <a:ext uri="{FF2B5EF4-FFF2-40B4-BE49-F238E27FC236}">
-                <a16:creationId xmlns:a16="http://schemas.microsoft.com/office/drawing/2014/main" id="{2B7B5D31-3A6F-4426-A2B7-C759AE19F2DE}"/>
-              </a:ext>
-            </a:extLst>
-          </p:cNvPr>
-          <p:cNvSpPr/>
-          <p:nvPr/>
-        </p:nvSpPr>
-        <p:spPr>
-          <a:xfrm>
-            <a:off x="4324350" y="3438525"/>
-            <a:ext cx="2000250" cy="574141"/>
-          </a:xfrm>
-          <a:prstGeom prst="rect">
-            <a:avLst/>
-          </a:prstGeom>
-          <a:noFill/>
-          <a:ln>
-            <a:noFill/>
-          </a:ln>
-        </p:spPr>
-        <p:style>
-          <a:lnRef idx="2">
-            <a:schemeClr val="accent1">
-              <a:shade val="50000"/>
-            </a:schemeClr>
-          </a:lnRef>
-          <a:fillRef idx="1">
-            <a:schemeClr val="accent1"/>
-          </a:fillRef>
-          <a:effectRef idx="0">
-            <a:schemeClr val="accent1"/>
-          </a:effectRef>
-          <a:fontRef idx="minor">
-            <a:schemeClr val="lt1"/>
-          </a:fontRef>
-        </p:style>
-        <p:txBody>
-          <a:bodyPr rtlCol="0" anchor="ctr"/>
-          <a:lstStyle/>
-          <a:p>
-            <a:pPr algn="ctr"/>
-            <a:r>
-              <a:rPr lang="en-US" altLang="ko-KR" sz="2400" b="1" dirty="0">
-                <a:solidFill>
-                  <a:schemeClr val="bg1"/>
-                </a:solidFill>
-              </a:rPr>
-              <a:t>Password</a:t>
-            </a:r>
-            <a:endParaRPr lang="ko-KR" altLang="en-US" sz="2400" b="1" dirty="0">
-              <a:solidFill>
-                <a:schemeClr val="bg1"/>
-              </a:solidFill>
-            </a:endParaRPr>
-          </a:p>
-        </p:txBody>
-      </p:sp>
-      <p:sp>
-        <p:nvSpPr>
-          <p:cNvPr id="39" name="사각형: 둥근 모서리 38">
-            <a:extLst>
-              <a:ext uri="{FF2B5EF4-FFF2-40B4-BE49-F238E27FC236}">
-                <a16:creationId xmlns:a16="http://schemas.microsoft.com/office/drawing/2014/main" id="{4E2DA93B-79C6-4778-8FEC-12E1344C1EB0}"/>
-              </a:ext>
-            </a:extLst>
-          </p:cNvPr>
-          <p:cNvSpPr/>
-          <p:nvPr/>
-        </p:nvSpPr>
-        <p:spPr>
-          <a:xfrm>
-            <a:off x="6324600" y="5020682"/>
-            <a:ext cx="1292315" cy="446670"/>
-          </a:xfrm>
-          <a:prstGeom prst="roundRect">
-            <a:avLst/>
-          </a:prstGeom>
-          <a:solidFill>
-            <a:srgbClr val="00C4CC"/>
-          </a:solidFill>
-          <a:ln>
-            <a:noFill/>
-          </a:ln>
-        </p:spPr>
-        <p:style>
-          <a:lnRef idx="2">
-            <a:schemeClr val="accent1">
-              <a:shade val="50000"/>
-            </a:schemeClr>
-          </a:lnRef>
-          <a:fillRef idx="1">
-            <a:schemeClr val="accent1"/>
-          </a:fillRef>
-          <a:effectRef idx="0">
-            <a:schemeClr val="accent1"/>
-          </a:effectRef>
-          <a:fontRef idx="minor">
-            <a:schemeClr val="lt1"/>
-          </a:fontRef>
-        </p:style>
-        <p:txBody>
-          <a:bodyPr rtlCol="0" anchor="ctr"/>
-          <a:lstStyle/>
-          <a:p>
-            <a:pPr algn="ctr"/>
-            <a:r>
-              <a:rPr lang="en-US" altLang="ko-KR" sz="1600" b="1" dirty="0">
-                <a:solidFill>
-                  <a:schemeClr val="bg1"/>
-                </a:solidFill>
-              </a:rPr>
-              <a:t>Login</a:t>
-            </a:r>
-            <a:endParaRPr lang="ko-KR" altLang="en-US" sz="1600" b="1" dirty="0">
-              <a:solidFill>
-                <a:schemeClr val="bg1"/>
-              </a:solidFill>
-            </a:endParaRPr>
-          </a:p>
-        </p:txBody>
-      </p:sp>
-      <p:sp>
-        <p:nvSpPr>
-          <p:cNvPr id="40" name="직사각형 39">
-            <a:extLst>
-              <a:ext uri="{FF2B5EF4-FFF2-40B4-BE49-F238E27FC236}">
-                <a16:creationId xmlns:a16="http://schemas.microsoft.com/office/drawing/2014/main" id="{393B5DA7-4496-4950-AA37-DBB74785B701}"/>
-              </a:ext>
-            </a:extLst>
-          </p:cNvPr>
-          <p:cNvSpPr/>
-          <p:nvPr/>
-        </p:nvSpPr>
-        <p:spPr>
-          <a:xfrm>
-            <a:off x="5619750" y="5931939"/>
-            <a:ext cx="2557463" cy="574141"/>
-          </a:xfrm>
-          <a:prstGeom prst="rect">
-            <a:avLst/>
-          </a:prstGeom>
-          <a:noFill/>
-          <a:ln>
-            <a:noFill/>
-          </a:ln>
-        </p:spPr>
-        <p:style>
-          <a:lnRef idx="2">
-            <a:schemeClr val="accent1">
-              <a:shade val="50000"/>
-            </a:schemeClr>
-          </a:lnRef>
-          <a:fillRef idx="1">
-            <a:schemeClr val="accent1"/>
-          </a:fillRef>
-          <a:effectRef idx="0">
-            <a:schemeClr val="accent1"/>
-          </a:effectRef>
-          <a:fontRef idx="minor">
-            <a:schemeClr val="lt1"/>
-          </a:fontRef>
-        </p:style>
-        <p:txBody>
-          <a:bodyPr rtlCol="0" anchor="ctr"/>
-          <a:lstStyle/>
-          <a:p>
-            <a:pPr algn="ctr"/>
-            <a:r>
-              <a:rPr lang="en-US" altLang="ko-KR" b="1" dirty="0">
-                <a:solidFill>
-                  <a:schemeClr val="accent3">
-                    <a:lumMod val="75000"/>
-                  </a:schemeClr>
-                </a:solidFill>
-              </a:rPr>
-              <a:t>Forgot Password?</a:t>
-            </a:r>
-            <a:endParaRPr lang="ko-KR" altLang="en-US" b="1" dirty="0">
-              <a:solidFill>
-                <a:schemeClr val="accent3">
-                  <a:lumMod val="75000"/>
-                </a:schemeClr>
-              </a:solidFill>
-            </a:endParaRPr>
           </a:p>
         </p:txBody>
       </p:sp>
     </p:spTree>
     <p:extLst>
       <p:ext uri="{BB962C8B-B14F-4D97-AF65-F5344CB8AC3E}">
-        <p14:creationId xmlns:p14="http://schemas.microsoft.com/office/powerpoint/2010/main" val="3378544579"/>
+        <p14:creationId xmlns:p14="http://schemas.microsoft.com/office/powerpoint/2010/main" val="1344389442"/>
       </p:ext>
     </p:extLst>
   </p:cSld>
@@ -7646,6 +7775,58 @@
       </p:grpSpPr>
       <p:sp>
         <p:nvSpPr>
+          <p:cNvPr id="2" name="직사각형 1">
+            <a:extLst>
+              <a:ext uri="{FF2B5EF4-FFF2-40B4-BE49-F238E27FC236}">
+                <a16:creationId xmlns:a16="http://schemas.microsoft.com/office/drawing/2014/main" id="{456A4E07-9A29-904E-8BD1-59BD58489FD3}"/>
+              </a:ext>
+            </a:extLst>
+          </p:cNvPr>
+          <p:cNvSpPr/>
+          <p:nvPr/>
+        </p:nvSpPr>
+        <p:spPr>
+          <a:xfrm>
+            <a:off x="1336305" y="58500"/>
+            <a:ext cx="1261213" cy="887409"/>
+          </a:xfrm>
+          <a:prstGeom prst="rect">
+            <a:avLst/>
+          </a:prstGeom>
+          <a:solidFill>
+            <a:srgbClr val="F7F6F9"/>
+          </a:solidFill>
+          <a:ln>
+            <a:noFill/>
+          </a:ln>
+        </p:spPr>
+        <p:style>
+          <a:lnRef idx="2">
+            <a:schemeClr val="accent1">
+              <a:shade val="50000"/>
+            </a:schemeClr>
+          </a:lnRef>
+          <a:fillRef idx="1">
+            <a:schemeClr val="accent1"/>
+          </a:fillRef>
+          <a:effectRef idx="0">
+            <a:schemeClr val="accent1"/>
+          </a:effectRef>
+          <a:fontRef idx="minor">
+            <a:schemeClr val="lt1"/>
+          </a:fontRef>
+        </p:style>
+        <p:txBody>
+          <a:bodyPr rtlCol="0" anchor="ctr"/>
+          <a:lstStyle/>
+          <a:p>
+            <a:pPr algn="ctr"/>
+            <a:endParaRPr kumimoji="1" lang="ko-Kore-KR" altLang="en-US"/>
+          </a:p>
+        </p:txBody>
+      </p:sp>
+      <p:sp>
+        <p:nvSpPr>
           <p:cNvPr id="6" name="타원 5">
             <a:extLst>
               <a:ext uri="{FF2B5EF4-FFF2-40B4-BE49-F238E27FC236}">
@@ -7893,8 +8074,8 @@
         </p:nvSpPr>
         <p:spPr>
           <a:xfrm>
-            <a:off x="4252912" y="2342678"/>
-            <a:ext cx="3686175" cy="2524125"/>
+            <a:off x="4252912" y="1657350"/>
+            <a:ext cx="3686175" cy="4314826"/>
           </a:xfrm>
           <a:prstGeom prst="roundRect">
             <a:avLst>
@@ -7947,7 +8128,7 @@
         </p:nvSpPr>
         <p:spPr>
           <a:xfrm>
-            <a:off x="4614861" y="3295650"/>
+            <a:off x="4614861" y="2628900"/>
             <a:ext cx="2962275" cy="561975"/>
           </a:xfrm>
           <a:prstGeom prst="roundRect">
@@ -7987,10 +8168,10 @@
       </p:sp>
       <p:sp>
         <p:nvSpPr>
-          <p:cNvPr id="36" name="직사각형 35">
-            <a:extLst>
-              <a:ext uri="{FF2B5EF4-FFF2-40B4-BE49-F238E27FC236}">
-                <a16:creationId xmlns:a16="http://schemas.microsoft.com/office/drawing/2014/main" id="{5145E7D5-3B8D-41D1-B87D-BE5A7EC5C9F7}"/>
+          <p:cNvPr id="35" name="사각형: 둥근 모서리 34">
+            <a:extLst>
+              <a:ext uri="{FF2B5EF4-FFF2-40B4-BE49-F238E27FC236}">
+                <a16:creationId xmlns:a16="http://schemas.microsoft.com/office/drawing/2014/main" id="{ADECBF8F-FE64-4620-B994-3D596A97D8EF}"/>
               </a:ext>
             </a:extLst>
           </p:cNvPr>
@@ -7999,13 +8180,15 @@
         </p:nvSpPr>
         <p:spPr>
           <a:xfrm>
-            <a:off x="4106814" y="2679119"/>
-            <a:ext cx="2686050" cy="574141"/>
-          </a:xfrm>
-          <a:prstGeom prst="rect">
-            <a:avLst/>
-          </a:prstGeom>
-          <a:noFill/>
+            <a:off x="4614860" y="4048126"/>
+            <a:ext cx="2962275" cy="561975"/>
+          </a:xfrm>
+          <a:prstGeom prst="roundRect">
+            <a:avLst/>
+          </a:prstGeom>
+          <a:solidFill>
+            <a:schemeClr val="bg1"/>
+          </a:solidFill>
           <a:ln>
             <a:noFill/>
           </a:ln>
@@ -8031,44 +8214,16 @@
           <a:lstStyle/>
           <a:p>
             <a:pPr algn="ctr"/>
-            <a:r>
-              <a:rPr lang="en-US" altLang="ko-KR" sz="2400" b="1" dirty="0">
-                <a:solidFill>
-                  <a:schemeClr val="bg1"/>
-                </a:solidFill>
-              </a:rPr>
-              <a:t>Your</a:t>
-            </a:r>
-            <a:r>
-              <a:rPr lang="ko-KR" altLang="en-US" sz="2400" b="1" dirty="0">
-                <a:solidFill>
-                  <a:schemeClr val="bg1"/>
-                </a:solidFill>
-              </a:rPr>
-              <a:t> </a:t>
-            </a:r>
-            <a:r>
-              <a:rPr lang="en-US" altLang="ko-KR" sz="2400" b="1" dirty="0">
-                <a:solidFill>
-                  <a:schemeClr val="bg1"/>
-                </a:solidFill>
-              </a:rPr>
-              <a:t>Email</a:t>
-            </a:r>
-            <a:endParaRPr lang="ko-KR" altLang="en-US" sz="2400" b="1" dirty="0">
-              <a:solidFill>
-                <a:schemeClr val="bg1"/>
-              </a:solidFill>
-            </a:endParaRPr>
-          </a:p>
-        </p:txBody>
-      </p:sp>
-      <p:sp>
-        <p:nvSpPr>
-          <p:cNvPr id="39" name="사각형: 둥근 모서리 38">
-            <a:extLst>
-              <a:ext uri="{FF2B5EF4-FFF2-40B4-BE49-F238E27FC236}">
-                <a16:creationId xmlns:a16="http://schemas.microsoft.com/office/drawing/2014/main" id="{4E2DA93B-79C6-4778-8FEC-12E1344C1EB0}"/>
+            <a:endParaRPr lang="ko-KR" altLang="en-US"/>
+          </a:p>
+        </p:txBody>
+      </p:sp>
+      <p:sp>
+        <p:nvSpPr>
+          <p:cNvPr id="36" name="직사각형 35">
+            <a:extLst>
+              <a:ext uri="{FF2B5EF4-FFF2-40B4-BE49-F238E27FC236}">
+                <a16:creationId xmlns:a16="http://schemas.microsoft.com/office/drawing/2014/main" id="{5145E7D5-3B8D-41D1-B87D-BE5A7EC5C9F7}"/>
               </a:ext>
             </a:extLst>
           </p:cNvPr>
@@ -8077,15 +8232,13 @@
         </p:nvSpPr>
         <p:spPr>
           <a:xfrm>
-            <a:off x="6252323" y="4172925"/>
-            <a:ext cx="1292315" cy="446670"/>
-          </a:xfrm>
-          <a:prstGeom prst="roundRect">
-            <a:avLst/>
-          </a:prstGeom>
-          <a:solidFill>
-            <a:srgbClr val="00C4CC"/>
-          </a:solidFill>
+            <a:off x="4419600" y="2048676"/>
+            <a:ext cx="1200150" cy="574141"/>
+          </a:xfrm>
+          <a:prstGeom prst="rect">
+            <a:avLst/>
+          </a:prstGeom>
+          <a:noFill/>
           <a:ln>
             <a:noFill/>
           </a:ln>
@@ -8112,14 +8265,14 @@
           <a:p>
             <a:pPr algn="ctr"/>
             <a:r>
-              <a:rPr lang="en-US" altLang="ko-KR" sz="1600" b="1" dirty="0">
+              <a:rPr lang="en-US" altLang="ko-KR" sz="2400" b="1" dirty="0">
                 <a:solidFill>
                   <a:schemeClr val="bg1"/>
                 </a:solidFill>
               </a:rPr>
-              <a:t>Send</a:t>
-            </a:r>
-            <a:endParaRPr lang="ko-KR" altLang="en-US" sz="1600" b="1" dirty="0">
+              <a:t>Email</a:t>
+            </a:r>
+            <a:endParaRPr lang="ko-KR" altLang="en-US" sz="2400" b="1" dirty="0">
               <a:solidFill>
                 <a:schemeClr val="bg1"/>
               </a:solidFill>
@@ -8129,10 +8282,10 @@
       </p:sp>
       <p:sp>
         <p:nvSpPr>
-          <p:cNvPr id="13" name="직사각형 12">
-            <a:extLst>
-              <a:ext uri="{FF2B5EF4-FFF2-40B4-BE49-F238E27FC236}">
-                <a16:creationId xmlns:a16="http://schemas.microsoft.com/office/drawing/2014/main" id="{547F9E5F-1555-46B1-8702-50E237C31305}"/>
+          <p:cNvPr id="37" name="직사각형 36">
+            <a:extLst>
+              <a:ext uri="{FF2B5EF4-FFF2-40B4-BE49-F238E27FC236}">
+                <a16:creationId xmlns:a16="http://schemas.microsoft.com/office/drawing/2014/main" id="{2B7B5D31-3A6F-4426-A2B7-C759AE19F2DE}"/>
               </a:ext>
             </a:extLst>
           </p:cNvPr>
@@ -8141,8 +8294,8 @@
         </p:nvSpPr>
         <p:spPr>
           <a:xfrm>
-            <a:off x="3832619" y="1521329"/>
-            <a:ext cx="4526758" cy="574141"/>
+            <a:off x="4324350" y="3438525"/>
+            <a:ext cx="2000250" cy="574141"/>
           </a:xfrm>
           <a:prstGeom prst="rect">
             <a:avLst/>
@@ -8174,16 +8327,142 @@
           <a:p>
             <a:pPr algn="ctr"/>
             <a:r>
-              <a:rPr lang="en-US" altLang="ko-KR" sz="2800" b="1" dirty="0">
+              <a:rPr lang="en-US" altLang="ko-KR" sz="2400" b="1" dirty="0">
+                <a:solidFill>
+                  <a:schemeClr val="bg1"/>
+                </a:solidFill>
+              </a:rPr>
+              <a:t>Password</a:t>
+            </a:r>
+            <a:endParaRPr lang="ko-KR" altLang="en-US" sz="2400" b="1" dirty="0">
+              <a:solidFill>
+                <a:schemeClr val="bg1"/>
+              </a:solidFill>
+            </a:endParaRPr>
+          </a:p>
+        </p:txBody>
+      </p:sp>
+      <p:sp>
+        <p:nvSpPr>
+          <p:cNvPr id="39" name="사각형: 둥근 모서리 38">
+            <a:extLst>
+              <a:ext uri="{FF2B5EF4-FFF2-40B4-BE49-F238E27FC236}">
+                <a16:creationId xmlns:a16="http://schemas.microsoft.com/office/drawing/2014/main" id="{4E2DA93B-79C6-4778-8FEC-12E1344C1EB0}"/>
+              </a:ext>
+            </a:extLst>
+          </p:cNvPr>
+          <p:cNvSpPr/>
+          <p:nvPr/>
+        </p:nvSpPr>
+        <p:spPr>
+          <a:xfrm>
+            <a:off x="6324600" y="5020682"/>
+            <a:ext cx="1292315" cy="446670"/>
+          </a:xfrm>
+          <a:prstGeom prst="roundRect">
+            <a:avLst/>
+          </a:prstGeom>
+          <a:solidFill>
+            <a:srgbClr val="00C4CC"/>
+          </a:solidFill>
+          <a:ln>
+            <a:noFill/>
+          </a:ln>
+        </p:spPr>
+        <p:style>
+          <a:lnRef idx="2">
+            <a:schemeClr val="accent1">
+              <a:shade val="50000"/>
+            </a:schemeClr>
+          </a:lnRef>
+          <a:fillRef idx="1">
+            <a:schemeClr val="accent1"/>
+          </a:fillRef>
+          <a:effectRef idx="0">
+            <a:schemeClr val="accent1"/>
+          </a:effectRef>
+          <a:fontRef idx="minor">
+            <a:schemeClr val="lt1"/>
+          </a:fontRef>
+        </p:style>
+        <p:txBody>
+          <a:bodyPr rtlCol="0" anchor="ctr"/>
+          <a:lstStyle/>
+          <a:p>
+            <a:pPr algn="ctr"/>
+            <a:r>
+              <a:rPr lang="en-US" altLang="ko-KR" sz="1600" b="1" dirty="0">
+                <a:solidFill>
+                  <a:schemeClr val="bg1"/>
+                </a:solidFill>
+              </a:rPr>
+              <a:t>Login</a:t>
+            </a:r>
+            <a:endParaRPr lang="ko-KR" altLang="en-US" sz="1600" b="1" dirty="0">
+              <a:solidFill>
+                <a:schemeClr val="bg1"/>
+              </a:solidFill>
+            </a:endParaRPr>
+          </a:p>
+        </p:txBody>
+      </p:sp>
+      <p:sp>
+        <p:nvSpPr>
+          <p:cNvPr id="40" name="직사각형 39">
+            <a:extLst>
+              <a:ext uri="{FF2B5EF4-FFF2-40B4-BE49-F238E27FC236}">
+                <a16:creationId xmlns:a16="http://schemas.microsoft.com/office/drawing/2014/main" id="{393B5DA7-4496-4950-AA37-DBB74785B701}"/>
+              </a:ext>
+            </a:extLst>
+          </p:cNvPr>
+          <p:cNvSpPr/>
+          <p:nvPr/>
+        </p:nvSpPr>
+        <p:spPr>
+          <a:xfrm>
+            <a:off x="5619750" y="5931939"/>
+            <a:ext cx="2557463" cy="574141"/>
+          </a:xfrm>
+          <a:prstGeom prst="rect">
+            <a:avLst/>
+          </a:prstGeom>
+          <a:noFill/>
+          <a:ln>
+            <a:noFill/>
+          </a:ln>
+        </p:spPr>
+        <p:style>
+          <a:lnRef idx="2">
+            <a:schemeClr val="accent1">
+              <a:shade val="50000"/>
+            </a:schemeClr>
+          </a:lnRef>
+          <a:fillRef idx="1">
+            <a:schemeClr val="accent1"/>
+          </a:fillRef>
+          <a:effectRef idx="0">
+            <a:schemeClr val="accent1"/>
+          </a:effectRef>
+          <a:fontRef idx="minor">
+            <a:schemeClr val="lt1"/>
+          </a:fontRef>
+        </p:style>
+        <p:txBody>
+          <a:bodyPr rtlCol="0" anchor="ctr"/>
+          <a:lstStyle/>
+          <a:p>
+            <a:pPr algn="ctr"/>
+            <a:r>
+              <a:rPr lang="en-US" altLang="ko-KR" b="1" dirty="0">
                 <a:solidFill>
                   <a:schemeClr val="accent3">
                     <a:lumMod val="75000"/>
                   </a:schemeClr>
                 </a:solidFill>
               </a:rPr>
-              <a:t>Send New Password</a:t>
-            </a:r>
-            <a:endParaRPr lang="ko-KR" altLang="en-US" sz="2800" b="1" dirty="0">
+              <a:t>Forgot Password?</a:t>
+            </a:r>
+            <a:endParaRPr lang="ko-KR" altLang="en-US" b="1" dirty="0">
               <a:solidFill>
                 <a:schemeClr val="accent3">
                   <a:lumMod val="75000"/>
@@ -8196,7 +8475,7 @@
     </p:spTree>
     <p:extLst>
       <p:ext uri="{BB962C8B-B14F-4D97-AF65-F5344CB8AC3E}">
-        <p14:creationId xmlns:p14="http://schemas.microsoft.com/office/powerpoint/2010/main" val="1312114020"/>
+        <p14:creationId xmlns:p14="http://schemas.microsoft.com/office/powerpoint/2010/main" val="3378544579"/>
       </p:ext>
     </p:extLst>
   </p:cSld>
@@ -8472,6 +8751,585 @@
         </p:nvSpPr>
         <p:spPr>
           <a:xfrm>
+            <a:off x="4252912" y="2342678"/>
+            <a:ext cx="3686175" cy="2524125"/>
+          </a:xfrm>
+          <a:prstGeom prst="roundRect">
+            <a:avLst>
+              <a:gd name="adj" fmla="val 5903"/>
+            </a:avLst>
+          </a:prstGeom>
+          <a:solidFill>
+            <a:srgbClr val="7D2AE8"/>
+          </a:solidFill>
+          <a:ln>
+            <a:noFill/>
+          </a:ln>
+        </p:spPr>
+        <p:style>
+          <a:lnRef idx="2">
+            <a:schemeClr val="accent1">
+              <a:shade val="50000"/>
+            </a:schemeClr>
+          </a:lnRef>
+          <a:fillRef idx="1">
+            <a:schemeClr val="accent1"/>
+          </a:fillRef>
+          <a:effectRef idx="0">
+            <a:schemeClr val="accent1"/>
+          </a:effectRef>
+          <a:fontRef idx="minor">
+            <a:schemeClr val="lt1"/>
+          </a:fontRef>
+        </p:style>
+        <p:txBody>
+          <a:bodyPr rtlCol="0" anchor="ctr"/>
+          <a:lstStyle/>
+          <a:p>
+            <a:pPr algn="ctr"/>
+            <a:endParaRPr lang="ko-KR" altLang="en-US"/>
+          </a:p>
+        </p:txBody>
+      </p:sp>
+      <p:sp>
+        <p:nvSpPr>
+          <p:cNvPr id="21" name="사각형: 둥근 모서리 20">
+            <a:extLst>
+              <a:ext uri="{FF2B5EF4-FFF2-40B4-BE49-F238E27FC236}">
+                <a16:creationId xmlns:a16="http://schemas.microsoft.com/office/drawing/2014/main" id="{0EA25A34-1B14-4EB4-9456-19B3ECDDE65F}"/>
+              </a:ext>
+            </a:extLst>
+          </p:cNvPr>
+          <p:cNvSpPr/>
+          <p:nvPr/>
+        </p:nvSpPr>
+        <p:spPr>
+          <a:xfrm>
+            <a:off x="4614861" y="3295650"/>
+            <a:ext cx="2962275" cy="561975"/>
+          </a:xfrm>
+          <a:prstGeom prst="roundRect">
+            <a:avLst/>
+          </a:prstGeom>
+          <a:solidFill>
+            <a:schemeClr val="bg1"/>
+          </a:solidFill>
+          <a:ln>
+            <a:noFill/>
+          </a:ln>
+        </p:spPr>
+        <p:style>
+          <a:lnRef idx="2">
+            <a:schemeClr val="accent1">
+              <a:shade val="50000"/>
+            </a:schemeClr>
+          </a:lnRef>
+          <a:fillRef idx="1">
+            <a:schemeClr val="accent1"/>
+          </a:fillRef>
+          <a:effectRef idx="0">
+            <a:schemeClr val="accent1"/>
+          </a:effectRef>
+          <a:fontRef idx="minor">
+            <a:schemeClr val="lt1"/>
+          </a:fontRef>
+        </p:style>
+        <p:txBody>
+          <a:bodyPr rtlCol="0" anchor="ctr"/>
+          <a:lstStyle/>
+          <a:p>
+            <a:pPr algn="ctr"/>
+            <a:endParaRPr lang="ko-KR" altLang="en-US"/>
+          </a:p>
+        </p:txBody>
+      </p:sp>
+      <p:sp>
+        <p:nvSpPr>
+          <p:cNvPr id="36" name="직사각형 35">
+            <a:extLst>
+              <a:ext uri="{FF2B5EF4-FFF2-40B4-BE49-F238E27FC236}">
+                <a16:creationId xmlns:a16="http://schemas.microsoft.com/office/drawing/2014/main" id="{5145E7D5-3B8D-41D1-B87D-BE5A7EC5C9F7}"/>
+              </a:ext>
+            </a:extLst>
+          </p:cNvPr>
+          <p:cNvSpPr/>
+          <p:nvPr/>
+        </p:nvSpPr>
+        <p:spPr>
+          <a:xfrm>
+            <a:off x="4106814" y="2679119"/>
+            <a:ext cx="2686050" cy="574141"/>
+          </a:xfrm>
+          <a:prstGeom prst="rect">
+            <a:avLst/>
+          </a:prstGeom>
+          <a:noFill/>
+          <a:ln>
+            <a:noFill/>
+          </a:ln>
+        </p:spPr>
+        <p:style>
+          <a:lnRef idx="2">
+            <a:schemeClr val="accent1">
+              <a:shade val="50000"/>
+            </a:schemeClr>
+          </a:lnRef>
+          <a:fillRef idx="1">
+            <a:schemeClr val="accent1"/>
+          </a:fillRef>
+          <a:effectRef idx="0">
+            <a:schemeClr val="accent1"/>
+          </a:effectRef>
+          <a:fontRef idx="minor">
+            <a:schemeClr val="lt1"/>
+          </a:fontRef>
+        </p:style>
+        <p:txBody>
+          <a:bodyPr rtlCol="0" anchor="ctr"/>
+          <a:lstStyle/>
+          <a:p>
+            <a:pPr algn="ctr"/>
+            <a:r>
+              <a:rPr lang="en-US" altLang="ko-KR" sz="2400" b="1" dirty="0">
+                <a:solidFill>
+                  <a:schemeClr val="bg1"/>
+                </a:solidFill>
+              </a:rPr>
+              <a:t>Your</a:t>
+            </a:r>
+            <a:r>
+              <a:rPr lang="ko-KR" altLang="en-US" sz="2400" b="1" dirty="0">
+                <a:solidFill>
+                  <a:schemeClr val="bg1"/>
+                </a:solidFill>
+              </a:rPr>
+              <a:t> </a:t>
+            </a:r>
+            <a:r>
+              <a:rPr lang="en-US" altLang="ko-KR" sz="2400" b="1" dirty="0">
+                <a:solidFill>
+                  <a:schemeClr val="bg1"/>
+                </a:solidFill>
+              </a:rPr>
+              <a:t>Email</a:t>
+            </a:r>
+            <a:endParaRPr lang="ko-KR" altLang="en-US" sz="2400" b="1" dirty="0">
+              <a:solidFill>
+                <a:schemeClr val="bg1"/>
+              </a:solidFill>
+            </a:endParaRPr>
+          </a:p>
+        </p:txBody>
+      </p:sp>
+      <p:sp>
+        <p:nvSpPr>
+          <p:cNvPr id="39" name="사각형: 둥근 모서리 38">
+            <a:extLst>
+              <a:ext uri="{FF2B5EF4-FFF2-40B4-BE49-F238E27FC236}">
+                <a16:creationId xmlns:a16="http://schemas.microsoft.com/office/drawing/2014/main" id="{4E2DA93B-79C6-4778-8FEC-12E1344C1EB0}"/>
+              </a:ext>
+            </a:extLst>
+          </p:cNvPr>
+          <p:cNvSpPr/>
+          <p:nvPr/>
+        </p:nvSpPr>
+        <p:spPr>
+          <a:xfrm>
+            <a:off x="6252323" y="4172925"/>
+            <a:ext cx="1292315" cy="446670"/>
+          </a:xfrm>
+          <a:prstGeom prst="roundRect">
+            <a:avLst/>
+          </a:prstGeom>
+          <a:solidFill>
+            <a:srgbClr val="00C4CC"/>
+          </a:solidFill>
+          <a:ln>
+            <a:noFill/>
+          </a:ln>
+        </p:spPr>
+        <p:style>
+          <a:lnRef idx="2">
+            <a:schemeClr val="accent1">
+              <a:shade val="50000"/>
+            </a:schemeClr>
+          </a:lnRef>
+          <a:fillRef idx="1">
+            <a:schemeClr val="accent1"/>
+          </a:fillRef>
+          <a:effectRef idx="0">
+            <a:schemeClr val="accent1"/>
+          </a:effectRef>
+          <a:fontRef idx="minor">
+            <a:schemeClr val="lt1"/>
+          </a:fontRef>
+        </p:style>
+        <p:txBody>
+          <a:bodyPr rtlCol="0" anchor="ctr"/>
+          <a:lstStyle/>
+          <a:p>
+            <a:pPr algn="ctr"/>
+            <a:r>
+              <a:rPr lang="en-US" altLang="ko-KR" sz="1600" b="1" dirty="0">
+                <a:solidFill>
+                  <a:schemeClr val="bg1"/>
+                </a:solidFill>
+              </a:rPr>
+              <a:t>Send</a:t>
+            </a:r>
+            <a:endParaRPr lang="ko-KR" altLang="en-US" sz="1600" b="1" dirty="0">
+              <a:solidFill>
+                <a:schemeClr val="bg1"/>
+              </a:solidFill>
+            </a:endParaRPr>
+          </a:p>
+        </p:txBody>
+      </p:sp>
+      <p:sp>
+        <p:nvSpPr>
+          <p:cNvPr id="13" name="직사각형 12">
+            <a:extLst>
+              <a:ext uri="{FF2B5EF4-FFF2-40B4-BE49-F238E27FC236}">
+                <a16:creationId xmlns:a16="http://schemas.microsoft.com/office/drawing/2014/main" id="{547F9E5F-1555-46B1-8702-50E237C31305}"/>
+              </a:ext>
+            </a:extLst>
+          </p:cNvPr>
+          <p:cNvSpPr/>
+          <p:nvPr/>
+        </p:nvSpPr>
+        <p:spPr>
+          <a:xfrm>
+            <a:off x="3832619" y="1521329"/>
+            <a:ext cx="4526758" cy="574141"/>
+          </a:xfrm>
+          <a:prstGeom prst="rect">
+            <a:avLst/>
+          </a:prstGeom>
+          <a:noFill/>
+          <a:ln>
+            <a:noFill/>
+          </a:ln>
+        </p:spPr>
+        <p:style>
+          <a:lnRef idx="2">
+            <a:schemeClr val="accent1">
+              <a:shade val="50000"/>
+            </a:schemeClr>
+          </a:lnRef>
+          <a:fillRef idx="1">
+            <a:schemeClr val="accent1"/>
+          </a:fillRef>
+          <a:effectRef idx="0">
+            <a:schemeClr val="accent1"/>
+          </a:effectRef>
+          <a:fontRef idx="minor">
+            <a:schemeClr val="lt1"/>
+          </a:fontRef>
+        </p:style>
+        <p:txBody>
+          <a:bodyPr rtlCol="0" anchor="ctr"/>
+          <a:lstStyle/>
+          <a:p>
+            <a:pPr algn="ctr"/>
+            <a:r>
+              <a:rPr lang="en-US" altLang="ko-KR" sz="2800" b="1" dirty="0">
+                <a:solidFill>
+                  <a:schemeClr val="accent3">
+                    <a:lumMod val="75000"/>
+                  </a:schemeClr>
+                </a:solidFill>
+              </a:rPr>
+              <a:t>Send New Password</a:t>
+            </a:r>
+            <a:endParaRPr lang="ko-KR" altLang="en-US" sz="2800" b="1" dirty="0">
+              <a:solidFill>
+                <a:schemeClr val="accent3">
+                  <a:lumMod val="75000"/>
+                </a:schemeClr>
+              </a:solidFill>
+            </a:endParaRPr>
+          </a:p>
+        </p:txBody>
+      </p:sp>
+    </p:spTree>
+    <p:extLst>
+      <p:ext uri="{BB962C8B-B14F-4D97-AF65-F5344CB8AC3E}">
+        <p14:creationId xmlns:p14="http://schemas.microsoft.com/office/powerpoint/2010/main" val="1312114020"/>
+      </p:ext>
+    </p:extLst>
+  </p:cSld>
+  <p:clrMapOvr>
+    <a:masterClrMapping/>
+  </p:clrMapOvr>
+</p:sld>
+</file>
+
+<file path=ppt/slides/slide6.xml><?xml version="1.0" encoding="utf-8"?>
+<p:sld xmlns:a="http://schemas.openxmlformats.org/drawingml/2006/main" xmlns:r="http://schemas.openxmlformats.org/officeDocument/2006/relationships" xmlns:p="http://schemas.openxmlformats.org/presentationml/2006/main">
+  <p:cSld>
+    <p:spTree>
+      <p:nvGrpSpPr>
+        <p:cNvPr id="1" name=""/>
+        <p:cNvGrpSpPr/>
+        <p:nvPr/>
+      </p:nvGrpSpPr>
+      <p:grpSpPr>
+        <a:xfrm>
+          <a:off x="0" y="0"/>
+          <a:ext cx="0" cy="0"/>
+          <a:chOff x="0" y="0"/>
+          <a:chExt cx="0" cy="0"/>
+        </a:xfrm>
+      </p:grpSpPr>
+      <p:sp>
+        <p:nvSpPr>
+          <p:cNvPr id="6" name="타원 5">
+            <a:extLst>
+              <a:ext uri="{FF2B5EF4-FFF2-40B4-BE49-F238E27FC236}">
+                <a16:creationId xmlns:a16="http://schemas.microsoft.com/office/drawing/2014/main" id="{93EDF210-D15A-4702-83DD-CCE7D956DAC7}"/>
+              </a:ext>
+            </a:extLst>
+          </p:cNvPr>
+          <p:cNvSpPr/>
+          <p:nvPr/>
+        </p:nvSpPr>
+        <p:spPr>
+          <a:xfrm>
+            <a:off x="1571625" y="116443"/>
+            <a:ext cx="790575" cy="771525"/>
+          </a:xfrm>
+          <a:prstGeom prst="ellipse">
+            <a:avLst/>
+          </a:prstGeom>
+          <a:solidFill>
+            <a:srgbClr val="00C4CC"/>
+          </a:solidFill>
+          <a:ln>
+            <a:noFill/>
+          </a:ln>
+        </p:spPr>
+        <p:style>
+          <a:lnRef idx="2">
+            <a:schemeClr val="accent1">
+              <a:shade val="50000"/>
+            </a:schemeClr>
+          </a:lnRef>
+          <a:fillRef idx="1">
+            <a:schemeClr val="accent1"/>
+          </a:fillRef>
+          <a:effectRef idx="0">
+            <a:schemeClr val="accent1"/>
+          </a:effectRef>
+          <a:fontRef idx="minor">
+            <a:schemeClr val="lt1"/>
+          </a:fontRef>
+        </p:style>
+        <p:txBody>
+          <a:bodyPr rtlCol="0" anchor="ctr"/>
+          <a:lstStyle/>
+          <a:p>
+            <a:pPr algn="ctr"/>
+            <a:r>
+              <a:rPr lang="en-US" altLang="ko-KR" sz="4000" dirty="0">
+                <a:latin typeface="Arial Black" panose="020B0A04020102020204" pitchFamily="34" charset="0"/>
+              </a:rPr>
+              <a:t>G</a:t>
+            </a:r>
+            <a:endParaRPr lang="ko-KR" altLang="en-US" sz="4000" dirty="0">
+              <a:latin typeface="Arial Black" panose="020B0A04020102020204" pitchFamily="34" charset="0"/>
+            </a:endParaRPr>
+          </a:p>
+        </p:txBody>
+      </p:sp>
+      <p:sp>
+        <p:nvSpPr>
+          <p:cNvPr id="7" name="직사각형 6">
+            <a:extLst>
+              <a:ext uri="{FF2B5EF4-FFF2-40B4-BE49-F238E27FC236}">
+                <a16:creationId xmlns:a16="http://schemas.microsoft.com/office/drawing/2014/main" id="{14E09186-2807-47E5-8D17-FC9D6A639E1A}"/>
+              </a:ext>
+            </a:extLst>
+          </p:cNvPr>
+          <p:cNvSpPr/>
+          <p:nvPr/>
+        </p:nvSpPr>
+        <p:spPr>
+          <a:xfrm>
+            <a:off x="1571625" y="-405460"/>
+            <a:ext cx="1071127" cy="369332"/>
+          </a:xfrm>
+          <a:prstGeom prst="rect">
+            <a:avLst/>
+          </a:prstGeom>
+        </p:spPr>
+        <p:txBody>
+          <a:bodyPr wrap="none">
+            <a:spAutoFit/>
+          </a:bodyPr>
+          <a:lstStyle/>
+          <a:p>
+            <a:r>
+              <a:rPr lang="en-US" altLang="ko-KR" b="0" i="0" dirty="0">
+                <a:solidFill>
+                  <a:srgbClr val="222222"/>
+                </a:solidFill>
+                <a:effectLst/>
+                <a:latin typeface="Consolas" panose="020B0609020204030204" pitchFamily="49" charset="0"/>
+              </a:rPr>
+              <a:t>#00c4cc</a:t>
+            </a:r>
+            <a:endParaRPr lang="ko-KR" altLang="en-US" dirty="0"/>
+          </a:p>
+        </p:txBody>
+      </p:sp>
+      <p:sp>
+        <p:nvSpPr>
+          <p:cNvPr id="8" name="직사각형 7">
+            <a:extLst>
+              <a:ext uri="{FF2B5EF4-FFF2-40B4-BE49-F238E27FC236}">
+                <a16:creationId xmlns:a16="http://schemas.microsoft.com/office/drawing/2014/main" id="{D0084916-6CB9-4A73-982F-8EAEDA6573A6}"/>
+              </a:ext>
+            </a:extLst>
+          </p:cNvPr>
+          <p:cNvSpPr/>
+          <p:nvPr/>
+        </p:nvSpPr>
+        <p:spPr>
+          <a:xfrm>
+            <a:off x="8867775" y="231814"/>
+            <a:ext cx="1200150" cy="574141"/>
+          </a:xfrm>
+          <a:prstGeom prst="rect">
+            <a:avLst/>
+          </a:prstGeom>
+          <a:noFill/>
+          <a:ln>
+            <a:noFill/>
+          </a:ln>
+        </p:spPr>
+        <p:style>
+          <a:lnRef idx="2">
+            <a:schemeClr val="accent1">
+              <a:shade val="50000"/>
+            </a:schemeClr>
+          </a:lnRef>
+          <a:fillRef idx="1">
+            <a:schemeClr val="accent1"/>
+          </a:fillRef>
+          <a:effectRef idx="0">
+            <a:schemeClr val="accent1"/>
+          </a:effectRef>
+          <a:fontRef idx="minor">
+            <a:schemeClr val="lt1"/>
+          </a:fontRef>
+        </p:style>
+        <p:txBody>
+          <a:bodyPr rtlCol="0" anchor="ctr"/>
+          <a:lstStyle/>
+          <a:p>
+            <a:pPr algn="ctr"/>
+            <a:r>
+              <a:rPr lang="en-US" altLang="ko-KR" b="1" dirty="0">
+                <a:solidFill>
+                  <a:schemeClr val="accent3">
+                    <a:lumMod val="75000"/>
+                  </a:schemeClr>
+                </a:solidFill>
+              </a:rPr>
+              <a:t>Login</a:t>
+            </a:r>
+            <a:endParaRPr lang="ko-KR" altLang="en-US" b="1" dirty="0">
+              <a:solidFill>
+                <a:schemeClr val="accent3">
+                  <a:lumMod val="75000"/>
+                </a:schemeClr>
+              </a:solidFill>
+            </a:endParaRPr>
+          </a:p>
+        </p:txBody>
+      </p:sp>
+      <p:sp>
+        <p:nvSpPr>
+          <p:cNvPr id="10" name="사각형: 둥근 모서리 9">
+            <a:extLst>
+              <a:ext uri="{FF2B5EF4-FFF2-40B4-BE49-F238E27FC236}">
+                <a16:creationId xmlns:a16="http://schemas.microsoft.com/office/drawing/2014/main" id="{6E8EB817-BC05-4938-80CE-57F7F2A73B25}"/>
+              </a:ext>
+            </a:extLst>
+          </p:cNvPr>
+          <p:cNvSpPr/>
+          <p:nvPr/>
+        </p:nvSpPr>
+        <p:spPr>
+          <a:xfrm>
+            <a:off x="10277473" y="259854"/>
+            <a:ext cx="1028701" cy="498455"/>
+          </a:xfrm>
+          <a:prstGeom prst="roundRect">
+            <a:avLst/>
+          </a:prstGeom>
+          <a:solidFill>
+            <a:schemeClr val="bg1"/>
+          </a:solidFill>
+          <a:ln>
+            <a:solidFill>
+              <a:schemeClr val="accent3">
+                <a:lumMod val="75000"/>
+              </a:schemeClr>
+            </a:solidFill>
+          </a:ln>
+        </p:spPr>
+        <p:style>
+          <a:lnRef idx="2">
+            <a:schemeClr val="accent1">
+              <a:shade val="50000"/>
+            </a:schemeClr>
+          </a:lnRef>
+          <a:fillRef idx="1">
+            <a:schemeClr val="accent1"/>
+          </a:fillRef>
+          <a:effectRef idx="0">
+            <a:schemeClr val="accent1"/>
+          </a:effectRef>
+          <a:fontRef idx="minor">
+            <a:schemeClr val="lt1"/>
+          </a:fontRef>
+        </p:style>
+        <p:txBody>
+          <a:bodyPr rtlCol="0" anchor="ctr"/>
+          <a:lstStyle/>
+          <a:p>
+            <a:pPr algn="ctr"/>
+            <a:r>
+              <a:rPr lang="en-US" altLang="ko-KR" sz="1400" b="1" dirty="0">
+                <a:solidFill>
+                  <a:schemeClr val="tx1"/>
+                </a:solidFill>
+              </a:rPr>
+              <a:t>Sign Up</a:t>
+            </a:r>
+            <a:endParaRPr lang="ko-KR" altLang="en-US" sz="1400" b="1" dirty="0">
+              <a:solidFill>
+                <a:schemeClr val="tx1"/>
+              </a:solidFill>
+            </a:endParaRPr>
+          </a:p>
+        </p:txBody>
+      </p:sp>
+      <p:sp>
+        <p:nvSpPr>
+          <p:cNvPr id="20" name="사각형: 둥근 모서리 19">
+            <a:extLst>
+              <a:ext uri="{FF2B5EF4-FFF2-40B4-BE49-F238E27FC236}">
+                <a16:creationId xmlns:a16="http://schemas.microsoft.com/office/drawing/2014/main" id="{7054440E-A1D7-4AF0-AECA-61D6371897AA}"/>
+              </a:ext>
+            </a:extLst>
+          </p:cNvPr>
+          <p:cNvSpPr/>
+          <p:nvPr/>
+        </p:nvSpPr>
+        <p:spPr>
+          <a:xfrm>
             <a:off x="3686175" y="1513938"/>
             <a:ext cx="4819650" cy="6810911"/>
           </a:xfrm>
@@ -9371,7 +10229,7 @@
 </p:sld>
 </file>
 
-<file path=ppt/slides/slide6.xml><?xml version="1.0" encoding="utf-8"?>
+<file path=ppt/slides/slide7.xml><?xml version="1.0" encoding="utf-8"?>
 <p:sld xmlns:a="http://schemas.openxmlformats.org/drawingml/2006/main" xmlns:r="http://schemas.openxmlformats.org/officeDocument/2006/relationships" xmlns:p="http://schemas.openxmlformats.org/presentationml/2006/main">
   <p:cSld>
     <p:spTree>
@@ -11163,6 +12021,402 @@
     <p:extLst>
       <p:ext uri="{BB962C8B-B14F-4D97-AF65-F5344CB8AC3E}">
         <p14:creationId xmlns:p14="http://schemas.microsoft.com/office/powerpoint/2010/main" val="147231390"/>
+      </p:ext>
+    </p:extLst>
+  </p:cSld>
+  <p:clrMapOvr>
+    <a:masterClrMapping/>
+  </p:clrMapOvr>
+</p:sld>
+</file>
+
+<file path=ppt/slides/slide8.xml><?xml version="1.0" encoding="utf-8"?>
+<p:sld xmlns:a="http://schemas.openxmlformats.org/drawingml/2006/main" xmlns:r="http://schemas.openxmlformats.org/officeDocument/2006/relationships" xmlns:p="http://schemas.openxmlformats.org/presentationml/2006/main">
+  <p:cSld>
+    <p:spTree>
+      <p:nvGrpSpPr>
+        <p:cNvPr id="1" name=""/>
+        <p:cNvGrpSpPr/>
+        <p:nvPr/>
+      </p:nvGrpSpPr>
+      <p:grpSpPr>
+        <a:xfrm>
+          <a:off x="0" y="0"/>
+          <a:ext cx="0" cy="0"/>
+          <a:chOff x="0" y="0"/>
+          <a:chExt cx="0" cy="0"/>
+        </a:xfrm>
+      </p:grpSpPr>
+      <p:sp>
+        <p:nvSpPr>
+          <p:cNvPr id="6" name="타원 5">
+            <a:extLst>
+              <a:ext uri="{FF2B5EF4-FFF2-40B4-BE49-F238E27FC236}">
+                <a16:creationId xmlns:a16="http://schemas.microsoft.com/office/drawing/2014/main" id="{93EDF210-D15A-4702-83DD-CCE7D956DAC7}"/>
+              </a:ext>
+            </a:extLst>
+          </p:cNvPr>
+          <p:cNvSpPr/>
+          <p:nvPr/>
+        </p:nvSpPr>
+        <p:spPr>
+          <a:xfrm>
+            <a:off x="1571625" y="116443"/>
+            <a:ext cx="790575" cy="771525"/>
+          </a:xfrm>
+          <a:prstGeom prst="ellipse">
+            <a:avLst/>
+          </a:prstGeom>
+          <a:solidFill>
+            <a:srgbClr val="00C4CC"/>
+          </a:solidFill>
+          <a:ln>
+            <a:noFill/>
+          </a:ln>
+        </p:spPr>
+        <p:style>
+          <a:lnRef idx="2">
+            <a:schemeClr val="accent1">
+              <a:shade val="50000"/>
+            </a:schemeClr>
+          </a:lnRef>
+          <a:fillRef idx="1">
+            <a:schemeClr val="accent1"/>
+          </a:fillRef>
+          <a:effectRef idx="0">
+            <a:schemeClr val="accent1"/>
+          </a:effectRef>
+          <a:fontRef idx="minor">
+            <a:schemeClr val="lt1"/>
+          </a:fontRef>
+        </p:style>
+        <p:txBody>
+          <a:bodyPr rtlCol="0" anchor="ctr"/>
+          <a:lstStyle/>
+          <a:p>
+            <a:pPr algn="ctr"/>
+            <a:r>
+              <a:rPr lang="en-US" altLang="ko-KR" sz="4000" dirty="0">
+                <a:latin typeface="Arial Black" panose="020B0A04020102020204" pitchFamily="34" charset="0"/>
+              </a:rPr>
+              <a:t>G</a:t>
+            </a:r>
+            <a:endParaRPr lang="ko-KR" altLang="en-US" sz="4000" dirty="0">
+              <a:latin typeface="Arial Black" panose="020B0A04020102020204" pitchFamily="34" charset="0"/>
+            </a:endParaRPr>
+          </a:p>
+        </p:txBody>
+      </p:sp>
+      <p:sp>
+        <p:nvSpPr>
+          <p:cNvPr id="7" name="직사각형 6">
+            <a:extLst>
+              <a:ext uri="{FF2B5EF4-FFF2-40B4-BE49-F238E27FC236}">
+                <a16:creationId xmlns:a16="http://schemas.microsoft.com/office/drawing/2014/main" id="{14E09186-2807-47E5-8D17-FC9D6A639E1A}"/>
+              </a:ext>
+            </a:extLst>
+          </p:cNvPr>
+          <p:cNvSpPr/>
+          <p:nvPr/>
+        </p:nvSpPr>
+        <p:spPr>
+          <a:xfrm>
+            <a:off x="1571625" y="-405460"/>
+            <a:ext cx="1071127" cy="369332"/>
+          </a:xfrm>
+          <a:prstGeom prst="rect">
+            <a:avLst/>
+          </a:prstGeom>
+        </p:spPr>
+        <p:txBody>
+          <a:bodyPr wrap="none">
+            <a:spAutoFit/>
+          </a:bodyPr>
+          <a:lstStyle/>
+          <a:p>
+            <a:r>
+              <a:rPr lang="en-US" altLang="ko-KR" b="0" i="0" dirty="0">
+                <a:solidFill>
+                  <a:srgbClr val="222222"/>
+                </a:solidFill>
+                <a:effectLst/>
+                <a:latin typeface="Consolas" panose="020B0609020204030204" pitchFamily="49" charset="0"/>
+              </a:rPr>
+              <a:t>#00c4cc</a:t>
+            </a:r>
+            <a:endParaRPr lang="ko-KR" altLang="en-US" dirty="0"/>
+          </a:p>
+        </p:txBody>
+      </p:sp>
+      <p:sp>
+        <p:nvSpPr>
+          <p:cNvPr id="11" name="직사각형 10">
+            <a:extLst>
+              <a:ext uri="{FF2B5EF4-FFF2-40B4-BE49-F238E27FC236}">
+                <a16:creationId xmlns:a16="http://schemas.microsoft.com/office/drawing/2014/main" id="{EB85D3F4-6F9F-4A37-8439-E551ED294227}"/>
+              </a:ext>
+            </a:extLst>
+          </p:cNvPr>
+          <p:cNvSpPr/>
+          <p:nvPr/>
+        </p:nvSpPr>
+        <p:spPr>
+          <a:xfrm>
+            <a:off x="8162926" y="225099"/>
+            <a:ext cx="1200150" cy="574141"/>
+          </a:xfrm>
+          <a:prstGeom prst="rect">
+            <a:avLst/>
+          </a:prstGeom>
+          <a:noFill/>
+          <a:ln>
+            <a:noFill/>
+          </a:ln>
+        </p:spPr>
+        <p:style>
+          <a:lnRef idx="2">
+            <a:schemeClr val="accent1">
+              <a:shade val="50000"/>
+            </a:schemeClr>
+          </a:lnRef>
+          <a:fillRef idx="1">
+            <a:schemeClr val="accent1"/>
+          </a:fillRef>
+          <a:effectRef idx="0">
+            <a:schemeClr val="accent1"/>
+          </a:effectRef>
+          <a:fontRef idx="minor">
+            <a:schemeClr val="lt1"/>
+          </a:fontRef>
+        </p:style>
+        <p:txBody>
+          <a:bodyPr rtlCol="0" anchor="ctr"/>
+          <a:lstStyle/>
+          <a:p>
+            <a:pPr algn="ctr"/>
+            <a:r>
+              <a:rPr lang="en-US" altLang="ko-KR" b="1" dirty="0">
+                <a:solidFill>
+                  <a:schemeClr val="accent3">
+                    <a:lumMod val="75000"/>
+                  </a:schemeClr>
+                </a:solidFill>
+              </a:rPr>
+              <a:t>logout</a:t>
+            </a:r>
+            <a:endParaRPr lang="ko-KR" altLang="en-US" b="1" dirty="0">
+              <a:solidFill>
+                <a:schemeClr val="accent3">
+                  <a:lumMod val="75000"/>
+                </a:schemeClr>
+              </a:solidFill>
+            </a:endParaRPr>
+          </a:p>
+        </p:txBody>
+      </p:sp>
+      <p:sp>
+        <p:nvSpPr>
+          <p:cNvPr id="12" name="사각형: 둥근 모서리 11">
+            <a:extLst>
+              <a:ext uri="{FF2B5EF4-FFF2-40B4-BE49-F238E27FC236}">
+                <a16:creationId xmlns:a16="http://schemas.microsoft.com/office/drawing/2014/main" id="{90BEE58F-843D-47A9-B56B-8EF5A190E2BF}"/>
+              </a:ext>
+            </a:extLst>
+          </p:cNvPr>
+          <p:cNvSpPr/>
+          <p:nvPr/>
+        </p:nvSpPr>
+        <p:spPr>
+          <a:xfrm>
+            <a:off x="9572624" y="253139"/>
+            <a:ext cx="1028701" cy="498455"/>
+          </a:xfrm>
+          <a:prstGeom prst="roundRect">
+            <a:avLst/>
+          </a:prstGeom>
+          <a:solidFill>
+            <a:schemeClr val="bg1"/>
+          </a:solidFill>
+          <a:ln>
+            <a:solidFill>
+              <a:schemeClr val="accent3">
+                <a:lumMod val="75000"/>
+              </a:schemeClr>
+            </a:solidFill>
+          </a:ln>
+        </p:spPr>
+        <p:style>
+          <a:lnRef idx="2">
+            <a:schemeClr val="accent1">
+              <a:shade val="50000"/>
+            </a:schemeClr>
+          </a:lnRef>
+          <a:fillRef idx="1">
+            <a:schemeClr val="accent1"/>
+          </a:fillRef>
+          <a:effectRef idx="0">
+            <a:schemeClr val="accent1"/>
+          </a:effectRef>
+          <a:fontRef idx="minor">
+            <a:schemeClr val="lt1"/>
+          </a:fontRef>
+        </p:style>
+        <p:txBody>
+          <a:bodyPr rtlCol="0" anchor="ctr"/>
+          <a:lstStyle/>
+          <a:p>
+            <a:pPr algn="ctr"/>
+            <a:r>
+              <a:rPr lang="en-US" altLang="ko-KR" sz="1400" b="1" dirty="0">
+                <a:solidFill>
+                  <a:schemeClr val="tx1"/>
+                </a:solidFill>
+              </a:rPr>
+              <a:t>My Info</a:t>
+            </a:r>
+            <a:endParaRPr lang="ko-KR" altLang="en-US" sz="1400" b="1" dirty="0">
+              <a:solidFill>
+                <a:schemeClr val="tx1"/>
+              </a:solidFill>
+            </a:endParaRPr>
+          </a:p>
+        </p:txBody>
+      </p:sp>
+      <p:sp>
+        <p:nvSpPr>
+          <p:cNvPr id="14" name="사각형: 둥근 모서리 13">
+            <a:extLst>
+              <a:ext uri="{FF2B5EF4-FFF2-40B4-BE49-F238E27FC236}">
+                <a16:creationId xmlns:a16="http://schemas.microsoft.com/office/drawing/2014/main" id="{51B93145-5842-4F23-97AC-8829211CB7CE}"/>
+              </a:ext>
+            </a:extLst>
+          </p:cNvPr>
+          <p:cNvSpPr/>
+          <p:nvPr/>
+        </p:nvSpPr>
+        <p:spPr>
+          <a:xfrm>
+            <a:off x="10810873" y="262941"/>
+            <a:ext cx="1162053" cy="498455"/>
+          </a:xfrm>
+          <a:prstGeom prst="roundRect">
+            <a:avLst/>
+          </a:prstGeom>
+          <a:solidFill>
+            <a:schemeClr val="bg1"/>
+          </a:solidFill>
+          <a:ln>
+            <a:solidFill>
+              <a:schemeClr val="accent3">
+                <a:lumMod val="75000"/>
+              </a:schemeClr>
+            </a:solidFill>
+          </a:ln>
+        </p:spPr>
+        <p:style>
+          <a:lnRef idx="2">
+            <a:schemeClr val="accent1">
+              <a:shade val="50000"/>
+            </a:schemeClr>
+          </a:lnRef>
+          <a:fillRef idx="1">
+            <a:schemeClr val="accent1"/>
+          </a:fillRef>
+          <a:effectRef idx="0">
+            <a:schemeClr val="accent1"/>
+          </a:effectRef>
+          <a:fontRef idx="minor">
+            <a:schemeClr val="lt1"/>
+          </a:fontRef>
+        </p:style>
+        <p:txBody>
+          <a:bodyPr rtlCol="0" anchor="ctr"/>
+          <a:lstStyle/>
+          <a:p>
+            <a:pPr algn="ctr"/>
+            <a:r>
+              <a:rPr lang="en-US" altLang="ko-KR" sz="1400" b="1" dirty="0">
+                <a:solidFill>
+                  <a:schemeClr val="tx1"/>
+                </a:solidFill>
+              </a:rPr>
+              <a:t>My Sheet</a:t>
+            </a:r>
+            <a:endParaRPr lang="ko-KR" altLang="en-US" sz="1400" b="1" dirty="0">
+              <a:solidFill>
+                <a:schemeClr val="tx1"/>
+              </a:solidFill>
+            </a:endParaRPr>
+          </a:p>
+        </p:txBody>
+      </p:sp>
+      <p:sp>
+        <p:nvSpPr>
+          <p:cNvPr id="29" name="사각형: 둥근 모서리 11">
+            <a:extLst>
+              <a:ext uri="{FF2B5EF4-FFF2-40B4-BE49-F238E27FC236}">
+                <a16:creationId xmlns:a16="http://schemas.microsoft.com/office/drawing/2014/main" id="{07636874-4426-6B43-A99A-BE48149F18F8}"/>
+              </a:ext>
+            </a:extLst>
+          </p:cNvPr>
+          <p:cNvSpPr/>
+          <p:nvPr/>
+        </p:nvSpPr>
+        <p:spPr>
+          <a:xfrm>
+            <a:off x="2107188" y="1757699"/>
+            <a:ext cx="7617803" cy="968456"/>
+          </a:xfrm>
+          <a:prstGeom prst="roundRect">
+            <a:avLst/>
+          </a:prstGeom>
+          <a:solidFill>
+            <a:schemeClr val="bg1"/>
+          </a:solidFill>
+          <a:ln>
+            <a:solidFill>
+              <a:schemeClr val="accent3">
+                <a:lumMod val="75000"/>
+              </a:schemeClr>
+            </a:solidFill>
+          </a:ln>
+        </p:spPr>
+        <p:style>
+          <a:lnRef idx="2">
+            <a:schemeClr val="accent1">
+              <a:shade val="50000"/>
+            </a:schemeClr>
+          </a:lnRef>
+          <a:fillRef idx="1">
+            <a:schemeClr val="accent1"/>
+          </a:fillRef>
+          <a:effectRef idx="0">
+            <a:schemeClr val="accent1"/>
+          </a:effectRef>
+          <a:fontRef idx="minor">
+            <a:schemeClr val="lt1"/>
+          </a:fontRef>
+        </p:style>
+        <p:txBody>
+          <a:bodyPr rtlCol="0" anchor="ctr"/>
+          <a:lstStyle/>
+          <a:p>
+            <a:pPr algn="ctr"/>
+            <a:r>
+              <a:rPr lang="ko-KR" altLang="en-US" sz="1400" b="1" dirty="0">
+                <a:solidFill>
+                  <a:schemeClr val="tx1"/>
+                </a:solidFill>
+              </a:rPr>
+              <a:t>메일 본문 내용</a:t>
+            </a:r>
+          </a:p>
+        </p:txBody>
+      </p:sp>
+    </p:spTree>
+    <p:extLst>
+      <p:ext uri="{BB962C8B-B14F-4D97-AF65-F5344CB8AC3E}">
+        <p14:creationId xmlns:p14="http://schemas.microsoft.com/office/powerpoint/2010/main" val="3623573898"/>
       </p:ext>
     </p:extLst>
   </p:cSld>
